--- a/Survey System - Progress Presentation 3.pptx
+++ b/Survey System - Progress Presentation 3.pptx
@@ -5,16 +5,21 @@
     <p:sldMasterId id="2147483660" r:id="rId1"/>
   </p:sldMasterIdLst>
   <p:notesMasterIdLst>
-    <p:notesMasterId r:id="rId9"/>
+    <p:notesMasterId r:id="rId14"/>
   </p:notesMasterIdLst>
   <p:sldIdLst>
     <p:sldId id="256" r:id="rId2"/>
     <p:sldId id="258" r:id="rId3"/>
     <p:sldId id="257" r:id="rId4"/>
     <p:sldId id="261" r:id="rId5"/>
-    <p:sldId id="262" r:id="rId6"/>
-    <p:sldId id="260" r:id="rId7"/>
-    <p:sldId id="259" r:id="rId8"/>
+    <p:sldId id="263" r:id="rId6"/>
+    <p:sldId id="264" r:id="rId7"/>
+    <p:sldId id="265" r:id="rId8"/>
+    <p:sldId id="266" r:id="rId9"/>
+    <p:sldId id="267" r:id="rId10"/>
+    <p:sldId id="262" r:id="rId11"/>
+    <p:sldId id="260" r:id="rId12"/>
+    <p:sldId id="259" r:id="rId13"/>
   </p:sldIdLst>
   <p:sldSz cx="9144000" cy="6858000" type="screen4x3"/>
   <p:notesSz cx="6858000" cy="9144000"/>
@@ -198,7 +203,7 @@
           <a:p>
             <a:fld id="{14FE2FB0-7E73-4AA2-8150-33F49396550F}" type="datetimeFigureOut">
               <a:rPr lang="en-US" smtClean="0"/>
-              <a:t>2/18/2018</a:t>
+              <a:t>2/19/2018</a:t>
             </a:fld>
             <a:endParaRPr lang="en-US"/>
           </a:p>
@@ -510,14 +515,6 @@
           <a:bodyPr/>
           <a:lstStyle/>
           <a:p>
-            <a:r>
-              <a:rPr lang="en-US" dirty="0" smtClean="0"/>
-              <a:t>We are Drop</a:t>
-            </a:r>
-            <a:r>
-              <a:rPr lang="en-US" baseline="0" dirty="0" smtClean="0"/>
-              <a:t> Table Team and, as you guys know by now, our project is the survey system.</a:t>
-            </a:r>
             <a:endParaRPr lang="en-US" dirty="0"/>
           </a:p>
         </p:txBody>
@@ -602,14 +599,6 @@
           <a:bodyPr/>
           <a:lstStyle/>
           <a:p>
-            <a:r>
-              <a:rPr lang="en-US" dirty="0" smtClean="0"/>
-              <a:t>So what are the details of this project?</a:t>
-            </a:r>
-            <a:r>
-              <a:rPr lang="en-US" baseline="0" dirty="0" smtClean="0"/>
-              <a:t> Well, we are looking to build and implement a web-based survey system. It should be easily implementable on any website. The user need only upload the system files, run the create table scripts, and configure the system. Part of the configuration involves customizing the question pool and the automated email script. Then, after a survey is run, the administrator will be able to generate insightful reports from the responses.</a:t>
-            </a:r>
             <a:endParaRPr lang="en-US" dirty="0"/>
           </a:p>
         </p:txBody>
@@ -694,36 +683,6 @@
           <a:bodyPr/>
           <a:lstStyle/>
           <a:p>
-            <a:r>
-              <a:rPr lang="en-US" dirty="0" smtClean="0"/>
-              <a:t>So what sets this system apart from existing</a:t>
-            </a:r>
-            <a:r>
-              <a:rPr lang="en-US" baseline="0" dirty="0" smtClean="0"/>
-              <a:t> solutions? First of all, it uses semantic differential questions, whereby the survey participant is presented with two opposing statements. The user then indicates which statement they agree with and the degree to which they agree with it. In this way, the questions feature a mix of semantic differential scale and </a:t>
-            </a:r>
-            <a:r>
-              <a:rPr lang="en-US" baseline="0" dirty="0" err="1" smtClean="0"/>
-              <a:t>likert</a:t>
-            </a:r>
-            <a:r>
-              <a:rPr lang="en-US" baseline="0" dirty="0" smtClean="0"/>
-              <a:t> scale.</a:t>
-            </a:r>
-            <a:br>
-              <a:rPr lang="en-US" baseline="0" dirty="0" smtClean="0"/>
-            </a:br>
-            <a:r>
-              <a:rPr lang="en-US" baseline="0" dirty="0" smtClean="0"/>
-              <a:t/>
-            </a:r>
-            <a:br>
-              <a:rPr lang="en-US" baseline="0" dirty="0" smtClean="0"/>
-            </a:br>
-            <a:r>
-              <a:rPr lang="en-US" baseline="0" dirty="0" smtClean="0"/>
-              <a:t>Then there’s the survey structure, which targets companies of any size or function. After the administrator creates a company entry in the system, they can run multiple surveys on that company. For each survey, there are one or more departments, and for each department, there are one or more participants.</a:t>
-            </a:r>
             <a:endParaRPr lang="en-US" dirty="0"/>
           </a:p>
         </p:txBody>
@@ -1041,7 +1000,7 @@
           <a:p>
             <a:fld id="{B3238089-FB4F-4FF5-B3AA-6347969F1A37}" type="datetimeFigureOut">
               <a:rPr lang="en-US" smtClean="0"/>
-              <a:t>2/18/2018</a:t>
+              <a:t>2/19/2018</a:t>
             </a:fld>
             <a:endParaRPr lang="en-US"/>
           </a:p>
@@ -1306,7 +1265,7 @@
           <a:p>
             <a:fld id="{B3238089-FB4F-4FF5-B3AA-6347969F1A37}" type="datetimeFigureOut">
               <a:rPr lang="en-US" smtClean="0"/>
-              <a:t>2/18/2018</a:t>
+              <a:t>2/19/2018</a:t>
             </a:fld>
             <a:endParaRPr lang="en-US"/>
           </a:p>
@@ -1481,7 +1440,7 @@
           <a:p>
             <a:fld id="{B3238089-FB4F-4FF5-B3AA-6347969F1A37}" type="datetimeFigureOut">
               <a:rPr lang="en-US" smtClean="0"/>
-              <a:t>2/18/2018</a:t>
+              <a:t>2/19/2018</a:t>
             </a:fld>
             <a:endParaRPr lang="en-US"/>
           </a:p>
@@ -1646,7 +1605,7 @@
           <a:p>
             <a:fld id="{B3238089-FB4F-4FF5-B3AA-6347969F1A37}" type="datetimeFigureOut">
               <a:rPr lang="en-US" smtClean="0"/>
-              <a:t>2/18/2018</a:t>
+              <a:t>2/19/2018</a:t>
             </a:fld>
             <a:endParaRPr lang="en-US"/>
           </a:p>
@@ -1895,7 +1854,7 @@
           <a:p>
             <a:fld id="{B3238089-FB4F-4FF5-B3AA-6347969F1A37}" type="datetimeFigureOut">
               <a:rPr lang="en-US" smtClean="0"/>
-              <a:t>2/18/2018</a:t>
+              <a:t>2/19/2018</a:t>
             </a:fld>
             <a:endParaRPr lang="en-US"/>
           </a:p>
@@ -2178,7 +2137,7 @@
           <a:p>
             <a:fld id="{B3238089-FB4F-4FF5-B3AA-6347969F1A37}" type="datetimeFigureOut">
               <a:rPr lang="en-US" smtClean="0"/>
-              <a:t>2/18/2018</a:t>
+              <a:t>2/19/2018</a:t>
             </a:fld>
             <a:endParaRPr lang="en-US"/>
           </a:p>
@@ -2617,7 +2576,7 @@
           <a:p>
             <a:fld id="{B3238089-FB4F-4FF5-B3AA-6347969F1A37}" type="datetimeFigureOut">
               <a:rPr lang="en-US" smtClean="0"/>
-              <a:t>2/18/2018</a:t>
+              <a:t>2/19/2018</a:t>
             </a:fld>
             <a:endParaRPr lang="en-US"/>
           </a:p>
@@ -2730,7 +2689,7 @@
           <a:p>
             <a:fld id="{B3238089-FB4F-4FF5-B3AA-6347969F1A37}" type="datetimeFigureOut">
               <a:rPr lang="en-US" smtClean="0"/>
-              <a:t>2/18/2018</a:t>
+              <a:t>2/19/2018</a:t>
             </a:fld>
             <a:endParaRPr lang="en-US"/>
           </a:p>
@@ -2820,7 +2779,7 @@
           <a:p>
             <a:fld id="{B3238089-FB4F-4FF5-B3AA-6347969F1A37}" type="datetimeFigureOut">
               <a:rPr lang="en-US" smtClean="0"/>
-              <a:t>2/18/2018</a:t>
+              <a:t>2/19/2018</a:t>
             </a:fld>
             <a:endParaRPr lang="en-US"/>
           </a:p>
@@ -3062,7 +3021,7 @@
           <a:p>
             <a:fld id="{B3238089-FB4F-4FF5-B3AA-6347969F1A37}" type="datetimeFigureOut">
               <a:rPr lang="en-US" smtClean="0"/>
-              <a:t>2/18/2018</a:t>
+              <a:t>2/19/2018</a:t>
             </a:fld>
             <a:endParaRPr lang="en-US"/>
           </a:p>
@@ -3356,7 +3315,7 @@
           <a:p>
             <a:fld id="{B3238089-FB4F-4FF5-B3AA-6347969F1A37}" type="datetimeFigureOut">
               <a:rPr lang="en-US" smtClean="0"/>
-              <a:t>2/18/2018</a:t>
+              <a:t>2/19/2018</a:t>
             </a:fld>
             <a:endParaRPr lang="en-US"/>
           </a:p>
@@ -3650,7 +3609,7 @@
           <a:p>
             <a:fld id="{B3238089-FB4F-4FF5-B3AA-6347969F1A37}" type="datetimeFigureOut">
               <a:rPr lang="en-US" smtClean="0"/>
-              <a:t>2/18/2018</a:t>
+              <a:t>2/19/2018</a:t>
             </a:fld>
             <a:endParaRPr lang="en-US"/>
           </a:p>
@@ -4208,6 +4167,378 @@
 </p:sld>
 </file>
 
+<file path=ppt/slides/slide10.xml><?xml version="1.0" encoding="utf-8"?>
+<p:sld xmlns:a="http://schemas.openxmlformats.org/drawingml/2006/main" xmlns:r="http://schemas.openxmlformats.org/officeDocument/2006/relationships" xmlns:p="http://schemas.openxmlformats.org/presentationml/2006/main">
+  <p:cSld>
+    <p:spTree>
+      <p:nvGrpSpPr>
+        <p:cNvPr id="1" name=""/>
+        <p:cNvGrpSpPr/>
+        <p:nvPr/>
+      </p:nvGrpSpPr>
+      <p:grpSpPr>
+        <a:xfrm>
+          <a:off x="0" y="0"/>
+          <a:ext cx="0" cy="0"/>
+          <a:chOff x="0" y="0"/>
+          <a:chExt cx="0" cy="0"/>
+        </a:xfrm>
+      </p:grpSpPr>
+      <p:sp>
+        <p:nvSpPr>
+          <p:cNvPr id="2" name="Title 1"/>
+          <p:cNvSpPr>
+            <a:spLocks noGrp="1"/>
+          </p:cNvSpPr>
+          <p:nvPr>
+            <p:ph type="title"/>
+          </p:nvPr>
+        </p:nvSpPr>
+        <p:spPr/>
+        <p:txBody>
+          <a:bodyPr/>
+          <a:lstStyle/>
+          <a:p>
+            <a:r>
+              <a:rPr lang="en-US" dirty="0" smtClean="0"/>
+              <a:t>ER Diagram</a:t>
+            </a:r>
+            <a:endParaRPr lang="en-US" dirty="0"/>
+          </a:p>
+        </p:txBody>
+      </p:sp>
+      <p:pic>
+        <p:nvPicPr>
+          <p:cNvPr id="1026" name="Picture 2"/>
+          <p:cNvPicPr>
+            <a:picLocks noChangeAspect="1" noChangeArrowheads="1"/>
+          </p:cNvPicPr>
+          <p:nvPr/>
+        </p:nvPicPr>
+        <p:blipFill>
+          <a:blip r:embed="rId2">
+            <a:extLst>
+              <a:ext uri="{28A0092B-C50C-407E-A947-70E740481C1C}">
+                <a14:useLocalDpi xmlns:a14="http://schemas.microsoft.com/office/drawing/2010/main" val="0"/>
+              </a:ext>
+            </a:extLst>
+          </a:blip>
+          <a:srcRect/>
+          <a:stretch>
+            <a:fillRect/>
+          </a:stretch>
+        </p:blipFill>
+        <p:spPr bwMode="auto">
+          <a:xfrm>
+            <a:off x="609600" y="1828800"/>
+            <a:ext cx="7010400" cy="3143250"/>
+          </a:xfrm>
+          <a:prstGeom prst="rect">
+            <a:avLst/>
+          </a:prstGeom>
+          <a:noFill/>
+          <a:ln>
+            <a:noFill/>
+          </a:ln>
+          <a:effectLst/>
+          <a:extLst>
+            <a:ext uri="{909E8E84-426E-40DD-AFC4-6F175D3DCCD1}">
+              <a14:hiddenFill xmlns:a14="http://schemas.microsoft.com/office/drawing/2010/main">
+                <a:solidFill>
+                  <a:schemeClr val="accent1"/>
+                </a:solidFill>
+              </a14:hiddenFill>
+            </a:ext>
+            <a:ext uri="{91240B29-F687-4F45-9708-019B960494DF}">
+              <a14:hiddenLine xmlns:a14="http://schemas.microsoft.com/office/drawing/2010/main" w="9525">
+                <a:solidFill>
+                  <a:schemeClr val="tx1"/>
+                </a:solidFill>
+                <a:miter lim="800000"/>
+                <a:headEnd/>
+                <a:tailEnd/>
+              </a14:hiddenLine>
+            </a:ext>
+            <a:ext uri="{AF507438-7753-43E0-B8FC-AC1667EBCBE1}">
+              <a14:hiddenEffects xmlns:a14="http://schemas.microsoft.com/office/drawing/2010/main">
+                <a:effectLst>
+                  <a:outerShdw dist="35921" dir="2700000" algn="ctr" rotWithShape="0">
+                    <a:schemeClr val="bg2"/>
+                  </a:outerShdw>
+                </a:effectLst>
+              </a14:hiddenEffects>
+            </a:ext>
+          </a:extLst>
+        </p:spPr>
+      </p:pic>
+    </p:spTree>
+    <p:extLst>
+      <p:ext uri="{BB962C8B-B14F-4D97-AF65-F5344CB8AC3E}">
+        <p14:creationId xmlns:p14="http://schemas.microsoft.com/office/powerpoint/2010/main" val="2990739705"/>
+      </p:ext>
+    </p:extLst>
+  </p:cSld>
+  <p:clrMapOvr>
+    <a:masterClrMapping/>
+  </p:clrMapOvr>
+  <p:timing>
+    <p:tnLst>
+      <p:par>
+        <p:cTn id="1" dur="indefinite" restart="never" nodeType="tmRoot"/>
+      </p:par>
+    </p:tnLst>
+  </p:timing>
+</p:sld>
+</file>
+
+<file path=ppt/slides/slide11.xml><?xml version="1.0" encoding="utf-8"?>
+<p:sld xmlns:a="http://schemas.openxmlformats.org/drawingml/2006/main" xmlns:r="http://schemas.openxmlformats.org/officeDocument/2006/relationships" xmlns:p="http://schemas.openxmlformats.org/presentationml/2006/main">
+  <p:cSld>
+    <p:spTree>
+      <p:nvGrpSpPr>
+        <p:cNvPr id="1" name=""/>
+        <p:cNvGrpSpPr/>
+        <p:nvPr/>
+      </p:nvGrpSpPr>
+      <p:grpSpPr>
+        <a:xfrm>
+          <a:off x="0" y="0"/>
+          <a:ext cx="0" cy="0"/>
+          <a:chOff x="0" y="0"/>
+          <a:chExt cx="0" cy="0"/>
+        </a:xfrm>
+      </p:grpSpPr>
+      <p:sp>
+        <p:nvSpPr>
+          <p:cNvPr id="2" name="Title 1"/>
+          <p:cNvSpPr>
+            <a:spLocks noGrp="1"/>
+          </p:cNvSpPr>
+          <p:nvPr>
+            <p:ph type="title"/>
+          </p:nvPr>
+        </p:nvSpPr>
+        <p:spPr/>
+        <p:txBody>
+          <a:bodyPr/>
+          <a:lstStyle/>
+          <a:p>
+            <a:r>
+              <a:rPr lang="en-US" dirty="0" smtClean="0"/>
+              <a:t>System Model</a:t>
+            </a:r>
+            <a:endParaRPr lang="en-US" dirty="0"/>
+          </a:p>
+        </p:txBody>
+      </p:sp>
+      <p:pic>
+        <p:nvPicPr>
+          <p:cNvPr id="3074" name="Picture 2"/>
+          <p:cNvPicPr>
+            <a:picLocks noChangeAspect="1" noChangeArrowheads="1"/>
+          </p:cNvPicPr>
+          <p:nvPr/>
+        </p:nvPicPr>
+        <p:blipFill>
+          <a:blip r:embed="rId2">
+            <a:extLst>
+              <a:ext uri="{28A0092B-C50C-407E-A947-70E740481C1C}">
+                <a14:useLocalDpi xmlns:a14="http://schemas.microsoft.com/office/drawing/2010/main" val="0"/>
+              </a:ext>
+            </a:extLst>
+          </a:blip>
+          <a:srcRect/>
+          <a:stretch>
+            <a:fillRect/>
+          </a:stretch>
+        </p:blipFill>
+        <p:spPr bwMode="auto">
+          <a:xfrm>
+            <a:off x="533400" y="1752600"/>
+            <a:ext cx="8001000" cy="4277479"/>
+          </a:xfrm>
+          <a:prstGeom prst="rect">
+            <a:avLst/>
+          </a:prstGeom>
+          <a:noFill/>
+          <a:ln>
+            <a:noFill/>
+          </a:ln>
+          <a:effectLst/>
+          <a:extLst>
+            <a:ext uri="{909E8E84-426E-40DD-AFC4-6F175D3DCCD1}">
+              <a14:hiddenFill xmlns:a14="http://schemas.microsoft.com/office/drawing/2010/main">
+                <a:solidFill>
+                  <a:schemeClr val="accent1"/>
+                </a:solidFill>
+              </a14:hiddenFill>
+            </a:ext>
+            <a:ext uri="{91240B29-F687-4F45-9708-019B960494DF}">
+              <a14:hiddenLine xmlns:a14="http://schemas.microsoft.com/office/drawing/2010/main" w="9525">
+                <a:solidFill>
+                  <a:schemeClr val="tx1"/>
+                </a:solidFill>
+                <a:miter lim="800000"/>
+                <a:headEnd/>
+                <a:tailEnd/>
+              </a14:hiddenLine>
+            </a:ext>
+            <a:ext uri="{AF507438-7753-43E0-B8FC-AC1667EBCBE1}">
+              <a14:hiddenEffects xmlns:a14="http://schemas.microsoft.com/office/drawing/2010/main">
+                <a:effectLst>
+                  <a:outerShdw dist="35921" dir="2700000" algn="ctr" rotWithShape="0">
+                    <a:schemeClr val="bg2"/>
+                  </a:outerShdw>
+                </a:effectLst>
+              </a14:hiddenEffects>
+            </a:ext>
+          </a:extLst>
+        </p:spPr>
+      </p:pic>
+    </p:spTree>
+    <p:extLst>
+      <p:ext uri="{BB962C8B-B14F-4D97-AF65-F5344CB8AC3E}">
+        <p14:creationId xmlns:p14="http://schemas.microsoft.com/office/powerpoint/2010/main" val="1821445687"/>
+      </p:ext>
+    </p:extLst>
+  </p:cSld>
+  <p:clrMapOvr>
+    <a:masterClrMapping/>
+  </p:clrMapOvr>
+  <p:timing>
+    <p:tnLst>
+      <p:par>
+        <p:cTn id="1" dur="indefinite" restart="never" nodeType="tmRoot"/>
+      </p:par>
+    </p:tnLst>
+  </p:timing>
+</p:sld>
+</file>
+
+<file path=ppt/slides/slide12.xml><?xml version="1.0" encoding="utf-8"?>
+<p:sld xmlns:a="http://schemas.openxmlformats.org/drawingml/2006/main" xmlns:r="http://schemas.openxmlformats.org/officeDocument/2006/relationships" xmlns:p="http://schemas.openxmlformats.org/presentationml/2006/main">
+  <p:cSld>
+    <p:spTree>
+      <p:nvGrpSpPr>
+        <p:cNvPr id="1" name=""/>
+        <p:cNvGrpSpPr/>
+        <p:nvPr/>
+      </p:nvGrpSpPr>
+      <p:grpSpPr>
+        <a:xfrm>
+          <a:off x="0" y="0"/>
+          <a:ext cx="0" cy="0"/>
+          <a:chOff x="0" y="0"/>
+          <a:chExt cx="0" cy="0"/>
+        </a:xfrm>
+      </p:grpSpPr>
+      <p:sp>
+        <p:nvSpPr>
+          <p:cNvPr id="2" name="Title 1"/>
+          <p:cNvSpPr>
+            <a:spLocks noGrp="1"/>
+          </p:cNvSpPr>
+          <p:nvPr>
+            <p:ph type="title"/>
+          </p:nvPr>
+        </p:nvSpPr>
+        <p:spPr/>
+        <p:txBody>
+          <a:bodyPr/>
+          <a:lstStyle/>
+          <a:p>
+            <a:r>
+              <a:rPr lang="en-US" dirty="0" smtClean="0"/>
+              <a:t>System Model</a:t>
+            </a:r>
+            <a:endParaRPr lang="en-US" dirty="0"/>
+          </a:p>
+        </p:txBody>
+      </p:sp>
+      <p:pic>
+        <p:nvPicPr>
+          <p:cNvPr id="2051" name="Picture 3"/>
+          <p:cNvPicPr>
+            <a:picLocks noChangeAspect="1" noChangeArrowheads="1"/>
+          </p:cNvPicPr>
+          <p:nvPr/>
+        </p:nvPicPr>
+        <p:blipFill>
+          <a:blip r:embed="rId2">
+            <a:extLst>
+              <a:ext uri="{28A0092B-C50C-407E-A947-70E740481C1C}">
+                <a14:useLocalDpi xmlns:a14="http://schemas.microsoft.com/office/drawing/2010/main" val="0"/>
+              </a:ext>
+            </a:extLst>
+          </a:blip>
+          <a:srcRect/>
+          <a:stretch>
+            <a:fillRect/>
+          </a:stretch>
+        </p:blipFill>
+        <p:spPr bwMode="auto">
+          <a:xfrm>
+            <a:off x="533400" y="1600200"/>
+            <a:ext cx="7391400" cy="4343850"/>
+          </a:xfrm>
+          <a:prstGeom prst="rect">
+            <a:avLst/>
+          </a:prstGeom>
+          <a:noFill/>
+          <a:ln>
+            <a:noFill/>
+          </a:ln>
+          <a:effectLst/>
+          <a:extLst>
+            <a:ext uri="{909E8E84-426E-40DD-AFC4-6F175D3DCCD1}">
+              <a14:hiddenFill xmlns:a14="http://schemas.microsoft.com/office/drawing/2010/main">
+                <a:solidFill>
+                  <a:schemeClr val="accent1"/>
+                </a:solidFill>
+              </a14:hiddenFill>
+            </a:ext>
+            <a:ext uri="{91240B29-F687-4F45-9708-019B960494DF}">
+              <a14:hiddenLine xmlns:a14="http://schemas.microsoft.com/office/drawing/2010/main" w="9525">
+                <a:solidFill>
+                  <a:schemeClr val="tx1"/>
+                </a:solidFill>
+                <a:miter lim="800000"/>
+                <a:headEnd/>
+                <a:tailEnd/>
+              </a14:hiddenLine>
+            </a:ext>
+            <a:ext uri="{AF507438-7753-43E0-B8FC-AC1667EBCBE1}">
+              <a14:hiddenEffects xmlns:a14="http://schemas.microsoft.com/office/drawing/2010/main">
+                <a:effectLst>
+                  <a:outerShdw dist="35921" dir="2700000" algn="ctr" rotWithShape="0">
+                    <a:schemeClr val="bg2"/>
+                  </a:outerShdw>
+                </a:effectLst>
+              </a14:hiddenEffects>
+            </a:ext>
+          </a:extLst>
+        </p:spPr>
+      </p:pic>
+    </p:spTree>
+    <p:extLst>
+      <p:ext uri="{BB962C8B-B14F-4D97-AF65-F5344CB8AC3E}">
+        <p14:creationId xmlns:p14="http://schemas.microsoft.com/office/powerpoint/2010/main" val="1449219894"/>
+      </p:ext>
+    </p:extLst>
+  </p:cSld>
+  <p:clrMapOvr>
+    <a:masterClrMapping/>
+  </p:clrMapOvr>
+  <p:timing>
+    <p:tnLst>
+      <p:par>
+        <p:cTn id="1" dur="indefinite" restart="never" nodeType="tmRoot"/>
+      </p:par>
+    </p:tnLst>
+  </p:timing>
+</p:sld>
+</file>
+
 <file path=ppt/slides/slide2.xml><?xml version="1.0" encoding="utf-8"?>
 <p:sld xmlns:a="http://schemas.openxmlformats.org/drawingml/2006/main" xmlns:r="http://schemas.openxmlformats.org/officeDocument/2006/relationships" xmlns:p="http://schemas.openxmlformats.org/presentationml/2006/main">
   <p:cSld>
@@ -6943,80 +7274,100 @@
           <a:p>
             <a:r>
               <a:rPr lang="en-US" dirty="0" smtClean="0"/>
-              <a:t>ER Diagram</a:t>
+              <a:t>Requirement Specification</a:t>
             </a:r>
             <a:endParaRPr lang="en-US" dirty="0"/>
           </a:p>
         </p:txBody>
       </p:sp>
-      <p:pic>
-        <p:nvPicPr>
-          <p:cNvPr id="1026" name="Picture 2"/>
-          <p:cNvPicPr>
-            <a:picLocks noChangeAspect="1" noChangeArrowheads="1"/>
-          </p:cNvPicPr>
-          <p:nvPr/>
-        </p:nvPicPr>
-        <p:blipFill>
-          <a:blip r:embed="rId2">
-            <a:extLst>
-              <a:ext uri="{28A0092B-C50C-407E-A947-70E740481C1C}">
-                <a14:useLocalDpi xmlns:a14="http://schemas.microsoft.com/office/drawing/2010/main" val="0"/>
-              </a:ext>
-            </a:extLst>
-          </a:blip>
-          <a:srcRect/>
-          <a:stretch>
-            <a:fillRect/>
-          </a:stretch>
-        </p:blipFill>
-        <p:spPr bwMode="auto">
-          <a:xfrm>
-            <a:off x="609600" y="1828800"/>
-            <a:ext cx="7010400" cy="3143250"/>
-          </a:xfrm>
-          <a:prstGeom prst="rect">
-            <a:avLst/>
-          </a:prstGeom>
-          <a:noFill/>
-          <a:ln>
-            <a:noFill/>
-          </a:ln>
-          <a:effectLst/>
-          <a:extLst>
-            <a:ext uri="{909E8E84-426E-40DD-AFC4-6F175D3DCCD1}">
-              <a14:hiddenFill xmlns:a14="http://schemas.microsoft.com/office/drawing/2010/main">
-                <a:solidFill>
-                  <a:schemeClr val="accent1"/>
-                </a:solidFill>
-              </a14:hiddenFill>
-            </a:ext>
-            <a:ext uri="{91240B29-F687-4F45-9708-019B960494DF}">
-              <a14:hiddenLine xmlns:a14="http://schemas.microsoft.com/office/drawing/2010/main" w="9525">
-                <a:solidFill>
-                  <a:schemeClr val="tx1"/>
-                </a:solidFill>
-                <a:miter lim="800000"/>
-                <a:headEnd/>
-                <a:tailEnd/>
-              </a14:hiddenLine>
-            </a:ext>
-            <a:ext uri="{AF507438-7753-43E0-B8FC-AC1667EBCBE1}">
-              <a14:hiddenEffects xmlns:a14="http://schemas.microsoft.com/office/drawing/2010/main">
-                <a:effectLst>
-                  <a:outerShdw dist="35921" dir="2700000" algn="ctr" rotWithShape="0">
-                    <a:schemeClr val="bg2"/>
-                  </a:outerShdw>
-                </a:effectLst>
-              </a14:hiddenEffects>
-            </a:ext>
-          </a:extLst>
-        </p:spPr>
-      </p:pic>
+      <p:sp>
+        <p:nvSpPr>
+          <p:cNvPr id="3" name="Content Placeholder 2"/>
+          <p:cNvSpPr>
+            <a:spLocks noGrp="1"/>
+          </p:cNvSpPr>
+          <p:nvPr>
+            <p:ph idx="1"/>
+          </p:nvPr>
+        </p:nvSpPr>
+        <p:spPr/>
+        <p:txBody>
+          <a:bodyPr>
+            <a:normAutofit/>
+          </a:bodyPr>
+          <a:lstStyle/>
+          <a:p>
+            <a:r>
+              <a:rPr lang="en-US" dirty="0" smtClean="0"/>
+              <a:t>Administrative Page</a:t>
+            </a:r>
+          </a:p>
+          <a:p>
+            <a:pPr marL="342900" indent="-342900">
+              <a:buFont typeface="Arial" panose="020B0604020202020204" pitchFamily="34" charset="0"/>
+              <a:buChar char="•"/>
+            </a:pPr>
+            <a:r>
+              <a:rPr lang="en-US" dirty="0" smtClean="0"/>
+              <a:t>Requires login to access</a:t>
+            </a:r>
+          </a:p>
+          <a:p>
+            <a:pPr marL="342900" indent="-342900">
+              <a:buFont typeface="Arial" panose="020B0604020202020204" pitchFamily="34" charset="0"/>
+              <a:buChar char="•"/>
+            </a:pPr>
+            <a:r>
+              <a:rPr lang="en-US" dirty="0" smtClean="0"/>
+              <a:t>Used to generate surveys</a:t>
+            </a:r>
+          </a:p>
+          <a:p>
+            <a:pPr marL="914400" lvl="1" indent="-457200">
+              <a:buFont typeface="+mj-lt"/>
+              <a:buAutoNum type="arabicPeriod"/>
+            </a:pPr>
+            <a:r>
+              <a:rPr lang="en-US" dirty="0" smtClean="0"/>
+              <a:t>Create a record for a company (or select existing)</a:t>
+            </a:r>
+          </a:p>
+          <a:p>
+            <a:pPr marL="914400" lvl="1" indent="-457200">
+              <a:buFont typeface="+mj-lt"/>
+              <a:buAutoNum type="arabicPeriod"/>
+            </a:pPr>
+            <a:r>
+              <a:rPr lang="en-US" dirty="0" smtClean="0"/>
+              <a:t>Create records for each department involved in survey</a:t>
+            </a:r>
+          </a:p>
+          <a:p>
+            <a:pPr marL="914400" lvl="1" indent="-457200">
+              <a:buFont typeface="+mj-lt"/>
+              <a:buAutoNum type="arabicPeriod"/>
+            </a:pPr>
+            <a:r>
+              <a:rPr lang="en-US" dirty="0" smtClean="0"/>
+              <a:t>Generate participant records from email list</a:t>
+            </a:r>
+          </a:p>
+          <a:p>
+            <a:pPr marL="914400" lvl="1" indent="-457200">
+              <a:buFont typeface="+mj-lt"/>
+              <a:buAutoNum type="arabicPeriod"/>
+            </a:pPr>
+            <a:r>
+              <a:rPr lang="en-US" dirty="0" smtClean="0"/>
+              <a:t>Automatic emails are sent out with link to survey</a:t>
+            </a:r>
+          </a:p>
+        </p:txBody>
+      </p:sp>
     </p:spTree>
     <p:extLst>
       <p:ext uri="{BB962C8B-B14F-4D97-AF65-F5344CB8AC3E}">
-        <p14:creationId xmlns:p14="http://schemas.microsoft.com/office/powerpoint/2010/main" val="2990739705"/>
+        <p14:creationId xmlns:p14="http://schemas.microsoft.com/office/powerpoint/2010/main" val="2435292433"/>
       </p:ext>
     </p:extLst>
   </p:cSld>
@@ -7067,80 +7418,95 @@
           <a:p>
             <a:r>
               <a:rPr lang="en-US" dirty="0" smtClean="0"/>
-              <a:t>System Model</a:t>
+              <a:t>Requirement Specification</a:t>
             </a:r>
             <a:endParaRPr lang="en-US" dirty="0"/>
           </a:p>
         </p:txBody>
       </p:sp>
-      <p:pic>
-        <p:nvPicPr>
-          <p:cNvPr id="3074" name="Picture 2"/>
-          <p:cNvPicPr>
-            <a:picLocks noChangeAspect="1" noChangeArrowheads="1"/>
-          </p:cNvPicPr>
-          <p:nvPr/>
-        </p:nvPicPr>
-        <p:blipFill>
-          <a:blip r:embed="rId2">
-            <a:extLst>
-              <a:ext uri="{28A0092B-C50C-407E-A947-70E740481C1C}">
-                <a14:useLocalDpi xmlns:a14="http://schemas.microsoft.com/office/drawing/2010/main" val="0"/>
-              </a:ext>
-            </a:extLst>
-          </a:blip>
-          <a:srcRect/>
-          <a:stretch>
-            <a:fillRect/>
-          </a:stretch>
-        </p:blipFill>
-        <p:spPr bwMode="auto">
-          <a:xfrm>
-            <a:off x="533400" y="1752600"/>
-            <a:ext cx="8001000" cy="4277479"/>
-          </a:xfrm>
-          <a:prstGeom prst="rect">
-            <a:avLst/>
-          </a:prstGeom>
-          <a:noFill/>
-          <a:ln>
-            <a:noFill/>
-          </a:ln>
-          <a:effectLst/>
-          <a:extLst>
-            <a:ext uri="{909E8E84-426E-40DD-AFC4-6F175D3DCCD1}">
-              <a14:hiddenFill xmlns:a14="http://schemas.microsoft.com/office/drawing/2010/main">
-                <a:solidFill>
-                  <a:schemeClr val="accent1"/>
-                </a:solidFill>
-              </a14:hiddenFill>
-            </a:ext>
-            <a:ext uri="{91240B29-F687-4F45-9708-019B960494DF}">
-              <a14:hiddenLine xmlns:a14="http://schemas.microsoft.com/office/drawing/2010/main" w="9525">
-                <a:solidFill>
-                  <a:schemeClr val="tx1"/>
-                </a:solidFill>
-                <a:miter lim="800000"/>
-                <a:headEnd/>
-                <a:tailEnd/>
-              </a14:hiddenLine>
-            </a:ext>
-            <a:ext uri="{AF507438-7753-43E0-B8FC-AC1667EBCBE1}">
-              <a14:hiddenEffects xmlns:a14="http://schemas.microsoft.com/office/drawing/2010/main">
-                <a:effectLst>
-                  <a:outerShdw dist="35921" dir="2700000" algn="ctr" rotWithShape="0">
-                    <a:schemeClr val="bg2"/>
-                  </a:outerShdw>
-                </a:effectLst>
-              </a14:hiddenEffects>
-            </a:ext>
-          </a:extLst>
-        </p:spPr>
-      </p:pic>
+      <p:sp>
+        <p:nvSpPr>
+          <p:cNvPr id="3" name="Content Placeholder 2"/>
+          <p:cNvSpPr>
+            <a:spLocks noGrp="1"/>
+          </p:cNvSpPr>
+          <p:nvPr>
+            <p:ph idx="1"/>
+          </p:nvPr>
+        </p:nvSpPr>
+        <p:spPr/>
+        <p:txBody>
+          <a:bodyPr>
+            <a:normAutofit/>
+          </a:bodyPr>
+          <a:lstStyle/>
+          <a:p>
+            <a:r>
+              <a:rPr lang="en-US" dirty="0" smtClean="0"/>
+              <a:t>Administrative Page</a:t>
+            </a:r>
+          </a:p>
+          <a:p>
+            <a:pPr marL="457200" indent="-457200">
+              <a:buFont typeface="Arial" panose="020B0604020202020204" pitchFamily="34" charset="0"/>
+              <a:buChar char="•"/>
+            </a:pPr>
+            <a:r>
+              <a:rPr lang="en-US" dirty="0" smtClean="0"/>
+              <a:t>Features for managing ongoing surveys</a:t>
+            </a:r>
+          </a:p>
+          <a:p>
+            <a:pPr marL="914400" lvl="1" indent="-457200"/>
+            <a:r>
+              <a:rPr lang="en-US" dirty="0" smtClean="0"/>
+              <a:t>Send email to participant who has lost the survey link</a:t>
+            </a:r>
+          </a:p>
+          <a:p>
+            <a:pPr marL="914400" lvl="1" indent="-457200"/>
+            <a:r>
+              <a:rPr lang="en-US" dirty="0" smtClean="0"/>
+              <a:t>Send reminder emails to participants that have not completed the survey</a:t>
+            </a:r>
+          </a:p>
+          <a:p>
+            <a:pPr marL="914400" lvl="1" indent="-457200"/>
+            <a:r>
+              <a:rPr lang="en-US" dirty="0" smtClean="0"/>
+              <a:t>Add, remove, and move participants between departments</a:t>
+            </a:r>
+          </a:p>
+          <a:p>
+            <a:pPr marL="457200" indent="-457200">
+              <a:buFont typeface="Arial" panose="020B0604020202020204" pitchFamily="34" charset="0"/>
+              <a:buChar char="•"/>
+            </a:pPr>
+            <a:r>
+              <a:rPr lang="en-US" dirty="0" smtClean="0"/>
+              <a:t>Features for generating reports</a:t>
+            </a:r>
+          </a:p>
+          <a:p>
+            <a:pPr marL="914400" lvl="1" indent="-457200"/>
+            <a:r>
+              <a:rPr lang="en-US" dirty="0" smtClean="0"/>
+              <a:t>Reports should be in Excel</a:t>
+            </a:r>
+          </a:p>
+          <a:p>
+            <a:pPr marL="914400" lvl="1" indent="-457200"/>
+            <a:r>
+              <a:rPr lang="en-US" dirty="0" smtClean="0"/>
+              <a:t>Reports should include charts and graphs</a:t>
+            </a:r>
+          </a:p>
+        </p:txBody>
+      </p:sp>
     </p:spTree>
     <p:extLst>
       <p:ext uri="{BB962C8B-B14F-4D97-AF65-F5344CB8AC3E}">
-        <p14:creationId xmlns:p14="http://schemas.microsoft.com/office/powerpoint/2010/main" val="1821445687"/>
+        <p14:creationId xmlns:p14="http://schemas.microsoft.com/office/powerpoint/2010/main" val="4176296943"/>
       </p:ext>
     </p:extLst>
   </p:cSld>
@@ -7191,80 +7557,114 @@
           <a:p>
             <a:r>
               <a:rPr lang="en-US" dirty="0" smtClean="0"/>
-              <a:t>System Model</a:t>
+              <a:t>Requirement Specification</a:t>
             </a:r>
             <a:endParaRPr lang="en-US" dirty="0"/>
           </a:p>
         </p:txBody>
       </p:sp>
-      <p:pic>
-        <p:nvPicPr>
-          <p:cNvPr id="2051" name="Picture 3"/>
-          <p:cNvPicPr>
-            <a:picLocks noChangeAspect="1" noChangeArrowheads="1"/>
-          </p:cNvPicPr>
-          <p:nvPr/>
-        </p:nvPicPr>
-        <p:blipFill>
-          <a:blip r:embed="rId2">
-            <a:extLst>
-              <a:ext uri="{28A0092B-C50C-407E-A947-70E740481C1C}">
-                <a14:useLocalDpi xmlns:a14="http://schemas.microsoft.com/office/drawing/2010/main" val="0"/>
-              </a:ext>
-            </a:extLst>
-          </a:blip>
-          <a:srcRect/>
-          <a:stretch>
-            <a:fillRect/>
-          </a:stretch>
-        </p:blipFill>
-        <p:spPr bwMode="auto">
-          <a:xfrm>
-            <a:off x="533400" y="1600200"/>
-            <a:ext cx="7391400" cy="4343850"/>
-          </a:xfrm>
-          <a:prstGeom prst="rect">
-            <a:avLst/>
-          </a:prstGeom>
-          <a:noFill/>
-          <a:ln>
-            <a:noFill/>
-          </a:ln>
-          <a:effectLst/>
-          <a:extLst>
-            <a:ext uri="{909E8E84-426E-40DD-AFC4-6F175D3DCCD1}">
-              <a14:hiddenFill xmlns:a14="http://schemas.microsoft.com/office/drawing/2010/main">
-                <a:solidFill>
-                  <a:schemeClr val="accent1"/>
-                </a:solidFill>
-              </a14:hiddenFill>
-            </a:ext>
-            <a:ext uri="{91240B29-F687-4F45-9708-019B960494DF}">
-              <a14:hiddenLine xmlns:a14="http://schemas.microsoft.com/office/drawing/2010/main" w="9525">
-                <a:solidFill>
-                  <a:schemeClr val="tx1"/>
-                </a:solidFill>
-                <a:miter lim="800000"/>
-                <a:headEnd/>
-                <a:tailEnd/>
-              </a14:hiddenLine>
-            </a:ext>
-            <a:ext uri="{AF507438-7753-43E0-B8FC-AC1667EBCBE1}">
-              <a14:hiddenEffects xmlns:a14="http://schemas.microsoft.com/office/drawing/2010/main">
-                <a:effectLst>
-                  <a:outerShdw dist="35921" dir="2700000" algn="ctr" rotWithShape="0">
-                    <a:schemeClr val="bg2"/>
-                  </a:outerShdw>
-                </a:effectLst>
-              </a14:hiddenEffects>
-            </a:ext>
-          </a:extLst>
-        </p:spPr>
-      </p:pic>
+      <p:sp>
+        <p:nvSpPr>
+          <p:cNvPr id="3" name="Content Placeholder 2"/>
+          <p:cNvSpPr>
+            <a:spLocks noGrp="1"/>
+          </p:cNvSpPr>
+          <p:nvPr>
+            <p:ph idx="1"/>
+          </p:nvPr>
+        </p:nvSpPr>
+        <p:spPr/>
+        <p:txBody>
+          <a:bodyPr/>
+          <a:lstStyle/>
+          <a:p>
+            <a:r>
+              <a:rPr lang="en-US" dirty="0" smtClean="0"/>
+              <a:t>Survey Page</a:t>
+            </a:r>
+            <a:endParaRPr lang="en-US" dirty="0"/>
+          </a:p>
+          <a:p>
+            <a:pPr marL="342900" indent="-342900">
+              <a:buFont typeface="Arial" panose="020B0604020202020204" pitchFamily="34" charset="0"/>
+              <a:buChar char="•"/>
+            </a:pPr>
+            <a:r>
+              <a:rPr lang="en-US" dirty="0" smtClean="0"/>
+              <a:t>Requires a unique ID in the hyperlink to access</a:t>
+            </a:r>
+          </a:p>
+          <a:p>
+            <a:pPr marL="800100" lvl="1" indent="-342900"/>
+            <a:r>
+              <a:rPr lang="en-US" dirty="0" smtClean="0"/>
+              <a:t>Corresponds with ID generated for participant</a:t>
+            </a:r>
+          </a:p>
+          <a:p>
+            <a:pPr marL="800100" lvl="1" indent="-342900"/>
+            <a:r>
+              <a:rPr lang="en-US" dirty="0" smtClean="0"/>
+              <a:t>Included as part of automatic email</a:t>
+            </a:r>
+          </a:p>
+          <a:p>
+            <a:pPr marL="342900" indent="-342900">
+              <a:buFont typeface="Arial" panose="020B0604020202020204" pitchFamily="34" charset="0"/>
+              <a:buChar char="•"/>
+            </a:pPr>
+            <a:r>
+              <a:rPr lang="en-US" dirty="0" smtClean="0"/>
+              <a:t>Survey must be completed before it can be submitted</a:t>
+            </a:r>
+          </a:p>
+          <a:p>
+            <a:pPr marL="800100" lvl="1" indent="-342900"/>
+            <a:r>
+              <a:rPr lang="en-US" dirty="0" smtClean="0"/>
+              <a:t>Should point user to any missed questions</a:t>
+            </a:r>
+          </a:p>
+          <a:p>
+            <a:pPr marL="342900" indent="-342900">
+              <a:buFont typeface="Arial" panose="020B0604020202020204" pitchFamily="34" charset="0"/>
+              <a:buChar char="•"/>
+            </a:pPr>
+            <a:r>
+              <a:rPr lang="en-US" dirty="0" smtClean="0"/>
+              <a:t>Survey can only be submitted once</a:t>
+            </a:r>
+          </a:p>
+          <a:p>
+            <a:pPr marL="800100" lvl="1" indent="-342900"/>
+            <a:r>
+              <a:rPr lang="en-US" dirty="0" smtClean="0"/>
+              <a:t>User should be notified prior to submitting</a:t>
+            </a:r>
+          </a:p>
+          <a:p>
+            <a:pPr marL="800100" lvl="1" indent="-342900"/>
+            <a:r>
+              <a:rPr lang="en-US" dirty="0" smtClean="0"/>
+              <a:t>Notification should be displayed on re-opening page</a:t>
+            </a:r>
+          </a:p>
+          <a:p>
+            <a:pPr marL="342900" indent="-342900">
+              <a:buFont typeface="Arial" panose="020B0604020202020204" pitchFamily="34" charset="0"/>
+              <a:buChar char="•"/>
+            </a:pPr>
+            <a:r>
+              <a:rPr lang="en-US" dirty="0" smtClean="0"/>
+              <a:t>Responses should be anonymous</a:t>
+            </a:r>
+          </a:p>
+        </p:txBody>
+      </p:sp>
     </p:spTree>
     <p:extLst>
       <p:ext uri="{BB962C8B-B14F-4D97-AF65-F5344CB8AC3E}">
-        <p14:creationId xmlns:p14="http://schemas.microsoft.com/office/powerpoint/2010/main" val="1449219894"/>
+        <p14:creationId xmlns:p14="http://schemas.microsoft.com/office/powerpoint/2010/main" val="3341047602"/>
       </p:ext>
     </p:extLst>
   </p:cSld>
@@ -7278,6 +7678,262 @@
       </p:par>
     </p:tnLst>
   </p:timing>
+</p:sld>
+</file>
+
+<file path=ppt/slides/slide8.xml><?xml version="1.0" encoding="utf-8"?>
+<p:sld xmlns:a="http://schemas.openxmlformats.org/drawingml/2006/main" xmlns:r="http://schemas.openxmlformats.org/officeDocument/2006/relationships" xmlns:p="http://schemas.openxmlformats.org/presentationml/2006/main">
+  <p:cSld>
+    <p:spTree>
+      <p:nvGrpSpPr>
+        <p:cNvPr id="1" name=""/>
+        <p:cNvGrpSpPr/>
+        <p:nvPr/>
+      </p:nvGrpSpPr>
+      <p:grpSpPr>
+        <a:xfrm>
+          <a:off x="0" y="0"/>
+          <a:ext cx="0" cy="0"/>
+          <a:chOff x="0" y="0"/>
+          <a:chExt cx="0" cy="0"/>
+        </a:xfrm>
+      </p:grpSpPr>
+      <p:sp>
+        <p:nvSpPr>
+          <p:cNvPr id="2" name="Title 1"/>
+          <p:cNvSpPr>
+            <a:spLocks noGrp="1"/>
+          </p:cNvSpPr>
+          <p:nvPr>
+            <p:ph type="title"/>
+          </p:nvPr>
+        </p:nvSpPr>
+        <p:spPr/>
+        <p:txBody>
+          <a:bodyPr/>
+          <a:lstStyle/>
+          <a:p>
+            <a:r>
+              <a:rPr lang="en-US" dirty="0" smtClean="0"/>
+              <a:t>Requirement Specification</a:t>
+            </a:r>
+            <a:endParaRPr lang="en-US" dirty="0"/>
+          </a:p>
+        </p:txBody>
+      </p:sp>
+      <p:sp>
+        <p:nvSpPr>
+          <p:cNvPr id="3" name="Content Placeholder 2"/>
+          <p:cNvSpPr>
+            <a:spLocks noGrp="1"/>
+          </p:cNvSpPr>
+          <p:nvPr>
+            <p:ph idx="1"/>
+          </p:nvPr>
+        </p:nvSpPr>
+        <p:spPr/>
+        <p:txBody>
+          <a:bodyPr/>
+          <a:lstStyle/>
+          <a:p>
+            <a:r>
+              <a:rPr lang="en-US" dirty="0" smtClean="0"/>
+              <a:t>Database</a:t>
+            </a:r>
+          </a:p>
+          <a:p>
+            <a:pPr marL="342900" indent="-342900">
+              <a:buFont typeface="Arial" panose="020B0604020202020204" pitchFamily="34" charset="0"/>
+              <a:buChar char="•"/>
+            </a:pPr>
+            <a:r>
+              <a:rPr lang="en-US" dirty="0" smtClean="0"/>
+              <a:t>The database will be implemented using MySQL</a:t>
+            </a:r>
+          </a:p>
+          <a:p>
+            <a:pPr marL="800100" lvl="1" indent="-342900"/>
+            <a:r>
+              <a:rPr lang="en-US" dirty="0" smtClean="0"/>
+              <a:t>Relational database</a:t>
+            </a:r>
+          </a:p>
+          <a:p>
+            <a:pPr marL="800100" lvl="1" indent="-342900"/>
+            <a:r>
+              <a:rPr lang="en-US" dirty="0" smtClean="0"/>
+              <a:t>Free and open-source</a:t>
+            </a:r>
+          </a:p>
+          <a:p>
+            <a:pPr marL="342900" indent="-342900">
+              <a:buFont typeface="Arial" panose="020B0604020202020204" pitchFamily="34" charset="0"/>
+              <a:buChar char="•"/>
+            </a:pPr>
+            <a:r>
+              <a:rPr lang="en-US" dirty="0" smtClean="0"/>
+              <a:t>The schema should be efficiently designed</a:t>
+            </a:r>
+          </a:p>
+          <a:p>
+            <a:pPr marL="800100" lvl="1" indent="-342900"/>
+            <a:r>
+              <a:rPr lang="en-US" dirty="0" smtClean="0"/>
+              <a:t>Relationships used to eliminate redundant </a:t>
+            </a:r>
+            <a:r>
+              <a:rPr lang="en-US" dirty="0" smtClean="0"/>
+              <a:t>data</a:t>
+            </a:r>
+            <a:endParaRPr lang="en-US" dirty="0" smtClean="0"/>
+          </a:p>
+        </p:txBody>
+      </p:sp>
+    </p:spTree>
+    <p:extLst>
+      <p:ext uri="{BB962C8B-B14F-4D97-AF65-F5344CB8AC3E}">
+        <p14:creationId xmlns:p14="http://schemas.microsoft.com/office/powerpoint/2010/main" val="982616843"/>
+      </p:ext>
+    </p:extLst>
+  </p:cSld>
+  <p:clrMapOvr>
+    <a:masterClrMapping/>
+  </p:clrMapOvr>
+  <p:timing>
+    <p:tnLst>
+      <p:par>
+        <p:cTn id="1" dur="indefinite" restart="never" nodeType="tmRoot"/>
+      </p:par>
+    </p:tnLst>
+  </p:timing>
+</p:sld>
+</file>
+
+<file path=ppt/slides/slide9.xml><?xml version="1.0" encoding="utf-8"?>
+<p:sld xmlns:a="http://schemas.openxmlformats.org/drawingml/2006/main" xmlns:r="http://schemas.openxmlformats.org/officeDocument/2006/relationships" xmlns:p="http://schemas.openxmlformats.org/presentationml/2006/main">
+  <p:cSld>
+    <p:spTree>
+      <p:nvGrpSpPr>
+        <p:cNvPr id="1" name=""/>
+        <p:cNvGrpSpPr/>
+        <p:nvPr/>
+      </p:nvGrpSpPr>
+      <p:grpSpPr>
+        <a:xfrm>
+          <a:off x="0" y="0"/>
+          <a:ext cx="0" cy="0"/>
+          <a:chOff x="0" y="0"/>
+          <a:chExt cx="0" cy="0"/>
+        </a:xfrm>
+      </p:grpSpPr>
+      <p:sp>
+        <p:nvSpPr>
+          <p:cNvPr id="2" name="Title 1"/>
+          <p:cNvSpPr>
+            <a:spLocks noGrp="1"/>
+          </p:cNvSpPr>
+          <p:nvPr>
+            <p:ph type="title"/>
+          </p:nvPr>
+        </p:nvSpPr>
+        <p:spPr/>
+        <p:txBody>
+          <a:bodyPr/>
+          <a:lstStyle/>
+          <a:p>
+            <a:r>
+              <a:rPr lang="en-US" dirty="0" smtClean="0"/>
+              <a:t>Subsystems</a:t>
+            </a:r>
+            <a:endParaRPr lang="en-US" dirty="0"/>
+          </a:p>
+        </p:txBody>
+      </p:sp>
+      <p:sp>
+        <p:nvSpPr>
+          <p:cNvPr id="3" name="Content Placeholder 2"/>
+          <p:cNvSpPr>
+            <a:spLocks noGrp="1"/>
+          </p:cNvSpPr>
+          <p:nvPr>
+            <p:ph idx="1"/>
+          </p:nvPr>
+        </p:nvSpPr>
+        <p:spPr/>
+        <p:txBody>
+          <a:bodyPr/>
+          <a:lstStyle/>
+          <a:p>
+            <a:pPr marL="342900" indent="-342900">
+              <a:buFont typeface="Arial" panose="020B0604020202020204" pitchFamily="34" charset="0"/>
+              <a:buChar char="•"/>
+            </a:pPr>
+            <a:r>
+              <a:rPr lang="en-US" dirty="0" smtClean="0"/>
+              <a:t>Admin Page</a:t>
+            </a:r>
+          </a:p>
+          <a:p>
+            <a:pPr marL="800100" lvl="1" indent="-342900"/>
+            <a:r>
+              <a:rPr lang="en-US" dirty="0" smtClean="0"/>
+              <a:t>Manage Survey Tab</a:t>
+            </a:r>
+          </a:p>
+          <a:p>
+            <a:pPr marL="800100" lvl="1" indent="-342900"/>
+            <a:r>
+              <a:rPr lang="en-US" dirty="0" smtClean="0"/>
+              <a:t>Create New Survey Tab</a:t>
+            </a:r>
+          </a:p>
+          <a:p>
+            <a:pPr marL="800100" lvl="1" indent="-342900"/>
+            <a:r>
+              <a:rPr lang="en-US" dirty="0" smtClean="0"/>
+              <a:t>Manage Questions Tab</a:t>
+            </a:r>
+          </a:p>
+          <a:p>
+            <a:pPr marL="800100" lvl="1" indent="-342900"/>
+            <a:r>
+              <a:rPr lang="en-US" dirty="0" smtClean="0"/>
+              <a:t>Email System</a:t>
+            </a:r>
+          </a:p>
+          <a:p>
+            <a:pPr marL="342900" indent="-342900">
+              <a:buFont typeface="Arial" panose="020B0604020202020204" pitchFamily="34" charset="0"/>
+              <a:buChar char="•"/>
+            </a:pPr>
+            <a:r>
+              <a:rPr lang="en-US" dirty="0" smtClean="0"/>
+              <a:t>Survey Page</a:t>
+            </a:r>
+          </a:p>
+          <a:p>
+            <a:pPr marL="342900" indent="-342900">
+              <a:buFont typeface="Arial" panose="020B0604020202020204" pitchFamily="34" charset="0"/>
+              <a:buChar char="•"/>
+            </a:pPr>
+            <a:r>
+              <a:rPr lang="en-US" dirty="0" smtClean="0"/>
+              <a:t>Database</a:t>
+            </a:r>
+            <a:endParaRPr lang="en-US" dirty="0"/>
+          </a:p>
+        </p:txBody>
+      </p:sp>
+    </p:spTree>
+    <p:extLst>
+      <p:ext uri="{BB962C8B-B14F-4D97-AF65-F5344CB8AC3E}">
+        <p14:creationId xmlns:p14="http://schemas.microsoft.com/office/powerpoint/2010/main" val="3750097339"/>
+      </p:ext>
+    </p:extLst>
+  </p:cSld>
+  <p:clrMapOvr>
+    <a:masterClrMapping/>
+  </p:clrMapOvr>
 </p:sld>
 </file>
 

--- a/Survey System - Progress Presentation 3.pptx
+++ b/Survey System - Progress Presentation 3.pptx
@@ -5,21 +5,24 @@
     <p:sldMasterId id="2147483660" r:id="rId1"/>
   </p:sldMasterIdLst>
   <p:notesMasterIdLst>
-    <p:notesMasterId r:id="rId14"/>
+    <p:notesMasterId r:id="rId17"/>
   </p:notesMasterIdLst>
   <p:sldIdLst>
     <p:sldId id="256" r:id="rId2"/>
     <p:sldId id="258" r:id="rId3"/>
     <p:sldId id="257" r:id="rId4"/>
-    <p:sldId id="261" r:id="rId5"/>
-    <p:sldId id="263" r:id="rId6"/>
-    <p:sldId id="264" r:id="rId7"/>
-    <p:sldId id="265" r:id="rId8"/>
-    <p:sldId id="266" r:id="rId9"/>
-    <p:sldId id="267" r:id="rId10"/>
-    <p:sldId id="262" r:id="rId11"/>
-    <p:sldId id="260" r:id="rId12"/>
-    <p:sldId id="259" r:id="rId13"/>
+    <p:sldId id="263" r:id="rId5"/>
+    <p:sldId id="264" r:id="rId6"/>
+    <p:sldId id="265" r:id="rId7"/>
+    <p:sldId id="266" r:id="rId8"/>
+    <p:sldId id="267" r:id="rId9"/>
+    <p:sldId id="261" r:id="rId10"/>
+    <p:sldId id="260" r:id="rId11"/>
+    <p:sldId id="259" r:id="rId12"/>
+    <p:sldId id="268" r:id="rId13"/>
+    <p:sldId id="269" r:id="rId14"/>
+    <p:sldId id="270" r:id="rId15"/>
+    <p:sldId id="262" r:id="rId16"/>
   </p:sldIdLst>
   <p:sldSz cx="9144000" cy="6858000" type="screen4x3"/>
   <p:notesSz cx="6858000" cy="9144000"/>
@@ -203,7 +206,7 @@
           <a:p>
             <a:fld id="{14FE2FB0-7E73-4AA2-8150-33F49396550F}" type="datetimeFigureOut">
               <a:rPr lang="en-US" smtClean="0"/>
-              <a:t>2/19/2018</a:t>
+              <a:t>2/20/2018</a:t>
             </a:fld>
             <a:endParaRPr lang="en-US"/>
           </a:p>
@@ -788,7 +791,7 @@
           <a:p>
             <a:fld id="{59D21B9C-8A01-410C-B2A0-356494AC807D}" type="slidenum">
               <a:rPr lang="en-US" smtClean="0"/>
-              <a:t>4</a:t>
+              <a:t>9</a:t>
             </a:fld>
             <a:endParaRPr lang="en-US"/>
           </a:p>
@@ -1000,7 +1003,7 @@
           <a:p>
             <a:fld id="{B3238089-FB4F-4FF5-B3AA-6347969F1A37}" type="datetimeFigureOut">
               <a:rPr lang="en-US" smtClean="0"/>
-              <a:t>2/19/2018</a:t>
+              <a:t>2/20/2018</a:t>
             </a:fld>
             <a:endParaRPr lang="en-US"/>
           </a:p>
@@ -1265,7 +1268,7 @@
           <a:p>
             <a:fld id="{B3238089-FB4F-4FF5-B3AA-6347969F1A37}" type="datetimeFigureOut">
               <a:rPr lang="en-US" smtClean="0"/>
-              <a:t>2/19/2018</a:t>
+              <a:t>2/20/2018</a:t>
             </a:fld>
             <a:endParaRPr lang="en-US"/>
           </a:p>
@@ -1440,7 +1443,7 @@
           <a:p>
             <a:fld id="{B3238089-FB4F-4FF5-B3AA-6347969F1A37}" type="datetimeFigureOut">
               <a:rPr lang="en-US" smtClean="0"/>
-              <a:t>2/19/2018</a:t>
+              <a:t>2/20/2018</a:t>
             </a:fld>
             <a:endParaRPr lang="en-US"/>
           </a:p>
@@ -1605,7 +1608,7 @@
           <a:p>
             <a:fld id="{B3238089-FB4F-4FF5-B3AA-6347969F1A37}" type="datetimeFigureOut">
               <a:rPr lang="en-US" smtClean="0"/>
-              <a:t>2/19/2018</a:t>
+              <a:t>2/20/2018</a:t>
             </a:fld>
             <a:endParaRPr lang="en-US"/>
           </a:p>
@@ -1854,7 +1857,7 @@
           <a:p>
             <a:fld id="{B3238089-FB4F-4FF5-B3AA-6347969F1A37}" type="datetimeFigureOut">
               <a:rPr lang="en-US" smtClean="0"/>
-              <a:t>2/19/2018</a:t>
+              <a:t>2/20/2018</a:t>
             </a:fld>
             <a:endParaRPr lang="en-US"/>
           </a:p>
@@ -2137,7 +2140,7 @@
           <a:p>
             <a:fld id="{B3238089-FB4F-4FF5-B3AA-6347969F1A37}" type="datetimeFigureOut">
               <a:rPr lang="en-US" smtClean="0"/>
-              <a:t>2/19/2018</a:t>
+              <a:t>2/20/2018</a:t>
             </a:fld>
             <a:endParaRPr lang="en-US"/>
           </a:p>
@@ -2576,7 +2579,7 @@
           <a:p>
             <a:fld id="{B3238089-FB4F-4FF5-B3AA-6347969F1A37}" type="datetimeFigureOut">
               <a:rPr lang="en-US" smtClean="0"/>
-              <a:t>2/19/2018</a:t>
+              <a:t>2/20/2018</a:t>
             </a:fld>
             <a:endParaRPr lang="en-US"/>
           </a:p>
@@ -2689,7 +2692,7 @@
           <a:p>
             <a:fld id="{B3238089-FB4F-4FF5-B3AA-6347969F1A37}" type="datetimeFigureOut">
               <a:rPr lang="en-US" smtClean="0"/>
-              <a:t>2/19/2018</a:t>
+              <a:t>2/20/2018</a:t>
             </a:fld>
             <a:endParaRPr lang="en-US"/>
           </a:p>
@@ -2779,7 +2782,7 @@
           <a:p>
             <a:fld id="{B3238089-FB4F-4FF5-B3AA-6347969F1A37}" type="datetimeFigureOut">
               <a:rPr lang="en-US" smtClean="0"/>
-              <a:t>2/19/2018</a:t>
+              <a:t>2/20/2018</a:t>
             </a:fld>
             <a:endParaRPr lang="en-US"/>
           </a:p>
@@ -3021,7 +3024,7 @@
           <a:p>
             <a:fld id="{B3238089-FB4F-4FF5-B3AA-6347969F1A37}" type="datetimeFigureOut">
               <a:rPr lang="en-US" smtClean="0"/>
-              <a:t>2/19/2018</a:t>
+              <a:t>2/20/2018</a:t>
             </a:fld>
             <a:endParaRPr lang="en-US"/>
           </a:p>
@@ -3315,7 +3318,7 @@
           <a:p>
             <a:fld id="{B3238089-FB4F-4FF5-B3AA-6347969F1A37}" type="datetimeFigureOut">
               <a:rPr lang="en-US" smtClean="0"/>
-              <a:t>2/19/2018</a:t>
+              <a:t>2/20/2018</a:t>
             </a:fld>
             <a:endParaRPr lang="en-US"/>
           </a:p>
@@ -3609,7 +3612,7 @@
           <a:p>
             <a:fld id="{B3238089-FB4F-4FF5-B3AA-6347969F1A37}" type="datetimeFigureOut">
               <a:rPr lang="en-US" smtClean="0"/>
-              <a:t>2/19/2018</a:t>
+              <a:t>2/20/2018</a:t>
             </a:fld>
             <a:endParaRPr lang="en-US"/>
           </a:p>
@@ -4110,17 +4113,17 @@
           <a:lstStyle/>
           <a:p>
             <a:r>
-              <a:rPr lang="en-US" dirty="0" smtClean="0"/>
+              <a:rPr lang="en-US" sz="8000" dirty="0" smtClean="0"/>
               <a:t>Web</a:t>
             </a:r>
             <a:br>
-              <a:rPr lang="en-US" dirty="0" smtClean="0"/>
+              <a:rPr lang="en-US" sz="8000" dirty="0" smtClean="0"/>
             </a:br>
             <a:r>
-              <a:rPr lang="en-US" dirty="0" smtClean="0"/>
+              <a:rPr lang="en-US" sz="8000" dirty="0" smtClean="0"/>
               <a:t>Survey System</a:t>
             </a:r>
-            <a:endParaRPr lang="en-US" dirty="0"/>
+            <a:endParaRPr lang="en-US" sz="8000" dirty="0"/>
           </a:p>
         </p:txBody>
       </p:sp>
@@ -4136,14 +4139,16 @@
         </p:nvSpPr>
         <p:spPr/>
         <p:txBody>
-          <a:bodyPr/>
+          <a:bodyPr>
+            <a:normAutofit/>
+          </a:bodyPr>
           <a:lstStyle/>
           <a:p>
             <a:r>
-              <a:rPr lang="en-US" dirty="0" smtClean="0"/>
+              <a:rPr lang="en-US" sz="2800" dirty="0" smtClean="0"/>
               <a:t>Drop Table team;</a:t>
             </a:r>
-            <a:endParaRPr lang="en-US" dirty="0"/>
+            <a:endParaRPr lang="en-US" sz="2800" dirty="0"/>
           </a:p>
         </p:txBody>
       </p:sp>
@@ -4201,131 +4206,18 @@
           <a:p>
             <a:r>
               <a:rPr lang="en-US" dirty="0" smtClean="0"/>
-              <a:t>ER Diagram</a:t>
-            </a:r>
-            <a:endParaRPr lang="en-US" dirty="0"/>
-          </a:p>
-        </p:txBody>
-      </p:sp>
-      <p:pic>
-        <p:nvPicPr>
-          <p:cNvPr id="1026" name="Picture 2"/>
-          <p:cNvPicPr>
-            <a:picLocks noChangeAspect="1" noChangeArrowheads="1"/>
-          </p:cNvPicPr>
-          <p:nvPr/>
-        </p:nvPicPr>
-        <p:blipFill>
-          <a:blip r:embed="rId2">
-            <a:extLst>
-              <a:ext uri="{28A0092B-C50C-407E-A947-70E740481C1C}">
-                <a14:useLocalDpi xmlns:a14="http://schemas.microsoft.com/office/drawing/2010/main" val="0"/>
-              </a:ext>
-            </a:extLst>
-          </a:blip>
-          <a:srcRect/>
-          <a:stretch>
-            <a:fillRect/>
-          </a:stretch>
-        </p:blipFill>
-        <p:spPr bwMode="auto">
-          <a:xfrm>
-            <a:off x="609600" y="1828800"/>
-            <a:ext cx="7010400" cy="3143250"/>
-          </a:xfrm>
-          <a:prstGeom prst="rect">
-            <a:avLst/>
-          </a:prstGeom>
-          <a:noFill/>
-          <a:ln>
-            <a:noFill/>
-          </a:ln>
-          <a:effectLst/>
-          <a:extLst>
-            <a:ext uri="{909E8E84-426E-40DD-AFC4-6F175D3DCCD1}">
-              <a14:hiddenFill xmlns:a14="http://schemas.microsoft.com/office/drawing/2010/main">
-                <a:solidFill>
-                  <a:schemeClr val="accent1"/>
-                </a:solidFill>
-              </a14:hiddenFill>
-            </a:ext>
-            <a:ext uri="{91240B29-F687-4F45-9708-019B960494DF}">
-              <a14:hiddenLine xmlns:a14="http://schemas.microsoft.com/office/drawing/2010/main" w="9525">
-                <a:solidFill>
-                  <a:schemeClr val="tx1"/>
-                </a:solidFill>
-                <a:miter lim="800000"/>
-                <a:headEnd/>
-                <a:tailEnd/>
-              </a14:hiddenLine>
-            </a:ext>
-            <a:ext uri="{AF507438-7753-43E0-B8FC-AC1667EBCBE1}">
-              <a14:hiddenEffects xmlns:a14="http://schemas.microsoft.com/office/drawing/2010/main">
-                <a:effectLst>
-                  <a:outerShdw dist="35921" dir="2700000" algn="ctr" rotWithShape="0">
-                    <a:schemeClr val="bg2"/>
-                  </a:outerShdw>
-                </a:effectLst>
-              </a14:hiddenEffects>
-            </a:ext>
-          </a:extLst>
-        </p:spPr>
-      </p:pic>
-    </p:spTree>
-    <p:extLst>
-      <p:ext uri="{BB962C8B-B14F-4D97-AF65-F5344CB8AC3E}">
-        <p14:creationId xmlns:p14="http://schemas.microsoft.com/office/powerpoint/2010/main" val="2990739705"/>
-      </p:ext>
-    </p:extLst>
-  </p:cSld>
-  <p:clrMapOvr>
-    <a:masterClrMapping/>
-  </p:clrMapOvr>
-  <p:timing>
-    <p:tnLst>
-      <p:par>
-        <p:cTn id="1" dur="indefinite" restart="never" nodeType="tmRoot"/>
-      </p:par>
-    </p:tnLst>
-  </p:timing>
-</p:sld>
-</file>
-
-<file path=ppt/slides/slide11.xml><?xml version="1.0" encoding="utf-8"?>
-<p:sld xmlns:a="http://schemas.openxmlformats.org/drawingml/2006/main" xmlns:r="http://schemas.openxmlformats.org/officeDocument/2006/relationships" xmlns:p="http://schemas.openxmlformats.org/presentationml/2006/main">
-  <p:cSld>
-    <p:spTree>
-      <p:nvGrpSpPr>
-        <p:cNvPr id="1" name=""/>
-        <p:cNvGrpSpPr/>
-        <p:nvPr/>
-      </p:nvGrpSpPr>
-      <p:grpSpPr>
-        <a:xfrm>
-          <a:off x="0" y="0"/>
-          <a:ext cx="0" cy="0"/>
-          <a:chOff x="0" y="0"/>
-          <a:chExt cx="0" cy="0"/>
-        </a:xfrm>
-      </p:grpSpPr>
-      <p:sp>
-        <p:nvSpPr>
-          <p:cNvPr id="2" name="Title 1"/>
-          <p:cNvSpPr>
-            <a:spLocks noGrp="1"/>
-          </p:cNvSpPr>
-          <p:nvPr>
-            <p:ph type="title"/>
-          </p:nvPr>
-        </p:nvSpPr>
-        <p:spPr/>
-        <p:txBody>
-          <a:bodyPr/>
-          <a:lstStyle/>
-          <a:p>
+              <a:t>System </a:t>
+            </a:r>
             <a:r>
               <a:rPr lang="en-US" dirty="0" smtClean="0"/>
-              <a:t>System Model</a:t>
+              <a:t>Model</a:t>
+            </a:r>
+            <a:br>
+              <a:rPr lang="en-US" dirty="0" smtClean="0"/>
+            </a:br>
+            <a:r>
+              <a:rPr lang="en-US" dirty="0" smtClean="0"/>
+              <a:t>Sequence Diagram</a:t>
             </a:r>
             <a:endParaRPr lang="en-US" dirty="0"/>
           </a:p>
@@ -4415,7 +4307,7 @@
 </p:sld>
 </file>
 
-<file path=ppt/slides/slide12.xml><?xml version="1.0" encoding="utf-8"?>
+<file path=ppt/slides/slide11.xml><?xml version="1.0" encoding="utf-8"?>
 <p:sld xmlns:a="http://schemas.openxmlformats.org/drawingml/2006/main" xmlns:r="http://schemas.openxmlformats.org/officeDocument/2006/relationships" xmlns:p="http://schemas.openxmlformats.org/presentationml/2006/main">
   <p:cSld>
     <p:spTree>
@@ -4449,7 +4341,18 @@
           <a:p>
             <a:r>
               <a:rPr lang="en-US" dirty="0" smtClean="0"/>
-              <a:t>System Model</a:t>
+              <a:t>System </a:t>
+            </a:r>
+            <a:r>
+              <a:rPr lang="en-US" dirty="0" smtClean="0"/>
+              <a:t>Model</a:t>
+            </a:r>
+            <a:br>
+              <a:rPr lang="en-US" dirty="0" smtClean="0"/>
+            </a:br>
+            <a:r>
+              <a:rPr lang="en-US" dirty="0" smtClean="0"/>
+              <a:t>Data Flow Diagram</a:t>
             </a:r>
             <a:endParaRPr lang="en-US" dirty="0"/>
           </a:p>
@@ -4523,6 +4426,757 @@
     <p:extLst>
       <p:ext uri="{BB962C8B-B14F-4D97-AF65-F5344CB8AC3E}">
         <p14:creationId xmlns:p14="http://schemas.microsoft.com/office/powerpoint/2010/main" val="1449219894"/>
+      </p:ext>
+    </p:extLst>
+  </p:cSld>
+  <p:clrMapOvr>
+    <a:masterClrMapping/>
+  </p:clrMapOvr>
+  <p:timing>
+    <p:tnLst>
+      <p:par>
+        <p:cTn id="1" dur="indefinite" restart="never" nodeType="tmRoot"/>
+      </p:par>
+    </p:tnLst>
+  </p:timing>
+</p:sld>
+</file>
+
+<file path=ppt/slides/slide12.xml><?xml version="1.0" encoding="utf-8"?>
+<p:sld xmlns:a="http://schemas.openxmlformats.org/drawingml/2006/main" xmlns:r="http://schemas.openxmlformats.org/officeDocument/2006/relationships" xmlns:p="http://schemas.openxmlformats.org/presentationml/2006/main">
+  <p:cSld>
+    <p:spTree>
+      <p:nvGrpSpPr>
+        <p:cNvPr id="1" name=""/>
+        <p:cNvGrpSpPr/>
+        <p:nvPr/>
+      </p:nvGrpSpPr>
+      <p:grpSpPr>
+        <a:xfrm>
+          <a:off x="0" y="0"/>
+          <a:ext cx="0" cy="0"/>
+          <a:chOff x="0" y="0"/>
+          <a:chExt cx="0" cy="0"/>
+        </a:xfrm>
+      </p:grpSpPr>
+      <p:sp>
+        <p:nvSpPr>
+          <p:cNvPr id="2" name="Title 1"/>
+          <p:cNvSpPr>
+            <a:spLocks noGrp="1"/>
+          </p:cNvSpPr>
+          <p:nvPr>
+            <p:ph type="title"/>
+          </p:nvPr>
+        </p:nvSpPr>
+        <p:spPr/>
+        <p:txBody>
+          <a:bodyPr/>
+          <a:lstStyle/>
+          <a:p>
+            <a:r>
+              <a:rPr lang="en-US" dirty="0" smtClean="0"/>
+              <a:t>Database</a:t>
+            </a:r>
+            <a:br>
+              <a:rPr lang="en-US" dirty="0" smtClean="0"/>
+            </a:br>
+            <a:r>
+              <a:rPr lang="en-US" dirty="0" smtClean="0"/>
+              <a:t>Schema</a:t>
+            </a:r>
+            <a:endParaRPr lang="en-US" dirty="0"/>
+          </a:p>
+        </p:txBody>
+      </p:sp>
+      <p:sp>
+        <p:nvSpPr>
+          <p:cNvPr id="3" name="Content Placeholder 2"/>
+          <p:cNvSpPr>
+            <a:spLocks noGrp="1"/>
+          </p:cNvSpPr>
+          <p:nvPr>
+            <p:ph idx="1"/>
+          </p:nvPr>
+        </p:nvSpPr>
+        <p:spPr/>
+        <p:txBody>
+          <a:bodyPr>
+            <a:normAutofit/>
+          </a:bodyPr>
+          <a:lstStyle/>
+          <a:p>
+            <a:pPr marL="342900" indent="-342900">
+              <a:buFont typeface="Arial" panose="020B0604020202020204" pitchFamily="34" charset="0"/>
+              <a:buChar char="•"/>
+            </a:pPr>
+            <a:r>
+              <a:rPr lang="en-US" sz="1700" dirty="0" smtClean="0"/>
+              <a:t>Company</a:t>
+            </a:r>
+          </a:p>
+          <a:p>
+            <a:pPr marL="800100" lvl="1" indent="-342900"/>
+            <a:r>
+              <a:rPr lang="en-US" sz="1700" dirty="0" smtClean="0"/>
+              <a:t>ID (SMALLINT) – Auto Increment ID</a:t>
+            </a:r>
+          </a:p>
+          <a:p>
+            <a:pPr marL="800100" lvl="1" indent="-342900"/>
+            <a:r>
+              <a:rPr lang="en-US" sz="1700" dirty="0" smtClean="0"/>
+              <a:t>Name (VARCHAR) – Name of the company</a:t>
+            </a:r>
+          </a:p>
+          <a:p>
+            <a:pPr marL="800100" lvl="1" indent="-342900"/>
+            <a:r>
+              <a:rPr lang="en-US" sz="1700" dirty="0" smtClean="0"/>
+              <a:t>Address (VARCHAR) – Address of the company</a:t>
+            </a:r>
+          </a:p>
+          <a:p>
+            <a:pPr marL="800100" lvl="1" indent="-342900"/>
+            <a:r>
+              <a:rPr lang="en-US" sz="1700" dirty="0" smtClean="0"/>
+              <a:t>Phone (VARCHAR) – Phone number of contact</a:t>
+            </a:r>
+          </a:p>
+          <a:p>
+            <a:pPr marL="342900" indent="-342900">
+              <a:buFont typeface="Arial" panose="020B0604020202020204" pitchFamily="34" charset="0"/>
+              <a:buChar char="•"/>
+            </a:pPr>
+            <a:r>
+              <a:rPr lang="en-US" sz="1700" dirty="0" smtClean="0"/>
+              <a:t>Survey</a:t>
+            </a:r>
+          </a:p>
+          <a:p>
+            <a:pPr marL="800100" lvl="1" indent="-342900"/>
+            <a:r>
+              <a:rPr lang="en-US" sz="1700" dirty="0" smtClean="0"/>
+              <a:t>ID (INT) </a:t>
+            </a:r>
+            <a:r>
+              <a:rPr lang="en-US" sz="1700" dirty="0"/>
+              <a:t>–</a:t>
+            </a:r>
+            <a:r>
+              <a:rPr lang="en-US" sz="1700" dirty="0" smtClean="0"/>
+              <a:t> </a:t>
+            </a:r>
+            <a:r>
+              <a:rPr lang="en-US" sz="1700" dirty="0"/>
+              <a:t>Auto Increment </a:t>
+            </a:r>
+            <a:r>
+              <a:rPr lang="en-US" sz="1700" dirty="0" smtClean="0"/>
+              <a:t>ID</a:t>
+            </a:r>
+            <a:endParaRPr lang="en-US" sz="1700" dirty="0"/>
+          </a:p>
+          <a:p>
+            <a:pPr marL="800100" lvl="1" indent="-342900"/>
+            <a:r>
+              <a:rPr lang="en-US" sz="1700" dirty="0" smtClean="0"/>
+              <a:t>CID (SMALLINT) – Company ID (one company, many surveys)</a:t>
+            </a:r>
+          </a:p>
+          <a:p>
+            <a:pPr marL="800100" lvl="1" indent="-342900"/>
+            <a:r>
+              <a:rPr lang="en-US" sz="1700" dirty="0" err="1" smtClean="0"/>
+              <a:t>StartDate</a:t>
+            </a:r>
+            <a:r>
+              <a:rPr lang="en-US" sz="1700" dirty="0" smtClean="0"/>
+              <a:t> (DATE) – The start date for the survey</a:t>
+            </a:r>
+          </a:p>
+          <a:p>
+            <a:pPr marL="800100" lvl="1" indent="-342900"/>
+            <a:r>
+              <a:rPr lang="en-US" sz="1700" dirty="0" err="1" smtClean="0"/>
+              <a:t>EndDate</a:t>
+            </a:r>
+            <a:r>
+              <a:rPr lang="en-US" sz="1700" dirty="0" smtClean="0"/>
+              <a:t> (DATE) – The end date for the survey</a:t>
+            </a:r>
+            <a:endParaRPr lang="en-US" sz="1700" dirty="0"/>
+          </a:p>
+        </p:txBody>
+      </p:sp>
+    </p:spTree>
+    <p:extLst>
+      <p:ext uri="{BB962C8B-B14F-4D97-AF65-F5344CB8AC3E}">
+        <p14:creationId xmlns:p14="http://schemas.microsoft.com/office/powerpoint/2010/main" val="1171282215"/>
+      </p:ext>
+    </p:extLst>
+  </p:cSld>
+  <p:clrMapOvr>
+    <a:masterClrMapping/>
+  </p:clrMapOvr>
+  <p:timing>
+    <p:tnLst>
+      <p:par>
+        <p:cTn id="1" dur="indefinite" restart="never" nodeType="tmRoot"/>
+      </p:par>
+    </p:tnLst>
+  </p:timing>
+</p:sld>
+</file>
+
+<file path=ppt/slides/slide13.xml><?xml version="1.0" encoding="utf-8"?>
+<p:sld xmlns:a="http://schemas.openxmlformats.org/drawingml/2006/main" xmlns:r="http://schemas.openxmlformats.org/officeDocument/2006/relationships" xmlns:p="http://schemas.openxmlformats.org/presentationml/2006/main">
+  <p:cSld>
+    <p:spTree>
+      <p:nvGrpSpPr>
+        <p:cNvPr id="1" name=""/>
+        <p:cNvGrpSpPr/>
+        <p:nvPr/>
+      </p:nvGrpSpPr>
+      <p:grpSpPr>
+        <a:xfrm>
+          <a:off x="0" y="0"/>
+          <a:ext cx="0" cy="0"/>
+          <a:chOff x="0" y="0"/>
+          <a:chExt cx="0" cy="0"/>
+        </a:xfrm>
+      </p:grpSpPr>
+      <p:sp>
+        <p:nvSpPr>
+          <p:cNvPr id="2" name="Title 1"/>
+          <p:cNvSpPr>
+            <a:spLocks noGrp="1"/>
+          </p:cNvSpPr>
+          <p:nvPr>
+            <p:ph type="title"/>
+          </p:nvPr>
+        </p:nvSpPr>
+        <p:spPr/>
+        <p:txBody>
+          <a:bodyPr/>
+          <a:lstStyle/>
+          <a:p>
+            <a:r>
+              <a:rPr lang="en-US" dirty="0" smtClean="0"/>
+              <a:t>Database</a:t>
+            </a:r>
+            <a:br>
+              <a:rPr lang="en-US" dirty="0" smtClean="0"/>
+            </a:br>
+            <a:r>
+              <a:rPr lang="en-US" dirty="0"/>
+              <a:t>Schema</a:t>
+            </a:r>
+          </a:p>
+        </p:txBody>
+      </p:sp>
+      <p:sp>
+        <p:nvSpPr>
+          <p:cNvPr id="3" name="Content Placeholder 2"/>
+          <p:cNvSpPr>
+            <a:spLocks noGrp="1"/>
+          </p:cNvSpPr>
+          <p:nvPr>
+            <p:ph idx="1"/>
+          </p:nvPr>
+        </p:nvSpPr>
+        <p:spPr/>
+        <p:txBody>
+          <a:bodyPr>
+            <a:normAutofit/>
+          </a:bodyPr>
+          <a:lstStyle/>
+          <a:p>
+            <a:pPr marL="342900" indent="-342900">
+              <a:buFont typeface="Arial" panose="020B0604020202020204" pitchFamily="34" charset="0"/>
+              <a:buChar char="•"/>
+            </a:pPr>
+            <a:r>
+              <a:rPr lang="en-US" sz="1700" dirty="0" smtClean="0"/>
+              <a:t>Department</a:t>
+            </a:r>
+          </a:p>
+          <a:p>
+            <a:pPr marL="800100" lvl="1" indent="-342900"/>
+            <a:r>
+              <a:rPr lang="en-US" sz="1700" dirty="0" smtClean="0"/>
+              <a:t>ID (INT) – Auto Increment ID</a:t>
+            </a:r>
+          </a:p>
+          <a:p>
+            <a:pPr marL="800100" lvl="1" indent="-342900"/>
+            <a:r>
+              <a:rPr lang="en-US" sz="1700" dirty="0" smtClean="0"/>
+              <a:t>SID (INT) – Survey ID (one survey, many departments)</a:t>
+            </a:r>
+          </a:p>
+          <a:p>
+            <a:pPr marL="800100" lvl="1" indent="-342900"/>
+            <a:r>
+              <a:rPr lang="en-US" sz="1700" dirty="0" smtClean="0"/>
+              <a:t>Name (VARCHAR) – Name of the company</a:t>
+            </a:r>
+          </a:p>
+          <a:p>
+            <a:pPr marL="342900" indent="-342900">
+              <a:buFont typeface="Arial" panose="020B0604020202020204" pitchFamily="34" charset="0"/>
+              <a:buChar char="•"/>
+            </a:pPr>
+            <a:r>
+              <a:rPr lang="en-US" sz="1700" dirty="0" smtClean="0"/>
+              <a:t>Participant</a:t>
+            </a:r>
+          </a:p>
+          <a:p>
+            <a:pPr marL="800100" lvl="1" indent="-342900"/>
+            <a:r>
+              <a:rPr lang="en-US" sz="1700" dirty="0" smtClean="0"/>
+              <a:t>ID (INT) </a:t>
+            </a:r>
+            <a:r>
+              <a:rPr lang="en-US" sz="1700" dirty="0"/>
+              <a:t>–</a:t>
+            </a:r>
+            <a:r>
+              <a:rPr lang="en-US" sz="1700" dirty="0" smtClean="0"/>
+              <a:t> </a:t>
+            </a:r>
+            <a:r>
+              <a:rPr lang="en-US" sz="1700" dirty="0"/>
+              <a:t>Auto Increment </a:t>
+            </a:r>
+            <a:r>
+              <a:rPr lang="en-US" sz="1700" dirty="0" smtClean="0"/>
+              <a:t>ID</a:t>
+            </a:r>
+            <a:endParaRPr lang="en-US" sz="1700" dirty="0"/>
+          </a:p>
+          <a:p>
+            <a:pPr marL="800100" lvl="1" indent="-342900"/>
+            <a:r>
+              <a:rPr lang="en-US" sz="1700" dirty="0" smtClean="0"/>
+              <a:t>DID (INT) – Department ID (one department, many participants)</a:t>
+            </a:r>
+          </a:p>
+          <a:p>
+            <a:pPr marL="800100" lvl="1" indent="-342900"/>
+            <a:r>
+              <a:rPr lang="en-US" sz="1700" dirty="0" smtClean="0"/>
+              <a:t>Email (VARCHAR) – The participant’s email</a:t>
+            </a:r>
+          </a:p>
+          <a:p>
+            <a:pPr marL="800100" lvl="1" indent="-342900"/>
+            <a:r>
+              <a:rPr lang="en-US" sz="1700" dirty="0" smtClean="0"/>
+              <a:t>Submitted (TINYINT) – Indicated submission status (</a:t>
+            </a:r>
+            <a:r>
+              <a:rPr lang="en-US" sz="1700" dirty="0" err="1" smtClean="0"/>
+              <a:t>boolean</a:t>
+            </a:r>
+            <a:r>
+              <a:rPr lang="en-US" sz="1700" dirty="0" smtClean="0"/>
+              <a:t>)</a:t>
+            </a:r>
+            <a:endParaRPr lang="en-US" sz="1700" dirty="0"/>
+          </a:p>
+        </p:txBody>
+      </p:sp>
+    </p:spTree>
+    <p:extLst>
+      <p:ext uri="{BB962C8B-B14F-4D97-AF65-F5344CB8AC3E}">
+        <p14:creationId xmlns:p14="http://schemas.microsoft.com/office/powerpoint/2010/main" val="116549692"/>
+      </p:ext>
+    </p:extLst>
+  </p:cSld>
+  <p:clrMapOvr>
+    <a:masterClrMapping/>
+  </p:clrMapOvr>
+  <p:timing>
+    <p:tnLst>
+      <p:par>
+        <p:cTn id="1" dur="indefinite" restart="never" nodeType="tmRoot"/>
+      </p:par>
+    </p:tnLst>
+  </p:timing>
+</p:sld>
+</file>
+
+<file path=ppt/slides/slide14.xml><?xml version="1.0" encoding="utf-8"?>
+<p:sld xmlns:a="http://schemas.openxmlformats.org/drawingml/2006/main" xmlns:r="http://schemas.openxmlformats.org/officeDocument/2006/relationships" xmlns:p="http://schemas.openxmlformats.org/presentationml/2006/main">
+  <p:cSld>
+    <p:spTree>
+      <p:nvGrpSpPr>
+        <p:cNvPr id="1" name=""/>
+        <p:cNvGrpSpPr/>
+        <p:nvPr/>
+      </p:nvGrpSpPr>
+      <p:grpSpPr>
+        <a:xfrm>
+          <a:off x="0" y="0"/>
+          <a:ext cx="0" cy="0"/>
+          <a:chOff x="0" y="0"/>
+          <a:chExt cx="0" cy="0"/>
+        </a:xfrm>
+      </p:grpSpPr>
+      <p:sp>
+        <p:nvSpPr>
+          <p:cNvPr id="2" name="Title 1"/>
+          <p:cNvSpPr>
+            <a:spLocks noGrp="1"/>
+          </p:cNvSpPr>
+          <p:nvPr>
+            <p:ph type="title"/>
+          </p:nvPr>
+        </p:nvSpPr>
+        <p:spPr/>
+        <p:txBody>
+          <a:bodyPr/>
+          <a:lstStyle/>
+          <a:p>
+            <a:r>
+              <a:rPr lang="en-US" dirty="0" smtClean="0"/>
+              <a:t>Database</a:t>
+            </a:r>
+            <a:br>
+              <a:rPr lang="en-US" dirty="0" smtClean="0"/>
+            </a:br>
+            <a:r>
+              <a:rPr lang="en-US" dirty="0"/>
+              <a:t>Schema</a:t>
+            </a:r>
+          </a:p>
+        </p:txBody>
+      </p:sp>
+      <p:sp>
+        <p:nvSpPr>
+          <p:cNvPr id="3" name="Content Placeholder 2"/>
+          <p:cNvSpPr>
+            <a:spLocks noGrp="1"/>
+          </p:cNvSpPr>
+          <p:nvPr>
+            <p:ph idx="1"/>
+          </p:nvPr>
+        </p:nvSpPr>
+        <p:spPr/>
+        <p:txBody>
+          <a:bodyPr>
+            <a:normAutofit/>
+          </a:bodyPr>
+          <a:lstStyle/>
+          <a:p>
+            <a:pPr marL="342900" indent="-342900">
+              <a:buFont typeface="Arial" panose="020B0604020202020204" pitchFamily="34" charset="0"/>
+              <a:buChar char="•"/>
+            </a:pPr>
+            <a:r>
+              <a:rPr lang="en-US" sz="1700" dirty="0" smtClean="0"/>
+              <a:t>Question</a:t>
+            </a:r>
+          </a:p>
+          <a:p>
+            <a:pPr marL="800100" lvl="1" indent="-342900"/>
+            <a:r>
+              <a:rPr lang="en-US" sz="1700" dirty="0" smtClean="0"/>
+              <a:t>ID (SMALLINT) – Configurable Question ID</a:t>
+            </a:r>
+          </a:p>
+          <a:p>
+            <a:pPr marL="800100" lvl="1" indent="-342900"/>
+            <a:r>
+              <a:rPr lang="en-US" sz="1700" dirty="0" smtClean="0"/>
+              <a:t>LS (VARCHAR) – Left statement</a:t>
+            </a:r>
+          </a:p>
+          <a:p>
+            <a:pPr marL="800100" lvl="1" indent="-342900"/>
+            <a:r>
+              <a:rPr lang="en-US" sz="1700" dirty="0" smtClean="0"/>
+              <a:t>RS (VARCHAR) – Right statement</a:t>
+            </a:r>
+          </a:p>
+          <a:p>
+            <a:pPr marL="342900" indent="-342900">
+              <a:buFont typeface="Arial" panose="020B0604020202020204" pitchFamily="34" charset="0"/>
+              <a:buChar char="•"/>
+            </a:pPr>
+            <a:r>
+              <a:rPr lang="en-US" sz="1700" dirty="0" smtClean="0"/>
+              <a:t>SurveyQuestion (XREF Table)</a:t>
+            </a:r>
+          </a:p>
+          <a:p>
+            <a:pPr marL="800100" lvl="1" indent="-342900"/>
+            <a:r>
+              <a:rPr lang="en-US" sz="1700" dirty="0" smtClean="0"/>
+              <a:t>SID (INT) </a:t>
+            </a:r>
+            <a:r>
+              <a:rPr lang="en-US" sz="1700" dirty="0"/>
+              <a:t>–</a:t>
+            </a:r>
+            <a:r>
+              <a:rPr lang="en-US" sz="1700" dirty="0" smtClean="0"/>
+              <a:t> Survey ID (one survey, many question choices)</a:t>
+            </a:r>
+            <a:endParaRPr lang="en-US" sz="1700" dirty="0"/>
+          </a:p>
+          <a:p>
+            <a:pPr marL="800100" lvl="1" indent="-342900"/>
+            <a:r>
+              <a:rPr lang="en-US" sz="1700" dirty="0" smtClean="0"/>
+              <a:t>QID (INT) – Question ID (one question, many times chosen)</a:t>
+            </a:r>
+          </a:p>
+          <a:p>
+            <a:pPr marL="800100" lvl="1" indent="-342900"/>
+            <a:r>
+              <a:rPr lang="en-US" sz="1700" dirty="0" smtClean="0"/>
+              <a:t>Order (SMALLINT) – The order of the question in the survey</a:t>
+            </a:r>
+          </a:p>
+          <a:p>
+            <a:pPr marL="342900" indent="-342900">
+              <a:buFont typeface="Arial" panose="020B0604020202020204" pitchFamily="34" charset="0"/>
+              <a:buChar char="•"/>
+            </a:pPr>
+            <a:r>
+              <a:rPr lang="en-US" sz="1700" dirty="0" smtClean="0"/>
+              <a:t>Response</a:t>
+            </a:r>
+          </a:p>
+          <a:p>
+            <a:pPr marL="800100" lvl="1" indent="-342900"/>
+            <a:r>
+              <a:rPr lang="en-US" sz="1700" dirty="0" smtClean="0"/>
+              <a:t>ID (INT) – Auto Increment ID</a:t>
+            </a:r>
+          </a:p>
+          <a:p>
+            <a:pPr marL="800100" lvl="1" indent="-342900"/>
+            <a:r>
+              <a:rPr lang="en-US" sz="1700" dirty="0" smtClean="0"/>
+              <a:t>DID (INT) – Department ID (one department, many responses)</a:t>
+            </a:r>
+          </a:p>
+          <a:p>
+            <a:pPr marL="800100" lvl="1" indent="-342900"/>
+            <a:r>
+              <a:rPr lang="en-US" sz="1700" dirty="0" smtClean="0"/>
+              <a:t>QID (SMALLINT) – Question ID (one question, many responses)</a:t>
+            </a:r>
+          </a:p>
+          <a:p>
+            <a:pPr marL="800100" lvl="1" indent="-342900"/>
+            <a:r>
+              <a:rPr lang="en-US" sz="1700" dirty="0" smtClean="0"/>
+              <a:t>Response (TINYINT) – Participant response (1-6)</a:t>
+            </a:r>
+          </a:p>
+        </p:txBody>
+      </p:sp>
+    </p:spTree>
+    <p:extLst>
+      <p:ext uri="{BB962C8B-B14F-4D97-AF65-F5344CB8AC3E}">
+        <p14:creationId xmlns:p14="http://schemas.microsoft.com/office/powerpoint/2010/main" val="3425274699"/>
+      </p:ext>
+    </p:extLst>
+  </p:cSld>
+  <p:clrMapOvr>
+    <a:masterClrMapping/>
+  </p:clrMapOvr>
+  <p:timing>
+    <p:tnLst>
+      <p:par>
+        <p:cTn id="1" dur="indefinite" restart="never" nodeType="tmRoot"/>
+      </p:par>
+    </p:tnLst>
+  </p:timing>
+</p:sld>
+</file>
+
+<file path=ppt/slides/slide15.xml><?xml version="1.0" encoding="utf-8"?>
+<p:sld xmlns:a="http://schemas.openxmlformats.org/drawingml/2006/main" xmlns:r="http://schemas.openxmlformats.org/officeDocument/2006/relationships" xmlns:p="http://schemas.openxmlformats.org/presentationml/2006/main">
+  <p:cSld>
+    <p:spTree>
+      <p:nvGrpSpPr>
+        <p:cNvPr id="1" name=""/>
+        <p:cNvGrpSpPr/>
+        <p:nvPr/>
+      </p:nvGrpSpPr>
+      <p:grpSpPr>
+        <a:xfrm>
+          <a:off x="0" y="0"/>
+          <a:ext cx="0" cy="0"/>
+          <a:chOff x="0" y="0"/>
+          <a:chExt cx="0" cy="0"/>
+        </a:xfrm>
+      </p:grpSpPr>
+      <p:sp>
+        <p:nvSpPr>
+          <p:cNvPr id="2" name="Title 1"/>
+          <p:cNvSpPr>
+            <a:spLocks noGrp="1"/>
+          </p:cNvSpPr>
+          <p:nvPr>
+            <p:ph type="title"/>
+          </p:nvPr>
+        </p:nvSpPr>
+        <p:spPr/>
+        <p:txBody>
+          <a:bodyPr/>
+          <a:lstStyle/>
+          <a:p>
+            <a:r>
+              <a:rPr lang="en-US" dirty="0" smtClean="0"/>
+              <a:t>Database</a:t>
+            </a:r>
+            <a:br>
+              <a:rPr lang="en-US" dirty="0" smtClean="0"/>
+            </a:br>
+            <a:r>
+              <a:rPr lang="en-US" dirty="0" smtClean="0"/>
+              <a:t>ER </a:t>
+            </a:r>
+            <a:r>
+              <a:rPr lang="en-US" dirty="0" smtClean="0"/>
+              <a:t>Diagram</a:t>
+            </a:r>
+            <a:endParaRPr lang="en-US" dirty="0"/>
+          </a:p>
+        </p:txBody>
+      </p:sp>
+      <p:pic>
+        <p:nvPicPr>
+          <p:cNvPr id="1026" name="Picture 2"/>
+          <p:cNvPicPr>
+            <a:picLocks noChangeAspect="1" noChangeArrowheads="1"/>
+          </p:cNvPicPr>
+          <p:nvPr/>
+        </p:nvPicPr>
+        <p:blipFill>
+          <a:blip r:embed="rId2">
+            <a:extLst>
+              <a:ext uri="{28A0092B-C50C-407E-A947-70E740481C1C}">
+                <a14:useLocalDpi xmlns:a14="http://schemas.microsoft.com/office/drawing/2010/main" val="0"/>
+              </a:ext>
+            </a:extLst>
+          </a:blip>
+          <a:srcRect/>
+          <a:stretch>
+            <a:fillRect/>
+          </a:stretch>
+        </p:blipFill>
+        <p:spPr bwMode="auto">
+          <a:xfrm>
+            <a:off x="609600" y="1828800"/>
+            <a:ext cx="7010400" cy="3143250"/>
+          </a:xfrm>
+          <a:prstGeom prst="rect">
+            <a:avLst/>
+          </a:prstGeom>
+          <a:noFill/>
+          <a:ln>
+            <a:noFill/>
+          </a:ln>
+          <a:effectLst/>
+          <a:extLst>
+            <a:ext uri="{909E8E84-426E-40DD-AFC4-6F175D3DCCD1}">
+              <a14:hiddenFill xmlns:a14="http://schemas.microsoft.com/office/drawing/2010/main">
+                <a:solidFill>
+                  <a:schemeClr val="accent1"/>
+                </a:solidFill>
+              </a14:hiddenFill>
+            </a:ext>
+            <a:ext uri="{91240B29-F687-4F45-9708-019B960494DF}">
+              <a14:hiddenLine xmlns:a14="http://schemas.microsoft.com/office/drawing/2010/main" w="9525">
+                <a:solidFill>
+                  <a:schemeClr val="tx1"/>
+                </a:solidFill>
+                <a:miter lim="800000"/>
+                <a:headEnd/>
+                <a:tailEnd/>
+              </a14:hiddenLine>
+            </a:ext>
+            <a:ext uri="{AF507438-7753-43E0-B8FC-AC1667EBCBE1}">
+              <a14:hiddenEffects xmlns:a14="http://schemas.microsoft.com/office/drawing/2010/main">
+                <a:effectLst>
+                  <a:outerShdw dist="35921" dir="2700000" algn="ctr" rotWithShape="0">
+                    <a:schemeClr val="bg2"/>
+                  </a:outerShdw>
+                </a:effectLst>
+              </a14:hiddenEffects>
+            </a:ext>
+          </a:extLst>
+        </p:spPr>
+      </p:pic>
+      <p:sp>
+        <p:nvSpPr>
+          <p:cNvPr id="3" name="TextBox 2"/>
+          <p:cNvSpPr txBox="1"/>
+          <p:nvPr/>
+        </p:nvSpPr>
+        <p:spPr>
+          <a:xfrm>
+            <a:off x="745834" y="5128292"/>
+            <a:ext cx="6874166" cy="1569660"/>
+          </a:xfrm>
+          <a:prstGeom prst="rect">
+            <a:avLst/>
+          </a:prstGeom>
+          <a:noFill/>
+        </p:spPr>
+        <p:txBody>
+          <a:bodyPr wrap="square" rtlCol="0">
+            <a:spAutoFit/>
+          </a:bodyPr>
+          <a:lstStyle/>
+          <a:p>
+            <a:r>
+              <a:rPr lang="en-US" sz="1600" dirty="0" smtClean="0"/>
+              <a:t>NOTE: </a:t>
+            </a:r>
+            <a:br>
+              <a:rPr lang="en-US" sz="1600" dirty="0" smtClean="0"/>
+            </a:br>
+            <a:r>
+              <a:rPr lang="en-US" sz="1600" dirty="0" smtClean="0"/>
+              <a:t>Relationships feature cascading:</a:t>
+            </a:r>
+          </a:p>
+          <a:p>
+            <a:pPr marL="285750" indent="-285750">
+              <a:buFont typeface="Arial" panose="020B0604020202020204" pitchFamily="34" charset="0"/>
+              <a:buChar char="•"/>
+            </a:pPr>
+            <a:r>
+              <a:rPr lang="en-US" sz="1600" dirty="0" smtClean="0"/>
+              <a:t>ON UPDATE CASCADE – If parent primary key is changed, child foreign key automatically changes to reflect that.</a:t>
+            </a:r>
+          </a:p>
+          <a:p>
+            <a:pPr marL="285750" indent="-285750">
+              <a:buFont typeface="Arial" panose="020B0604020202020204" pitchFamily="34" charset="0"/>
+              <a:buChar char="•"/>
+            </a:pPr>
+            <a:r>
+              <a:rPr lang="en-US" sz="1600" dirty="0" smtClean="0"/>
+              <a:t>ON DELETE CASCADE – If parent record is deleted, all child records are also deleted.</a:t>
+            </a:r>
+            <a:endParaRPr lang="en-US" sz="1600" dirty="0"/>
+          </a:p>
+        </p:txBody>
+      </p:sp>
+    </p:spTree>
+    <p:extLst>
+      <p:ext uri="{BB962C8B-B14F-4D97-AF65-F5344CB8AC3E}">
+        <p14:creationId xmlns:p14="http://schemas.microsoft.com/office/powerpoint/2010/main" val="2990739705"/>
       </p:ext>
     </p:extLst>
   </p:cSld>
@@ -4953,7 +5607,11 @@
             </a:pPr>
             <a:r>
               <a:rPr lang="en-US" dirty="0" smtClean="0"/>
-              <a:t>Semantic Differential Questions (w/ Likert Scale)</a:t>
+              <a:t>Semantic Differential Questions (w/ Likert </a:t>
+            </a:r>
+            <a:r>
+              <a:rPr lang="en-US" dirty="0" smtClean="0"/>
+              <a:t>Scale)</a:t>
             </a:r>
             <a:r>
               <a:rPr lang="en-US" dirty="0"/>
@@ -7115,6 +7773,902 @@
 </file>
 
 <file path=ppt/slides/slide4.xml><?xml version="1.0" encoding="utf-8"?>
+<p:sld xmlns:a="http://schemas.openxmlformats.org/drawingml/2006/main" xmlns:r="http://schemas.openxmlformats.org/officeDocument/2006/relationships" xmlns:p="http://schemas.openxmlformats.org/presentationml/2006/main">
+  <p:cSld>
+    <p:spTree>
+      <p:nvGrpSpPr>
+        <p:cNvPr id="1" name=""/>
+        <p:cNvGrpSpPr/>
+        <p:nvPr/>
+      </p:nvGrpSpPr>
+      <p:grpSpPr>
+        <a:xfrm>
+          <a:off x="0" y="0"/>
+          <a:ext cx="0" cy="0"/>
+          <a:chOff x="0" y="0"/>
+          <a:chExt cx="0" cy="0"/>
+        </a:xfrm>
+      </p:grpSpPr>
+      <p:sp>
+        <p:nvSpPr>
+          <p:cNvPr id="2" name="Title 1"/>
+          <p:cNvSpPr>
+            <a:spLocks noGrp="1"/>
+          </p:cNvSpPr>
+          <p:nvPr>
+            <p:ph type="title"/>
+          </p:nvPr>
+        </p:nvSpPr>
+        <p:spPr/>
+        <p:txBody>
+          <a:bodyPr/>
+          <a:lstStyle/>
+          <a:p>
+            <a:r>
+              <a:rPr lang="en-US" dirty="0" smtClean="0"/>
+              <a:t>Requirement Specification</a:t>
+            </a:r>
+            <a:endParaRPr lang="en-US" dirty="0"/>
+          </a:p>
+        </p:txBody>
+      </p:sp>
+      <p:sp>
+        <p:nvSpPr>
+          <p:cNvPr id="3" name="Content Placeholder 2"/>
+          <p:cNvSpPr>
+            <a:spLocks noGrp="1"/>
+          </p:cNvSpPr>
+          <p:nvPr>
+            <p:ph idx="1"/>
+          </p:nvPr>
+        </p:nvSpPr>
+        <p:spPr/>
+        <p:txBody>
+          <a:bodyPr>
+            <a:normAutofit/>
+          </a:bodyPr>
+          <a:lstStyle/>
+          <a:p>
+            <a:r>
+              <a:rPr lang="en-US" cap="all" spc="-60" dirty="0" smtClean="0">
+                <a:solidFill>
+                  <a:schemeClr val="tx2"/>
+                </a:solidFill>
+                <a:ea typeface="+mj-ea"/>
+                <a:cs typeface="+mj-cs"/>
+              </a:rPr>
+              <a:t>Administrative</a:t>
+            </a:r>
+            <a:endParaRPr lang="en-US" cap="all" spc="-60" dirty="0">
+              <a:solidFill>
+                <a:schemeClr val="tx2"/>
+              </a:solidFill>
+              <a:ea typeface="+mj-ea"/>
+              <a:cs typeface="+mj-cs"/>
+            </a:endParaRPr>
+          </a:p>
+          <a:p>
+            <a:pPr marL="285750" indent="-285750">
+              <a:buFont typeface="Arial" panose="020B0604020202020204" pitchFamily="34" charset="0"/>
+              <a:buChar char="•"/>
+            </a:pPr>
+            <a:r>
+              <a:rPr lang="en-US" sz="1700" dirty="0"/>
+              <a:t>Administrator must log in to access admin page.</a:t>
+            </a:r>
+          </a:p>
+          <a:p>
+            <a:pPr marL="285750" indent="-285750">
+              <a:buFont typeface="Arial" panose="020B0604020202020204" pitchFamily="34" charset="0"/>
+              <a:buChar char="•"/>
+            </a:pPr>
+            <a:r>
+              <a:rPr lang="en-US" sz="1700" dirty="0"/>
+              <a:t>Administrator </a:t>
+            </a:r>
+            <a:r>
+              <a:rPr lang="en-US" sz="1700" dirty="0" smtClean="0"/>
+              <a:t>should be able to </a:t>
+            </a:r>
+            <a:r>
+              <a:rPr lang="en-US" sz="1700" dirty="0"/>
+              <a:t>manage (create, update, delete):</a:t>
+            </a:r>
+          </a:p>
+          <a:p>
+            <a:pPr marL="742950" lvl="1" indent="-285750"/>
+            <a:r>
+              <a:rPr lang="en-US" sz="1700" dirty="0"/>
+              <a:t>Companies</a:t>
+            </a:r>
+          </a:p>
+          <a:p>
+            <a:pPr marL="742950" lvl="1" indent="-285750"/>
+            <a:r>
+              <a:rPr lang="en-US" sz="1700" dirty="0"/>
+              <a:t>Surveys</a:t>
+            </a:r>
+          </a:p>
+          <a:p>
+            <a:pPr marL="742950" lvl="1" indent="-285750"/>
+            <a:r>
+              <a:rPr lang="en-US" sz="1700" dirty="0"/>
+              <a:t>Departments</a:t>
+            </a:r>
+          </a:p>
+          <a:p>
+            <a:pPr marL="742950" lvl="1" indent="-285750"/>
+            <a:r>
+              <a:rPr lang="en-US" sz="1700" dirty="0"/>
+              <a:t>Participants</a:t>
+            </a:r>
+          </a:p>
+          <a:p>
+            <a:pPr marL="742950" lvl="1" indent="-285750"/>
+            <a:r>
+              <a:rPr lang="en-US" sz="1700" dirty="0"/>
+              <a:t>Questions</a:t>
+            </a:r>
+          </a:p>
+        </p:txBody>
+      </p:sp>
+    </p:spTree>
+    <p:extLst>
+      <p:ext uri="{BB962C8B-B14F-4D97-AF65-F5344CB8AC3E}">
+        <p14:creationId xmlns:p14="http://schemas.microsoft.com/office/powerpoint/2010/main" val="2435292433"/>
+      </p:ext>
+    </p:extLst>
+  </p:cSld>
+  <p:clrMapOvr>
+    <a:masterClrMapping/>
+  </p:clrMapOvr>
+  <p:timing>
+    <p:tnLst>
+      <p:par>
+        <p:cTn id="1" dur="indefinite" restart="never" nodeType="tmRoot"/>
+      </p:par>
+    </p:tnLst>
+  </p:timing>
+</p:sld>
+</file>
+
+<file path=ppt/slides/slide5.xml><?xml version="1.0" encoding="utf-8"?>
+<p:sld xmlns:a="http://schemas.openxmlformats.org/drawingml/2006/main" xmlns:r="http://schemas.openxmlformats.org/officeDocument/2006/relationships" xmlns:p="http://schemas.openxmlformats.org/presentationml/2006/main">
+  <p:cSld>
+    <p:spTree>
+      <p:nvGrpSpPr>
+        <p:cNvPr id="1" name=""/>
+        <p:cNvGrpSpPr/>
+        <p:nvPr/>
+      </p:nvGrpSpPr>
+      <p:grpSpPr>
+        <a:xfrm>
+          <a:off x="0" y="0"/>
+          <a:ext cx="0" cy="0"/>
+          <a:chOff x="0" y="0"/>
+          <a:chExt cx="0" cy="0"/>
+        </a:xfrm>
+      </p:grpSpPr>
+      <p:sp>
+        <p:nvSpPr>
+          <p:cNvPr id="2" name="Title 1"/>
+          <p:cNvSpPr>
+            <a:spLocks noGrp="1"/>
+          </p:cNvSpPr>
+          <p:nvPr>
+            <p:ph type="title"/>
+          </p:nvPr>
+        </p:nvSpPr>
+        <p:spPr/>
+        <p:txBody>
+          <a:bodyPr/>
+          <a:lstStyle/>
+          <a:p>
+            <a:r>
+              <a:rPr lang="en-US" dirty="0" smtClean="0"/>
+              <a:t>Requirement Specification</a:t>
+            </a:r>
+            <a:endParaRPr lang="en-US" dirty="0"/>
+          </a:p>
+        </p:txBody>
+      </p:sp>
+      <p:sp>
+        <p:nvSpPr>
+          <p:cNvPr id="3" name="Content Placeholder 2"/>
+          <p:cNvSpPr>
+            <a:spLocks noGrp="1"/>
+          </p:cNvSpPr>
+          <p:nvPr>
+            <p:ph idx="1"/>
+          </p:nvPr>
+        </p:nvSpPr>
+        <p:spPr>
+          <a:xfrm>
+            <a:off x="457200" y="1798637"/>
+            <a:ext cx="7620000" cy="4373563"/>
+          </a:xfrm>
+        </p:spPr>
+        <p:txBody>
+          <a:bodyPr>
+            <a:normAutofit fontScale="85000" lnSpcReduction="10000"/>
+          </a:bodyPr>
+          <a:lstStyle/>
+          <a:p>
+            <a:r>
+              <a:rPr lang="en-US" sz="2400" cap="all" spc="-60" dirty="0">
+                <a:solidFill>
+                  <a:schemeClr val="tx2"/>
+                </a:solidFill>
+                <a:ea typeface="+mj-ea"/>
+                <a:cs typeface="+mj-cs"/>
+              </a:rPr>
+              <a:t>Administrative</a:t>
+            </a:r>
+          </a:p>
+          <a:p>
+            <a:pPr marL="342900" indent="-342900">
+              <a:buFont typeface="Arial" panose="020B0604020202020204" pitchFamily="34" charset="0"/>
+              <a:buChar char="•"/>
+            </a:pPr>
+            <a:r>
+              <a:rPr lang="en-US" dirty="0"/>
+              <a:t>Administrator </a:t>
+            </a:r>
+            <a:r>
+              <a:rPr lang="en-US" dirty="0" smtClean="0"/>
+              <a:t>should </a:t>
+            </a:r>
+            <a:r>
+              <a:rPr lang="en-US" dirty="0"/>
+              <a:t>create new surveys with the below process:</a:t>
+            </a:r>
+          </a:p>
+          <a:p>
+            <a:pPr marL="800100" lvl="1" indent="-342900"/>
+            <a:r>
+              <a:rPr lang="en-US" dirty="0"/>
+              <a:t>Create a company record or choose an existing one.</a:t>
+            </a:r>
+          </a:p>
+          <a:p>
+            <a:pPr marL="800100" lvl="1" indent="-342900"/>
+            <a:r>
+              <a:rPr lang="en-US" dirty="0"/>
+              <a:t>Create a list of departments involved in the survey.</a:t>
+            </a:r>
+          </a:p>
+          <a:p>
+            <a:pPr marL="800100" lvl="1" indent="-342900"/>
+            <a:r>
+              <a:rPr lang="en-US" dirty="0"/>
+              <a:t>Supply a comma delimited list of emails for each department.</a:t>
+            </a:r>
+          </a:p>
+          <a:p>
+            <a:pPr marL="800100" lvl="1" indent="-342900"/>
+            <a:r>
+              <a:rPr lang="en-US" dirty="0"/>
+              <a:t>Choose the questions involved in the survey.</a:t>
+            </a:r>
+          </a:p>
+          <a:p>
+            <a:pPr marL="342900" indent="-342900">
+              <a:buFont typeface="Arial" panose="020B0604020202020204" pitchFamily="34" charset="0"/>
+              <a:buChar char="•"/>
+            </a:pPr>
+            <a:r>
+              <a:rPr lang="en-US" dirty="0"/>
+              <a:t>Automatic emails </a:t>
+            </a:r>
+            <a:r>
+              <a:rPr lang="en-US" dirty="0" smtClean="0"/>
+              <a:t>should </a:t>
+            </a:r>
+            <a:r>
+              <a:rPr lang="en-US" dirty="0"/>
+              <a:t>be sent out to each </a:t>
+            </a:r>
+            <a:r>
+              <a:rPr lang="en-US" dirty="0" smtClean="0"/>
+              <a:t>survey participant.</a:t>
+            </a:r>
+            <a:endParaRPr lang="en-US" dirty="0"/>
+          </a:p>
+          <a:p>
+            <a:pPr marL="342900" indent="-342900">
+              <a:buFont typeface="Arial" panose="020B0604020202020204" pitchFamily="34" charset="0"/>
+              <a:buChar char="•"/>
+            </a:pPr>
+            <a:r>
+              <a:rPr lang="en-US" dirty="0" smtClean="0"/>
+              <a:t>Administrator should be able to send out reminder </a:t>
+            </a:r>
+            <a:r>
+              <a:rPr lang="en-US" dirty="0"/>
+              <a:t>emails </a:t>
+            </a:r>
+            <a:r>
+              <a:rPr lang="en-US" dirty="0" smtClean="0"/>
+              <a:t>to:</a:t>
+            </a:r>
+            <a:endParaRPr lang="en-US" dirty="0"/>
+          </a:p>
+          <a:p>
+            <a:pPr marL="800100" lvl="1" indent="-342900"/>
+            <a:r>
+              <a:rPr lang="en-US" dirty="0"/>
+              <a:t>All participants in the company who have not completed the survey.</a:t>
+            </a:r>
+          </a:p>
+          <a:p>
+            <a:pPr marL="800100" lvl="1" indent="-342900"/>
+            <a:r>
+              <a:rPr lang="en-US" dirty="0"/>
+              <a:t>All participants in a department who have not completed the survey.</a:t>
+            </a:r>
+          </a:p>
+          <a:p>
+            <a:pPr marL="800100" lvl="1" indent="-342900"/>
+            <a:r>
+              <a:rPr lang="en-US" dirty="0"/>
+              <a:t>An individual participant who has no completed the survey.</a:t>
+            </a:r>
+          </a:p>
+          <a:p>
+            <a:pPr marL="342900" indent="-342900">
+              <a:buFont typeface="Arial" panose="020B0604020202020204" pitchFamily="34" charset="0"/>
+              <a:buChar char="•"/>
+            </a:pPr>
+            <a:r>
+              <a:rPr lang="en-US" dirty="0" smtClean="0"/>
+              <a:t>Administrator should be able to generate Excel reports.</a:t>
+            </a:r>
+          </a:p>
+          <a:p>
+            <a:pPr marL="800100" lvl="1" indent="-342900"/>
+            <a:r>
+              <a:rPr lang="en-US" dirty="0" smtClean="0"/>
+              <a:t>Overall survey results and breakdown by department.</a:t>
+            </a:r>
+            <a:endParaRPr lang="en-US" dirty="0"/>
+          </a:p>
+        </p:txBody>
+      </p:sp>
+    </p:spTree>
+    <p:extLst>
+      <p:ext uri="{BB962C8B-B14F-4D97-AF65-F5344CB8AC3E}">
+        <p14:creationId xmlns:p14="http://schemas.microsoft.com/office/powerpoint/2010/main" val="4176296943"/>
+      </p:ext>
+    </p:extLst>
+  </p:cSld>
+  <p:clrMapOvr>
+    <a:masterClrMapping/>
+  </p:clrMapOvr>
+  <p:timing>
+    <p:tnLst>
+      <p:par>
+        <p:cTn id="1" dur="indefinite" restart="never" nodeType="tmRoot"/>
+      </p:par>
+    </p:tnLst>
+  </p:timing>
+</p:sld>
+</file>
+
+<file path=ppt/slides/slide6.xml><?xml version="1.0" encoding="utf-8"?>
+<p:sld xmlns:a="http://schemas.openxmlformats.org/drawingml/2006/main" xmlns:r="http://schemas.openxmlformats.org/officeDocument/2006/relationships" xmlns:p="http://schemas.openxmlformats.org/presentationml/2006/main">
+  <p:cSld>
+    <p:spTree>
+      <p:nvGrpSpPr>
+        <p:cNvPr id="1" name=""/>
+        <p:cNvGrpSpPr/>
+        <p:nvPr/>
+      </p:nvGrpSpPr>
+      <p:grpSpPr>
+        <a:xfrm>
+          <a:off x="0" y="0"/>
+          <a:ext cx="0" cy="0"/>
+          <a:chOff x="0" y="0"/>
+          <a:chExt cx="0" cy="0"/>
+        </a:xfrm>
+      </p:grpSpPr>
+      <p:sp>
+        <p:nvSpPr>
+          <p:cNvPr id="2" name="Title 1"/>
+          <p:cNvSpPr>
+            <a:spLocks noGrp="1"/>
+          </p:cNvSpPr>
+          <p:nvPr>
+            <p:ph type="title"/>
+          </p:nvPr>
+        </p:nvSpPr>
+        <p:spPr/>
+        <p:txBody>
+          <a:bodyPr/>
+          <a:lstStyle/>
+          <a:p>
+            <a:r>
+              <a:rPr lang="en-US" dirty="0" smtClean="0"/>
+              <a:t>Requirement Specification</a:t>
+            </a:r>
+            <a:endParaRPr lang="en-US" dirty="0"/>
+          </a:p>
+        </p:txBody>
+      </p:sp>
+      <p:sp>
+        <p:nvSpPr>
+          <p:cNvPr id="3" name="Content Placeholder 2"/>
+          <p:cNvSpPr>
+            <a:spLocks noGrp="1"/>
+          </p:cNvSpPr>
+          <p:nvPr>
+            <p:ph idx="1"/>
+          </p:nvPr>
+        </p:nvSpPr>
+        <p:spPr>
+          <a:xfrm>
+            <a:off x="457200" y="1828800"/>
+            <a:ext cx="7620000" cy="4373563"/>
+          </a:xfrm>
+        </p:spPr>
+        <p:txBody>
+          <a:bodyPr>
+            <a:normAutofit fontScale="92500" lnSpcReduction="10000"/>
+          </a:bodyPr>
+          <a:lstStyle/>
+          <a:p>
+            <a:pPr>
+              <a:lnSpc>
+                <a:spcPct val="90000"/>
+              </a:lnSpc>
+            </a:pPr>
+            <a:r>
+              <a:rPr lang="en-US" sz="2200" cap="all" spc="-60" dirty="0" smtClean="0">
+                <a:solidFill>
+                  <a:schemeClr val="tx2"/>
+                </a:solidFill>
+                <a:ea typeface="+mj-ea"/>
+                <a:cs typeface="+mj-cs"/>
+              </a:rPr>
+              <a:t>Survey</a:t>
+            </a:r>
+            <a:endParaRPr lang="en-US" sz="2200" cap="all" spc="-60" dirty="0">
+              <a:solidFill>
+                <a:schemeClr val="tx2"/>
+              </a:solidFill>
+              <a:ea typeface="+mj-ea"/>
+              <a:cs typeface="+mj-cs"/>
+            </a:endParaRPr>
+          </a:p>
+          <a:p>
+            <a:pPr marL="285750" indent="-285750">
+              <a:buFont typeface="Arial" panose="020B0604020202020204" pitchFamily="34" charset="0"/>
+              <a:buChar char="•"/>
+            </a:pPr>
+            <a:r>
+              <a:rPr lang="en-US" sz="1800" dirty="0"/>
+              <a:t>Participant </a:t>
+            </a:r>
+            <a:r>
+              <a:rPr lang="en-US" sz="1800" dirty="0" smtClean="0"/>
+              <a:t>should receive email with link to survey page.</a:t>
+            </a:r>
+          </a:p>
+          <a:p>
+            <a:pPr marL="742950" lvl="1" indent="-285750"/>
+            <a:r>
+              <a:rPr lang="en-US" sz="1800" dirty="0" smtClean="0"/>
+              <a:t>Hyperlink should contain a unique ID.</a:t>
+            </a:r>
+          </a:p>
+          <a:p>
+            <a:pPr marL="742950" lvl="1" indent="-285750"/>
+            <a:r>
+              <a:rPr lang="en-US" sz="1800" dirty="0" smtClean="0"/>
+              <a:t>Survey page should not be accessible with an invalid ID.</a:t>
+            </a:r>
+            <a:endParaRPr lang="en-US" sz="1800" dirty="0"/>
+          </a:p>
+          <a:p>
+            <a:pPr marL="285750" indent="-285750">
+              <a:buFont typeface="Arial" panose="020B0604020202020204" pitchFamily="34" charset="0"/>
+              <a:buChar char="•"/>
+            </a:pPr>
+            <a:r>
+              <a:rPr lang="en-US" sz="1800" dirty="0"/>
+              <a:t>Survey questions </a:t>
+            </a:r>
+            <a:r>
+              <a:rPr lang="en-US" sz="1800" dirty="0" smtClean="0"/>
+              <a:t>should </a:t>
+            </a:r>
+            <a:r>
+              <a:rPr lang="en-US" sz="1800" dirty="0"/>
+              <a:t>be </a:t>
+            </a:r>
+            <a:r>
+              <a:rPr lang="en-US" sz="1800" dirty="0" smtClean="0"/>
+              <a:t>semantic differential.</a:t>
+            </a:r>
+          </a:p>
+          <a:p>
+            <a:pPr marL="742950" lvl="1" indent="-285750"/>
+            <a:r>
+              <a:rPr lang="en-US" sz="1800" dirty="0" smtClean="0"/>
+              <a:t>Response choices should be Likert scale.</a:t>
+            </a:r>
+            <a:endParaRPr lang="en-US" sz="1800" dirty="0"/>
+          </a:p>
+          <a:p>
+            <a:pPr marL="285750" indent="-285750">
+              <a:buFont typeface="Arial" panose="020B0604020202020204" pitchFamily="34" charset="0"/>
+              <a:buChar char="•"/>
+            </a:pPr>
+            <a:r>
+              <a:rPr lang="en-US" sz="1800" dirty="0" smtClean="0"/>
+              <a:t>Participant </a:t>
+            </a:r>
+            <a:r>
+              <a:rPr lang="en-US" sz="1800" dirty="0"/>
+              <a:t>must complete all questions before submitting</a:t>
+            </a:r>
+            <a:r>
+              <a:rPr lang="en-US" sz="1800" dirty="0" smtClean="0"/>
+              <a:t>.</a:t>
+            </a:r>
+          </a:p>
+          <a:p>
+            <a:pPr marL="742950" lvl="1" indent="-285750"/>
+            <a:r>
+              <a:rPr lang="en-US" sz="1800" dirty="0" smtClean="0"/>
+              <a:t>The participant should be prompted for confirmation.</a:t>
+            </a:r>
+          </a:p>
+          <a:p>
+            <a:pPr marL="742950" lvl="1" indent="-285750"/>
+            <a:r>
+              <a:rPr lang="en-US" sz="1800" dirty="0" smtClean="0"/>
+              <a:t>If any questions remain incomplete, the earliest incomplete question should be shown (scroll to location).</a:t>
+            </a:r>
+          </a:p>
+          <a:p>
+            <a:pPr marL="285750" indent="-285750">
+              <a:buFont typeface="Arial" panose="020B0604020202020204" pitchFamily="34" charset="0"/>
+              <a:buChar char="•"/>
+            </a:pPr>
+            <a:r>
+              <a:rPr lang="en-US" sz="1800" dirty="0" smtClean="0"/>
+              <a:t>Participant should only be able to submit the survey once.</a:t>
+            </a:r>
+          </a:p>
+          <a:p>
+            <a:pPr marL="742950" lvl="1" indent="-285750"/>
+            <a:r>
+              <a:rPr lang="en-US" sz="1800" dirty="0" smtClean="0"/>
+              <a:t>Survey page should be inaccessibly with the same ID.</a:t>
+            </a:r>
+            <a:endParaRPr lang="en-US" sz="1800" dirty="0"/>
+          </a:p>
+          <a:p>
+            <a:pPr marL="285750" indent="-285750">
+              <a:buFont typeface="Arial" panose="020B0604020202020204" pitchFamily="34" charset="0"/>
+              <a:buChar char="•"/>
+            </a:pPr>
+            <a:r>
+              <a:rPr lang="en-US" sz="1800" dirty="0"/>
+              <a:t>Responses </a:t>
+            </a:r>
+            <a:r>
+              <a:rPr lang="en-US" sz="1800" dirty="0" smtClean="0"/>
+              <a:t>should </a:t>
+            </a:r>
+            <a:r>
+              <a:rPr lang="en-US" sz="1800" dirty="0"/>
+              <a:t>be recorded anonymously.</a:t>
+            </a:r>
+          </a:p>
+        </p:txBody>
+      </p:sp>
+    </p:spTree>
+    <p:extLst>
+      <p:ext uri="{BB962C8B-B14F-4D97-AF65-F5344CB8AC3E}">
+        <p14:creationId xmlns:p14="http://schemas.microsoft.com/office/powerpoint/2010/main" val="3341047602"/>
+      </p:ext>
+    </p:extLst>
+  </p:cSld>
+  <p:clrMapOvr>
+    <a:masterClrMapping/>
+  </p:clrMapOvr>
+  <p:timing>
+    <p:tnLst>
+      <p:par>
+        <p:cTn id="1" dur="indefinite" restart="never" nodeType="tmRoot"/>
+      </p:par>
+    </p:tnLst>
+  </p:timing>
+</p:sld>
+</file>
+
+<file path=ppt/slides/slide7.xml><?xml version="1.0" encoding="utf-8"?>
+<p:sld xmlns:a="http://schemas.openxmlformats.org/drawingml/2006/main" xmlns:r="http://schemas.openxmlformats.org/officeDocument/2006/relationships" xmlns:p="http://schemas.openxmlformats.org/presentationml/2006/main">
+  <p:cSld>
+    <p:spTree>
+      <p:nvGrpSpPr>
+        <p:cNvPr id="1" name=""/>
+        <p:cNvGrpSpPr/>
+        <p:nvPr/>
+      </p:nvGrpSpPr>
+      <p:grpSpPr>
+        <a:xfrm>
+          <a:off x="0" y="0"/>
+          <a:ext cx="0" cy="0"/>
+          <a:chOff x="0" y="0"/>
+          <a:chExt cx="0" cy="0"/>
+        </a:xfrm>
+      </p:grpSpPr>
+      <p:sp>
+        <p:nvSpPr>
+          <p:cNvPr id="2" name="Title 1"/>
+          <p:cNvSpPr>
+            <a:spLocks noGrp="1"/>
+          </p:cNvSpPr>
+          <p:nvPr>
+            <p:ph type="title"/>
+          </p:nvPr>
+        </p:nvSpPr>
+        <p:spPr/>
+        <p:txBody>
+          <a:bodyPr/>
+          <a:lstStyle/>
+          <a:p>
+            <a:r>
+              <a:rPr lang="en-US" dirty="0" smtClean="0"/>
+              <a:t>Requirement Specification</a:t>
+            </a:r>
+            <a:endParaRPr lang="en-US" dirty="0"/>
+          </a:p>
+        </p:txBody>
+      </p:sp>
+      <p:sp>
+        <p:nvSpPr>
+          <p:cNvPr id="3" name="Content Placeholder 2"/>
+          <p:cNvSpPr>
+            <a:spLocks noGrp="1"/>
+          </p:cNvSpPr>
+          <p:nvPr>
+            <p:ph idx="1"/>
+          </p:nvPr>
+        </p:nvSpPr>
+        <p:spPr>
+          <a:xfrm>
+            <a:off x="457200" y="1798637"/>
+            <a:ext cx="7620000" cy="4373563"/>
+          </a:xfrm>
+        </p:spPr>
+        <p:txBody>
+          <a:bodyPr/>
+          <a:lstStyle/>
+          <a:p>
+            <a:pPr>
+              <a:lnSpc>
+                <a:spcPct val="90000"/>
+              </a:lnSpc>
+            </a:pPr>
+            <a:r>
+              <a:rPr lang="en-US" cap="all" spc="-60" dirty="0" smtClean="0">
+                <a:solidFill>
+                  <a:schemeClr val="tx2"/>
+                </a:solidFill>
+                <a:ea typeface="+mj-ea"/>
+                <a:cs typeface="+mj-cs"/>
+              </a:rPr>
+              <a:t>Database</a:t>
+            </a:r>
+            <a:endParaRPr lang="en-US" cap="all" spc="-60" dirty="0">
+              <a:solidFill>
+                <a:schemeClr val="tx2"/>
+              </a:solidFill>
+              <a:ea typeface="+mj-ea"/>
+              <a:cs typeface="+mj-cs"/>
+            </a:endParaRPr>
+          </a:p>
+          <a:p>
+            <a:pPr marL="285750" indent="-285750">
+              <a:buFont typeface="Arial" panose="020B0604020202020204" pitchFamily="34" charset="0"/>
+              <a:buChar char="•"/>
+            </a:pPr>
+            <a:r>
+              <a:rPr lang="en-US" sz="1700" dirty="0" smtClean="0"/>
+              <a:t>The database </a:t>
+            </a:r>
+            <a:r>
+              <a:rPr lang="en-US" sz="1700" dirty="0" smtClean="0"/>
+              <a:t>should </a:t>
+            </a:r>
+            <a:r>
+              <a:rPr lang="en-US" sz="1700" dirty="0" smtClean="0"/>
+              <a:t>be implemented using MySQL</a:t>
+            </a:r>
+          </a:p>
+          <a:p>
+            <a:pPr marL="742950" lvl="1" indent="-285750"/>
+            <a:r>
+              <a:rPr lang="en-US" sz="1700" dirty="0" smtClean="0"/>
+              <a:t>Relational database</a:t>
+            </a:r>
+          </a:p>
+          <a:p>
+            <a:pPr marL="742950" lvl="1" indent="-285750"/>
+            <a:r>
+              <a:rPr lang="en-US" sz="1700" dirty="0" smtClean="0"/>
+              <a:t>Free and open-source</a:t>
+            </a:r>
+          </a:p>
+          <a:p>
+            <a:pPr marL="285750" indent="-285750">
+              <a:buFont typeface="Arial" panose="020B0604020202020204" pitchFamily="34" charset="0"/>
+              <a:buChar char="•"/>
+            </a:pPr>
+            <a:r>
+              <a:rPr lang="en-US" sz="1700" dirty="0" smtClean="0"/>
+              <a:t>The schema should be efficiently designed</a:t>
+            </a:r>
+          </a:p>
+          <a:p>
+            <a:pPr marL="742950" lvl="1" indent="-285750"/>
+            <a:r>
+              <a:rPr lang="en-US" sz="1700" dirty="0" smtClean="0"/>
+              <a:t>Relationships used to eliminate redundant </a:t>
+            </a:r>
+            <a:r>
+              <a:rPr lang="en-US" sz="1700" dirty="0" smtClean="0"/>
+              <a:t>data</a:t>
+            </a:r>
+          </a:p>
+          <a:p>
+            <a:pPr marL="742950" lvl="1" indent="-285750"/>
+            <a:r>
+              <a:rPr lang="en-US" sz="1700" dirty="0" smtClean="0"/>
+              <a:t>Appropriate data types and length restrictions.</a:t>
+            </a:r>
+            <a:endParaRPr lang="en-US" sz="1700" dirty="0" smtClean="0"/>
+          </a:p>
+        </p:txBody>
+      </p:sp>
+    </p:spTree>
+    <p:extLst>
+      <p:ext uri="{BB962C8B-B14F-4D97-AF65-F5344CB8AC3E}">
+        <p14:creationId xmlns:p14="http://schemas.microsoft.com/office/powerpoint/2010/main" val="982616843"/>
+      </p:ext>
+    </p:extLst>
+  </p:cSld>
+  <p:clrMapOvr>
+    <a:masterClrMapping/>
+  </p:clrMapOvr>
+  <p:timing>
+    <p:tnLst>
+      <p:par>
+        <p:cTn id="1" dur="indefinite" restart="never" nodeType="tmRoot"/>
+      </p:par>
+    </p:tnLst>
+  </p:timing>
+</p:sld>
+</file>
+
+<file path=ppt/slides/slide8.xml><?xml version="1.0" encoding="utf-8"?>
+<p:sld xmlns:a="http://schemas.openxmlformats.org/drawingml/2006/main" xmlns:r="http://schemas.openxmlformats.org/officeDocument/2006/relationships" xmlns:p="http://schemas.openxmlformats.org/presentationml/2006/main">
+  <p:cSld>
+    <p:spTree>
+      <p:nvGrpSpPr>
+        <p:cNvPr id="1" name=""/>
+        <p:cNvGrpSpPr/>
+        <p:nvPr/>
+      </p:nvGrpSpPr>
+      <p:grpSpPr>
+        <a:xfrm>
+          <a:off x="0" y="0"/>
+          <a:ext cx="0" cy="0"/>
+          <a:chOff x="0" y="0"/>
+          <a:chExt cx="0" cy="0"/>
+        </a:xfrm>
+      </p:grpSpPr>
+      <p:sp>
+        <p:nvSpPr>
+          <p:cNvPr id="2" name="Title 1"/>
+          <p:cNvSpPr>
+            <a:spLocks noGrp="1"/>
+          </p:cNvSpPr>
+          <p:nvPr>
+            <p:ph type="title"/>
+          </p:nvPr>
+        </p:nvSpPr>
+        <p:spPr/>
+        <p:txBody>
+          <a:bodyPr/>
+          <a:lstStyle/>
+          <a:p>
+            <a:r>
+              <a:rPr lang="en-US" dirty="0" smtClean="0"/>
+              <a:t>Subsystems</a:t>
+            </a:r>
+            <a:endParaRPr lang="en-US" dirty="0"/>
+          </a:p>
+        </p:txBody>
+      </p:sp>
+      <p:pic>
+        <p:nvPicPr>
+          <p:cNvPr id="1028" name="Picture 4"/>
+          <p:cNvPicPr>
+            <a:picLocks noChangeAspect="1" noChangeArrowheads="1"/>
+          </p:cNvPicPr>
+          <p:nvPr/>
+        </p:nvPicPr>
+        <p:blipFill>
+          <a:blip r:embed="rId2">
+            <a:extLst>
+              <a:ext uri="{28A0092B-C50C-407E-A947-70E740481C1C}">
+                <a14:useLocalDpi xmlns:a14="http://schemas.microsoft.com/office/drawing/2010/main" val="0"/>
+              </a:ext>
+            </a:extLst>
+          </a:blip>
+          <a:srcRect/>
+          <a:stretch>
+            <a:fillRect/>
+          </a:stretch>
+        </p:blipFill>
+        <p:spPr bwMode="auto">
+          <a:xfrm>
+            <a:off x="609600" y="1752600"/>
+            <a:ext cx="6934200" cy="3848100"/>
+          </a:xfrm>
+          <a:prstGeom prst="rect">
+            <a:avLst/>
+          </a:prstGeom>
+          <a:noFill/>
+          <a:ln>
+            <a:noFill/>
+          </a:ln>
+          <a:extLst>
+            <a:ext uri="{909E8E84-426E-40DD-AFC4-6F175D3DCCD1}">
+              <a14:hiddenFill xmlns:a14="http://schemas.microsoft.com/office/drawing/2010/main">
+                <a:solidFill>
+                  <a:schemeClr val="accent1"/>
+                </a:solidFill>
+              </a14:hiddenFill>
+            </a:ext>
+            <a:ext uri="{91240B29-F687-4F45-9708-019B960494DF}">
+              <a14:hiddenLine xmlns:a14="http://schemas.microsoft.com/office/drawing/2010/main" w="9525">
+                <a:solidFill>
+                  <a:schemeClr val="tx1"/>
+                </a:solidFill>
+                <a:miter lim="800000"/>
+                <a:headEnd/>
+                <a:tailEnd/>
+              </a14:hiddenLine>
+            </a:ext>
+          </a:extLst>
+        </p:spPr>
+      </p:pic>
+    </p:spTree>
+    <p:extLst>
+      <p:ext uri="{BB962C8B-B14F-4D97-AF65-F5344CB8AC3E}">
+        <p14:creationId xmlns:p14="http://schemas.microsoft.com/office/powerpoint/2010/main" val="3750097339"/>
+      </p:ext>
+    </p:extLst>
+  </p:cSld>
+  <p:clrMapOvr>
+    <a:masterClrMapping/>
+  </p:clrMapOvr>
+  <p:timing>
+    <p:tnLst>
+      <p:par>
+        <p:cTn id="1" dur="indefinite" restart="never" nodeType="tmRoot"/>
+      </p:par>
+    </p:tnLst>
+  </p:timing>
+</p:sld>
+</file>
+
+<file path=ppt/slides/slide9.xml><?xml version="1.0" encoding="utf-8"?>
 <p:sld xmlns:a="http://schemas.openxmlformats.org/drawingml/2006/main" xmlns:r="http://schemas.openxmlformats.org/officeDocument/2006/relationships" xmlns:p="http://schemas.openxmlformats.org/presentationml/2006/main">
   <p:cSld>
     <p:spTree>
@@ -7237,703 +8791,6 @@
       </p:par>
     </p:tnLst>
   </p:timing>
-</p:sld>
-</file>
-
-<file path=ppt/slides/slide5.xml><?xml version="1.0" encoding="utf-8"?>
-<p:sld xmlns:a="http://schemas.openxmlformats.org/drawingml/2006/main" xmlns:r="http://schemas.openxmlformats.org/officeDocument/2006/relationships" xmlns:p="http://schemas.openxmlformats.org/presentationml/2006/main">
-  <p:cSld>
-    <p:spTree>
-      <p:nvGrpSpPr>
-        <p:cNvPr id="1" name=""/>
-        <p:cNvGrpSpPr/>
-        <p:nvPr/>
-      </p:nvGrpSpPr>
-      <p:grpSpPr>
-        <a:xfrm>
-          <a:off x="0" y="0"/>
-          <a:ext cx="0" cy="0"/>
-          <a:chOff x="0" y="0"/>
-          <a:chExt cx="0" cy="0"/>
-        </a:xfrm>
-      </p:grpSpPr>
-      <p:sp>
-        <p:nvSpPr>
-          <p:cNvPr id="2" name="Title 1"/>
-          <p:cNvSpPr>
-            <a:spLocks noGrp="1"/>
-          </p:cNvSpPr>
-          <p:nvPr>
-            <p:ph type="title"/>
-          </p:nvPr>
-        </p:nvSpPr>
-        <p:spPr/>
-        <p:txBody>
-          <a:bodyPr/>
-          <a:lstStyle/>
-          <a:p>
-            <a:r>
-              <a:rPr lang="en-US" dirty="0" smtClean="0"/>
-              <a:t>Requirement Specification</a:t>
-            </a:r>
-            <a:endParaRPr lang="en-US" dirty="0"/>
-          </a:p>
-        </p:txBody>
-      </p:sp>
-      <p:sp>
-        <p:nvSpPr>
-          <p:cNvPr id="3" name="Content Placeholder 2"/>
-          <p:cNvSpPr>
-            <a:spLocks noGrp="1"/>
-          </p:cNvSpPr>
-          <p:nvPr>
-            <p:ph idx="1"/>
-          </p:nvPr>
-        </p:nvSpPr>
-        <p:spPr/>
-        <p:txBody>
-          <a:bodyPr>
-            <a:normAutofit/>
-          </a:bodyPr>
-          <a:lstStyle/>
-          <a:p>
-            <a:r>
-              <a:rPr lang="en-US" dirty="0" smtClean="0"/>
-              <a:t>Administrative Page</a:t>
-            </a:r>
-          </a:p>
-          <a:p>
-            <a:pPr marL="342900" indent="-342900">
-              <a:buFont typeface="Arial" panose="020B0604020202020204" pitchFamily="34" charset="0"/>
-              <a:buChar char="•"/>
-            </a:pPr>
-            <a:r>
-              <a:rPr lang="en-US" dirty="0" smtClean="0"/>
-              <a:t>Requires login to access</a:t>
-            </a:r>
-          </a:p>
-          <a:p>
-            <a:pPr marL="342900" indent="-342900">
-              <a:buFont typeface="Arial" panose="020B0604020202020204" pitchFamily="34" charset="0"/>
-              <a:buChar char="•"/>
-            </a:pPr>
-            <a:r>
-              <a:rPr lang="en-US" dirty="0" smtClean="0"/>
-              <a:t>Used to generate surveys</a:t>
-            </a:r>
-          </a:p>
-          <a:p>
-            <a:pPr marL="914400" lvl="1" indent="-457200">
-              <a:buFont typeface="+mj-lt"/>
-              <a:buAutoNum type="arabicPeriod"/>
-            </a:pPr>
-            <a:r>
-              <a:rPr lang="en-US" dirty="0" smtClean="0"/>
-              <a:t>Create a record for a company (or select existing)</a:t>
-            </a:r>
-          </a:p>
-          <a:p>
-            <a:pPr marL="914400" lvl="1" indent="-457200">
-              <a:buFont typeface="+mj-lt"/>
-              <a:buAutoNum type="arabicPeriod"/>
-            </a:pPr>
-            <a:r>
-              <a:rPr lang="en-US" dirty="0" smtClean="0"/>
-              <a:t>Create records for each department involved in survey</a:t>
-            </a:r>
-          </a:p>
-          <a:p>
-            <a:pPr marL="914400" lvl="1" indent="-457200">
-              <a:buFont typeface="+mj-lt"/>
-              <a:buAutoNum type="arabicPeriod"/>
-            </a:pPr>
-            <a:r>
-              <a:rPr lang="en-US" dirty="0" smtClean="0"/>
-              <a:t>Generate participant records from email list</a:t>
-            </a:r>
-          </a:p>
-          <a:p>
-            <a:pPr marL="914400" lvl="1" indent="-457200">
-              <a:buFont typeface="+mj-lt"/>
-              <a:buAutoNum type="arabicPeriod"/>
-            </a:pPr>
-            <a:r>
-              <a:rPr lang="en-US" dirty="0" smtClean="0"/>
-              <a:t>Automatic emails are sent out with link to survey</a:t>
-            </a:r>
-          </a:p>
-        </p:txBody>
-      </p:sp>
-    </p:spTree>
-    <p:extLst>
-      <p:ext uri="{BB962C8B-B14F-4D97-AF65-F5344CB8AC3E}">
-        <p14:creationId xmlns:p14="http://schemas.microsoft.com/office/powerpoint/2010/main" val="2435292433"/>
-      </p:ext>
-    </p:extLst>
-  </p:cSld>
-  <p:clrMapOvr>
-    <a:masterClrMapping/>
-  </p:clrMapOvr>
-  <p:timing>
-    <p:tnLst>
-      <p:par>
-        <p:cTn id="1" dur="indefinite" restart="never" nodeType="tmRoot"/>
-      </p:par>
-    </p:tnLst>
-  </p:timing>
-</p:sld>
-</file>
-
-<file path=ppt/slides/slide6.xml><?xml version="1.0" encoding="utf-8"?>
-<p:sld xmlns:a="http://schemas.openxmlformats.org/drawingml/2006/main" xmlns:r="http://schemas.openxmlformats.org/officeDocument/2006/relationships" xmlns:p="http://schemas.openxmlformats.org/presentationml/2006/main">
-  <p:cSld>
-    <p:spTree>
-      <p:nvGrpSpPr>
-        <p:cNvPr id="1" name=""/>
-        <p:cNvGrpSpPr/>
-        <p:nvPr/>
-      </p:nvGrpSpPr>
-      <p:grpSpPr>
-        <a:xfrm>
-          <a:off x="0" y="0"/>
-          <a:ext cx="0" cy="0"/>
-          <a:chOff x="0" y="0"/>
-          <a:chExt cx="0" cy="0"/>
-        </a:xfrm>
-      </p:grpSpPr>
-      <p:sp>
-        <p:nvSpPr>
-          <p:cNvPr id="2" name="Title 1"/>
-          <p:cNvSpPr>
-            <a:spLocks noGrp="1"/>
-          </p:cNvSpPr>
-          <p:nvPr>
-            <p:ph type="title"/>
-          </p:nvPr>
-        </p:nvSpPr>
-        <p:spPr/>
-        <p:txBody>
-          <a:bodyPr/>
-          <a:lstStyle/>
-          <a:p>
-            <a:r>
-              <a:rPr lang="en-US" dirty="0" smtClean="0"/>
-              <a:t>Requirement Specification</a:t>
-            </a:r>
-            <a:endParaRPr lang="en-US" dirty="0"/>
-          </a:p>
-        </p:txBody>
-      </p:sp>
-      <p:sp>
-        <p:nvSpPr>
-          <p:cNvPr id="3" name="Content Placeholder 2"/>
-          <p:cNvSpPr>
-            <a:spLocks noGrp="1"/>
-          </p:cNvSpPr>
-          <p:nvPr>
-            <p:ph idx="1"/>
-          </p:nvPr>
-        </p:nvSpPr>
-        <p:spPr/>
-        <p:txBody>
-          <a:bodyPr>
-            <a:normAutofit/>
-          </a:bodyPr>
-          <a:lstStyle/>
-          <a:p>
-            <a:r>
-              <a:rPr lang="en-US" dirty="0" smtClean="0"/>
-              <a:t>Administrative Page</a:t>
-            </a:r>
-          </a:p>
-          <a:p>
-            <a:pPr marL="457200" indent="-457200">
-              <a:buFont typeface="Arial" panose="020B0604020202020204" pitchFamily="34" charset="0"/>
-              <a:buChar char="•"/>
-            </a:pPr>
-            <a:r>
-              <a:rPr lang="en-US" dirty="0" smtClean="0"/>
-              <a:t>Features for managing ongoing surveys</a:t>
-            </a:r>
-          </a:p>
-          <a:p>
-            <a:pPr marL="914400" lvl="1" indent="-457200"/>
-            <a:r>
-              <a:rPr lang="en-US" dirty="0" smtClean="0"/>
-              <a:t>Send email to participant who has lost the survey link</a:t>
-            </a:r>
-          </a:p>
-          <a:p>
-            <a:pPr marL="914400" lvl="1" indent="-457200"/>
-            <a:r>
-              <a:rPr lang="en-US" dirty="0" smtClean="0"/>
-              <a:t>Send reminder emails to participants that have not completed the survey</a:t>
-            </a:r>
-          </a:p>
-          <a:p>
-            <a:pPr marL="914400" lvl="1" indent="-457200"/>
-            <a:r>
-              <a:rPr lang="en-US" dirty="0" smtClean="0"/>
-              <a:t>Add, remove, and move participants between departments</a:t>
-            </a:r>
-          </a:p>
-          <a:p>
-            <a:pPr marL="457200" indent="-457200">
-              <a:buFont typeface="Arial" panose="020B0604020202020204" pitchFamily="34" charset="0"/>
-              <a:buChar char="•"/>
-            </a:pPr>
-            <a:r>
-              <a:rPr lang="en-US" dirty="0" smtClean="0"/>
-              <a:t>Features for generating reports</a:t>
-            </a:r>
-          </a:p>
-          <a:p>
-            <a:pPr marL="914400" lvl="1" indent="-457200"/>
-            <a:r>
-              <a:rPr lang="en-US" dirty="0" smtClean="0"/>
-              <a:t>Reports should be in Excel</a:t>
-            </a:r>
-          </a:p>
-          <a:p>
-            <a:pPr marL="914400" lvl="1" indent="-457200"/>
-            <a:r>
-              <a:rPr lang="en-US" dirty="0" smtClean="0"/>
-              <a:t>Reports should include charts and graphs</a:t>
-            </a:r>
-          </a:p>
-        </p:txBody>
-      </p:sp>
-    </p:spTree>
-    <p:extLst>
-      <p:ext uri="{BB962C8B-B14F-4D97-AF65-F5344CB8AC3E}">
-        <p14:creationId xmlns:p14="http://schemas.microsoft.com/office/powerpoint/2010/main" val="4176296943"/>
-      </p:ext>
-    </p:extLst>
-  </p:cSld>
-  <p:clrMapOvr>
-    <a:masterClrMapping/>
-  </p:clrMapOvr>
-  <p:timing>
-    <p:tnLst>
-      <p:par>
-        <p:cTn id="1" dur="indefinite" restart="never" nodeType="tmRoot"/>
-      </p:par>
-    </p:tnLst>
-  </p:timing>
-</p:sld>
-</file>
-
-<file path=ppt/slides/slide7.xml><?xml version="1.0" encoding="utf-8"?>
-<p:sld xmlns:a="http://schemas.openxmlformats.org/drawingml/2006/main" xmlns:r="http://schemas.openxmlformats.org/officeDocument/2006/relationships" xmlns:p="http://schemas.openxmlformats.org/presentationml/2006/main">
-  <p:cSld>
-    <p:spTree>
-      <p:nvGrpSpPr>
-        <p:cNvPr id="1" name=""/>
-        <p:cNvGrpSpPr/>
-        <p:nvPr/>
-      </p:nvGrpSpPr>
-      <p:grpSpPr>
-        <a:xfrm>
-          <a:off x="0" y="0"/>
-          <a:ext cx="0" cy="0"/>
-          <a:chOff x="0" y="0"/>
-          <a:chExt cx="0" cy="0"/>
-        </a:xfrm>
-      </p:grpSpPr>
-      <p:sp>
-        <p:nvSpPr>
-          <p:cNvPr id="2" name="Title 1"/>
-          <p:cNvSpPr>
-            <a:spLocks noGrp="1"/>
-          </p:cNvSpPr>
-          <p:nvPr>
-            <p:ph type="title"/>
-          </p:nvPr>
-        </p:nvSpPr>
-        <p:spPr/>
-        <p:txBody>
-          <a:bodyPr/>
-          <a:lstStyle/>
-          <a:p>
-            <a:r>
-              <a:rPr lang="en-US" dirty="0" smtClean="0"/>
-              <a:t>Requirement Specification</a:t>
-            </a:r>
-            <a:endParaRPr lang="en-US" dirty="0"/>
-          </a:p>
-        </p:txBody>
-      </p:sp>
-      <p:sp>
-        <p:nvSpPr>
-          <p:cNvPr id="3" name="Content Placeholder 2"/>
-          <p:cNvSpPr>
-            <a:spLocks noGrp="1"/>
-          </p:cNvSpPr>
-          <p:nvPr>
-            <p:ph idx="1"/>
-          </p:nvPr>
-        </p:nvSpPr>
-        <p:spPr/>
-        <p:txBody>
-          <a:bodyPr/>
-          <a:lstStyle/>
-          <a:p>
-            <a:r>
-              <a:rPr lang="en-US" dirty="0" smtClean="0"/>
-              <a:t>Survey Page</a:t>
-            </a:r>
-            <a:endParaRPr lang="en-US" dirty="0"/>
-          </a:p>
-          <a:p>
-            <a:pPr marL="342900" indent="-342900">
-              <a:buFont typeface="Arial" panose="020B0604020202020204" pitchFamily="34" charset="0"/>
-              <a:buChar char="•"/>
-            </a:pPr>
-            <a:r>
-              <a:rPr lang="en-US" dirty="0" smtClean="0"/>
-              <a:t>Requires a unique ID in the hyperlink to access</a:t>
-            </a:r>
-          </a:p>
-          <a:p>
-            <a:pPr marL="800100" lvl="1" indent="-342900"/>
-            <a:r>
-              <a:rPr lang="en-US" dirty="0" smtClean="0"/>
-              <a:t>Corresponds with ID generated for participant</a:t>
-            </a:r>
-          </a:p>
-          <a:p>
-            <a:pPr marL="800100" lvl="1" indent="-342900"/>
-            <a:r>
-              <a:rPr lang="en-US" dirty="0" smtClean="0"/>
-              <a:t>Included as part of automatic email</a:t>
-            </a:r>
-          </a:p>
-          <a:p>
-            <a:pPr marL="342900" indent="-342900">
-              <a:buFont typeface="Arial" panose="020B0604020202020204" pitchFamily="34" charset="0"/>
-              <a:buChar char="•"/>
-            </a:pPr>
-            <a:r>
-              <a:rPr lang="en-US" dirty="0" smtClean="0"/>
-              <a:t>Survey must be completed before it can be submitted</a:t>
-            </a:r>
-          </a:p>
-          <a:p>
-            <a:pPr marL="800100" lvl="1" indent="-342900"/>
-            <a:r>
-              <a:rPr lang="en-US" dirty="0" smtClean="0"/>
-              <a:t>Should point user to any missed questions</a:t>
-            </a:r>
-          </a:p>
-          <a:p>
-            <a:pPr marL="342900" indent="-342900">
-              <a:buFont typeface="Arial" panose="020B0604020202020204" pitchFamily="34" charset="0"/>
-              <a:buChar char="•"/>
-            </a:pPr>
-            <a:r>
-              <a:rPr lang="en-US" dirty="0" smtClean="0"/>
-              <a:t>Survey can only be submitted once</a:t>
-            </a:r>
-          </a:p>
-          <a:p>
-            <a:pPr marL="800100" lvl="1" indent="-342900"/>
-            <a:r>
-              <a:rPr lang="en-US" dirty="0" smtClean="0"/>
-              <a:t>User should be notified prior to submitting</a:t>
-            </a:r>
-          </a:p>
-          <a:p>
-            <a:pPr marL="800100" lvl="1" indent="-342900"/>
-            <a:r>
-              <a:rPr lang="en-US" dirty="0" smtClean="0"/>
-              <a:t>Notification should be displayed on re-opening page</a:t>
-            </a:r>
-          </a:p>
-          <a:p>
-            <a:pPr marL="342900" indent="-342900">
-              <a:buFont typeface="Arial" panose="020B0604020202020204" pitchFamily="34" charset="0"/>
-              <a:buChar char="•"/>
-            </a:pPr>
-            <a:r>
-              <a:rPr lang="en-US" dirty="0" smtClean="0"/>
-              <a:t>Responses should be anonymous</a:t>
-            </a:r>
-          </a:p>
-        </p:txBody>
-      </p:sp>
-    </p:spTree>
-    <p:extLst>
-      <p:ext uri="{BB962C8B-B14F-4D97-AF65-F5344CB8AC3E}">
-        <p14:creationId xmlns:p14="http://schemas.microsoft.com/office/powerpoint/2010/main" val="3341047602"/>
-      </p:ext>
-    </p:extLst>
-  </p:cSld>
-  <p:clrMapOvr>
-    <a:masterClrMapping/>
-  </p:clrMapOvr>
-  <p:timing>
-    <p:tnLst>
-      <p:par>
-        <p:cTn id="1" dur="indefinite" restart="never" nodeType="tmRoot"/>
-      </p:par>
-    </p:tnLst>
-  </p:timing>
-</p:sld>
-</file>
-
-<file path=ppt/slides/slide8.xml><?xml version="1.0" encoding="utf-8"?>
-<p:sld xmlns:a="http://schemas.openxmlformats.org/drawingml/2006/main" xmlns:r="http://schemas.openxmlformats.org/officeDocument/2006/relationships" xmlns:p="http://schemas.openxmlformats.org/presentationml/2006/main">
-  <p:cSld>
-    <p:spTree>
-      <p:nvGrpSpPr>
-        <p:cNvPr id="1" name=""/>
-        <p:cNvGrpSpPr/>
-        <p:nvPr/>
-      </p:nvGrpSpPr>
-      <p:grpSpPr>
-        <a:xfrm>
-          <a:off x="0" y="0"/>
-          <a:ext cx="0" cy="0"/>
-          <a:chOff x="0" y="0"/>
-          <a:chExt cx="0" cy="0"/>
-        </a:xfrm>
-      </p:grpSpPr>
-      <p:sp>
-        <p:nvSpPr>
-          <p:cNvPr id="2" name="Title 1"/>
-          <p:cNvSpPr>
-            <a:spLocks noGrp="1"/>
-          </p:cNvSpPr>
-          <p:nvPr>
-            <p:ph type="title"/>
-          </p:nvPr>
-        </p:nvSpPr>
-        <p:spPr/>
-        <p:txBody>
-          <a:bodyPr/>
-          <a:lstStyle/>
-          <a:p>
-            <a:r>
-              <a:rPr lang="en-US" dirty="0" smtClean="0"/>
-              <a:t>Requirement Specification</a:t>
-            </a:r>
-            <a:endParaRPr lang="en-US" dirty="0"/>
-          </a:p>
-        </p:txBody>
-      </p:sp>
-      <p:sp>
-        <p:nvSpPr>
-          <p:cNvPr id="3" name="Content Placeholder 2"/>
-          <p:cNvSpPr>
-            <a:spLocks noGrp="1"/>
-          </p:cNvSpPr>
-          <p:nvPr>
-            <p:ph idx="1"/>
-          </p:nvPr>
-        </p:nvSpPr>
-        <p:spPr/>
-        <p:txBody>
-          <a:bodyPr/>
-          <a:lstStyle/>
-          <a:p>
-            <a:r>
-              <a:rPr lang="en-US" dirty="0" smtClean="0"/>
-              <a:t>Database</a:t>
-            </a:r>
-          </a:p>
-          <a:p>
-            <a:pPr marL="342900" indent="-342900">
-              <a:buFont typeface="Arial" panose="020B0604020202020204" pitchFamily="34" charset="0"/>
-              <a:buChar char="•"/>
-            </a:pPr>
-            <a:r>
-              <a:rPr lang="en-US" dirty="0" smtClean="0"/>
-              <a:t>The database will be implemented using MySQL</a:t>
-            </a:r>
-          </a:p>
-          <a:p>
-            <a:pPr marL="800100" lvl="1" indent="-342900"/>
-            <a:r>
-              <a:rPr lang="en-US" dirty="0" smtClean="0"/>
-              <a:t>Relational database</a:t>
-            </a:r>
-          </a:p>
-          <a:p>
-            <a:pPr marL="800100" lvl="1" indent="-342900"/>
-            <a:r>
-              <a:rPr lang="en-US" dirty="0" smtClean="0"/>
-              <a:t>Free and open-source</a:t>
-            </a:r>
-          </a:p>
-          <a:p>
-            <a:pPr marL="342900" indent="-342900">
-              <a:buFont typeface="Arial" panose="020B0604020202020204" pitchFamily="34" charset="0"/>
-              <a:buChar char="•"/>
-            </a:pPr>
-            <a:r>
-              <a:rPr lang="en-US" dirty="0" smtClean="0"/>
-              <a:t>The schema should be efficiently designed</a:t>
-            </a:r>
-          </a:p>
-          <a:p>
-            <a:pPr marL="800100" lvl="1" indent="-342900"/>
-            <a:r>
-              <a:rPr lang="en-US" dirty="0" smtClean="0"/>
-              <a:t>Relationships used to eliminate redundant </a:t>
-            </a:r>
-            <a:r>
-              <a:rPr lang="en-US" dirty="0" smtClean="0"/>
-              <a:t>data</a:t>
-            </a:r>
-            <a:endParaRPr lang="en-US" dirty="0" smtClean="0"/>
-          </a:p>
-        </p:txBody>
-      </p:sp>
-    </p:spTree>
-    <p:extLst>
-      <p:ext uri="{BB962C8B-B14F-4D97-AF65-F5344CB8AC3E}">
-        <p14:creationId xmlns:p14="http://schemas.microsoft.com/office/powerpoint/2010/main" val="982616843"/>
-      </p:ext>
-    </p:extLst>
-  </p:cSld>
-  <p:clrMapOvr>
-    <a:masterClrMapping/>
-  </p:clrMapOvr>
-  <p:timing>
-    <p:tnLst>
-      <p:par>
-        <p:cTn id="1" dur="indefinite" restart="never" nodeType="tmRoot"/>
-      </p:par>
-    </p:tnLst>
-  </p:timing>
-</p:sld>
-</file>
-
-<file path=ppt/slides/slide9.xml><?xml version="1.0" encoding="utf-8"?>
-<p:sld xmlns:a="http://schemas.openxmlformats.org/drawingml/2006/main" xmlns:r="http://schemas.openxmlformats.org/officeDocument/2006/relationships" xmlns:p="http://schemas.openxmlformats.org/presentationml/2006/main">
-  <p:cSld>
-    <p:spTree>
-      <p:nvGrpSpPr>
-        <p:cNvPr id="1" name=""/>
-        <p:cNvGrpSpPr/>
-        <p:nvPr/>
-      </p:nvGrpSpPr>
-      <p:grpSpPr>
-        <a:xfrm>
-          <a:off x="0" y="0"/>
-          <a:ext cx="0" cy="0"/>
-          <a:chOff x="0" y="0"/>
-          <a:chExt cx="0" cy="0"/>
-        </a:xfrm>
-      </p:grpSpPr>
-      <p:sp>
-        <p:nvSpPr>
-          <p:cNvPr id="2" name="Title 1"/>
-          <p:cNvSpPr>
-            <a:spLocks noGrp="1"/>
-          </p:cNvSpPr>
-          <p:nvPr>
-            <p:ph type="title"/>
-          </p:nvPr>
-        </p:nvSpPr>
-        <p:spPr/>
-        <p:txBody>
-          <a:bodyPr/>
-          <a:lstStyle/>
-          <a:p>
-            <a:r>
-              <a:rPr lang="en-US" dirty="0" smtClean="0"/>
-              <a:t>Subsystems</a:t>
-            </a:r>
-            <a:endParaRPr lang="en-US" dirty="0"/>
-          </a:p>
-        </p:txBody>
-      </p:sp>
-      <p:sp>
-        <p:nvSpPr>
-          <p:cNvPr id="3" name="Content Placeholder 2"/>
-          <p:cNvSpPr>
-            <a:spLocks noGrp="1"/>
-          </p:cNvSpPr>
-          <p:nvPr>
-            <p:ph idx="1"/>
-          </p:nvPr>
-        </p:nvSpPr>
-        <p:spPr/>
-        <p:txBody>
-          <a:bodyPr/>
-          <a:lstStyle/>
-          <a:p>
-            <a:pPr marL="342900" indent="-342900">
-              <a:buFont typeface="Arial" panose="020B0604020202020204" pitchFamily="34" charset="0"/>
-              <a:buChar char="•"/>
-            </a:pPr>
-            <a:r>
-              <a:rPr lang="en-US" dirty="0" smtClean="0"/>
-              <a:t>Admin Page</a:t>
-            </a:r>
-          </a:p>
-          <a:p>
-            <a:pPr marL="800100" lvl="1" indent="-342900"/>
-            <a:r>
-              <a:rPr lang="en-US" dirty="0" smtClean="0"/>
-              <a:t>Manage Survey Tab</a:t>
-            </a:r>
-          </a:p>
-          <a:p>
-            <a:pPr marL="800100" lvl="1" indent="-342900"/>
-            <a:r>
-              <a:rPr lang="en-US" dirty="0" smtClean="0"/>
-              <a:t>Create New Survey Tab</a:t>
-            </a:r>
-          </a:p>
-          <a:p>
-            <a:pPr marL="800100" lvl="1" indent="-342900"/>
-            <a:r>
-              <a:rPr lang="en-US" dirty="0" smtClean="0"/>
-              <a:t>Manage Questions Tab</a:t>
-            </a:r>
-          </a:p>
-          <a:p>
-            <a:pPr marL="800100" lvl="1" indent="-342900"/>
-            <a:r>
-              <a:rPr lang="en-US" dirty="0" smtClean="0"/>
-              <a:t>Email System</a:t>
-            </a:r>
-          </a:p>
-          <a:p>
-            <a:pPr marL="342900" indent="-342900">
-              <a:buFont typeface="Arial" panose="020B0604020202020204" pitchFamily="34" charset="0"/>
-              <a:buChar char="•"/>
-            </a:pPr>
-            <a:r>
-              <a:rPr lang="en-US" dirty="0" smtClean="0"/>
-              <a:t>Survey Page</a:t>
-            </a:r>
-          </a:p>
-          <a:p>
-            <a:pPr marL="342900" indent="-342900">
-              <a:buFont typeface="Arial" panose="020B0604020202020204" pitchFamily="34" charset="0"/>
-              <a:buChar char="•"/>
-            </a:pPr>
-            <a:r>
-              <a:rPr lang="en-US" dirty="0" smtClean="0"/>
-              <a:t>Database</a:t>
-            </a:r>
-            <a:endParaRPr lang="en-US" dirty="0"/>
-          </a:p>
-        </p:txBody>
-      </p:sp>
-    </p:spTree>
-    <p:extLst>
-      <p:ext uri="{BB962C8B-B14F-4D97-AF65-F5344CB8AC3E}">
-        <p14:creationId xmlns:p14="http://schemas.microsoft.com/office/powerpoint/2010/main" val="3750097339"/>
-      </p:ext>
-    </p:extLst>
-  </p:cSld>
-  <p:clrMapOvr>
-    <a:masterClrMapping/>
-  </p:clrMapOvr>
 </p:sld>
 </file>
 

--- a/Survey System - Progress Presentation 3.pptx
+++ b/Survey System - Progress Presentation 3.pptx
@@ -5,7 +5,7 @@
     <p:sldMasterId id="2147483660" r:id="rId1"/>
   </p:sldMasterIdLst>
   <p:notesMasterIdLst>
-    <p:notesMasterId r:id="rId17"/>
+    <p:notesMasterId r:id="rId18"/>
   </p:notesMasterIdLst>
   <p:sldIdLst>
     <p:sldId id="256" r:id="rId2"/>
@@ -19,10 +19,11 @@
     <p:sldId id="261" r:id="rId10"/>
     <p:sldId id="260" r:id="rId11"/>
     <p:sldId id="259" r:id="rId12"/>
-    <p:sldId id="268" r:id="rId13"/>
-    <p:sldId id="269" r:id="rId14"/>
-    <p:sldId id="270" r:id="rId15"/>
-    <p:sldId id="262" r:id="rId16"/>
+    <p:sldId id="271" r:id="rId13"/>
+    <p:sldId id="268" r:id="rId14"/>
+    <p:sldId id="269" r:id="rId15"/>
+    <p:sldId id="270" r:id="rId16"/>
+    <p:sldId id="262" r:id="rId17"/>
   </p:sldIdLst>
   <p:sldSz cx="9144000" cy="6858000" type="screen4x3"/>
   <p:notesSz cx="6858000" cy="9144000"/>
@@ -4206,11 +4207,7 @@
           <a:p>
             <a:r>
               <a:rPr lang="en-US" dirty="0" smtClean="0"/>
-              <a:t>System </a:t>
-            </a:r>
-            <a:r>
-              <a:rPr lang="en-US" dirty="0" smtClean="0"/>
-              <a:t>Model</a:t>
+              <a:t>System Model</a:t>
             </a:r>
             <a:br>
               <a:rPr lang="en-US" dirty="0" smtClean="0"/>
@@ -4341,11 +4338,7 @@
           <a:p>
             <a:r>
               <a:rPr lang="en-US" dirty="0" smtClean="0"/>
-              <a:t>System </a:t>
-            </a:r>
-            <a:r>
-              <a:rPr lang="en-US" dirty="0" smtClean="0"/>
-              <a:t>Model</a:t>
+              <a:t>System Model</a:t>
             </a:r>
             <a:br>
               <a:rPr lang="en-US" dirty="0" smtClean="0"/>
@@ -4476,14 +4469,14 @@
           <a:p>
             <a:r>
               <a:rPr lang="en-US" dirty="0" smtClean="0"/>
-              <a:t>Database</a:t>
+              <a:t>Algorithm</a:t>
             </a:r>
             <a:br>
               <a:rPr lang="en-US" dirty="0" smtClean="0"/>
             </a:br>
             <a:r>
               <a:rPr lang="en-US" dirty="0" smtClean="0"/>
-              <a:t>Schema</a:t>
+              <a:t>Analysis</a:t>
             </a:r>
             <a:endParaRPr lang="en-US" dirty="0"/>
           </a:p>
@@ -4501,131 +4494,86 @@
         </p:nvSpPr>
         <p:spPr/>
         <p:txBody>
-          <a:bodyPr>
-            <a:normAutofit/>
-          </a:bodyPr>
+          <a:bodyPr/>
           <a:lstStyle/>
           <a:p>
-            <a:pPr marL="342900" indent="-342900">
-              <a:buFont typeface="Arial" panose="020B0604020202020204" pitchFamily="34" charset="0"/>
-              <a:buChar char="•"/>
-            </a:pPr>
-            <a:r>
-              <a:rPr lang="en-US" sz="1700" dirty="0" smtClean="0"/>
-              <a:t>Company</a:t>
+            <a:r>
+              <a:rPr lang="en-US" dirty="0" smtClean="0"/>
+              <a:t>Database Operations:</a:t>
             </a:r>
           </a:p>
           <a:p>
             <a:pPr marL="800100" lvl="1" indent="-342900"/>
             <a:r>
-              <a:rPr lang="en-US" sz="1700" dirty="0" smtClean="0"/>
-              <a:t>ID (SMALLINT) – Auto Increment ID</a:t>
+              <a:rPr lang="en-US" dirty="0" smtClean="0"/>
+              <a:t>INSERT New Record – O(1)</a:t>
             </a:r>
           </a:p>
           <a:p>
             <a:pPr marL="800100" lvl="1" indent="-342900"/>
             <a:r>
-              <a:rPr lang="en-US" sz="1700" dirty="0" smtClean="0"/>
-              <a:t>Name (VARCHAR) – Name of the company</a:t>
+              <a:rPr lang="en-US" dirty="0" smtClean="0"/>
+              <a:t>UPDATE Record – O(log(n)) w/ Indexing</a:t>
             </a:r>
           </a:p>
           <a:p>
             <a:pPr marL="800100" lvl="1" indent="-342900"/>
             <a:r>
-              <a:rPr lang="en-US" sz="1700" dirty="0" smtClean="0"/>
-              <a:t>Address (VARCHAR) – Address of the company</a:t>
+              <a:rPr lang="en-US" dirty="0" smtClean="0"/>
+              <a:t>DELETE Record – O(log(n)) w/ Indexing</a:t>
             </a:r>
           </a:p>
           <a:p>
             <a:pPr marL="800100" lvl="1" indent="-342900"/>
             <a:r>
-              <a:rPr lang="en-US" sz="1700" dirty="0" smtClean="0"/>
-              <a:t>Phone (VARCHAR) – Phone number of contact</a:t>
-            </a:r>
-          </a:p>
-          <a:p>
-            <a:pPr marL="342900" indent="-342900">
-              <a:buFont typeface="Arial" panose="020B0604020202020204" pitchFamily="34" charset="0"/>
-              <a:buChar char="•"/>
-            </a:pPr>
-            <a:r>
-              <a:rPr lang="en-US" sz="1700" dirty="0" smtClean="0"/>
-              <a:t>Survey</a:t>
+              <a:rPr lang="en-US" dirty="0" smtClean="0"/>
+              <a:t>SELECT Single Record – O(log(n)) w/ Indexing</a:t>
             </a:r>
           </a:p>
           <a:p>
             <a:pPr marL="800100" lvl="1" indent="-342900"/>
             <a:r>
-              <a:rPr lang="en-US" sz="1700" dirty="0" smtClean="0"/>
-              <a:t>ID (INT) </a:t>
-            </a:r>
-            <a:r>
-              <a:rPr lang="en-US" sz="1700" dirty="0"/>
-              <a:t>–</a:t>
-            </a:r>
-            <a:r>
-              <a:rPr lang="en-US" sz="1700" dirty="0" smtClean="0"/>
-              <a:t> </a:t>
-            </a:r>
-            <a:r>
-              <a:rPr lang="en-US" sz="1700" dirty="0"/>
-              <a:t>Auto Increment </a:t>
-            </a:r>
-            <a:r>
-              <a:rPr lang="en-US" sz="1700" dirty="0" smtClean="0"/>
-              <a:t>ID</a:t>
-            </a:r>
-            <a:endParaRPr lang="en-US" sz="1700" dirty="0"/>
+              <a:rPr lang="en-US" dirty="0" smtClean="0"/>
+              <a:t>SELECT All Records – O(n)</a:t>
+            </a:r>
+            <a:br>
+              <a:rPr lang="en-US" dirty="0" smtClean="0"/>
+            </a:br>
+            <a:endParaRPr lang="en-US" dirty="0" smtClean="0"/>
+          </a:p>
+          <a:p>
+            <a:r>
+              <a:rPr lang="en-US" dirty="0" smtClean="0"/>
+              <a:t>System Operations:</a:t>
+            </a:r>
           </a:p>
           <a:p>
             <a:pPr marL="800100" lvl="1" indent="-342900"/>
             <a:r>
-              <a:rPr lang="en-US" sz="1700" dirty="0" smtClean="0"/>
-              <a:t>CID (SMALLINT) – Company ID (one company, many surveys)</a:t>
+              <a:rPr lang="en-US" dirty="0" smtClean="0"/>
+              <a:t>Create New Survey – O(n)</a:t>
             </a:r>
           </a:p>
           <a:p>
             <a:pPr marL="800100" lvl="1" indent="-342900"/>
             <a:r>
-              <a:rPr lang="en-US" sz="1700" dirty="0" err="1" smtClean="0"/>
-              <a:t>StartDate</a:t>
-            </a:r>
-            <a:r>
-              <a:rPr lang="en-US" sz="1700" dirty="0" smtClean="0"/>
-              <a:t> (DATE) – The start date for the survey</a:t>
-            </a:r>
-          </a:p>
-          <a:p>
-            <a:pPr marL="800100" lvl="1" indent="-342900"/>
-            <a:r>
-              <a:rPr lang="en-US" sz="1700" dirty="0" err="1" smtClean="0"/>
-              <a:t>EndDate</a:t>
-            </a:r>
-            <a:r>
-              <a:rPr lang="en-US" sz="1700" dirty="0" smtClean="0"/>
-              <a:t> (DATE) – The end date for the survey</a:t>
-            </a:r>
-            <a:endParaRPr lang="en-US" sz="1700" dirty="0"/>
+              <a:rPr lang="en-US" dirty="0" smtClean="0"/>
+              <a:t>Submit Survey Responses – O(n)</a:t>
+            </a:r>
+            <a:endParaRPr lang="en-US" dirty="0"/>
           </a:p>
         </p:txBody>
       </p:sp>
     </p:spTree>
     <p:extLst>
       <p:ext uri="{BB962C8B-B14F-4D97-AF65-F5344CB8AC3E}">
-        <p14:creationId xmlns:p14="http://schemas.microsoft.com/office/powerpoint/2010/main" val="1171282215"/>
+        <p14:creationId xmlns:p14="http://schemas.microsoft.com/office/powerpoint/2010/main" val="4034025411"/>
       </p:ext>
     </p:extLst>
   </p:cSld>
   <p:clrMapOvr>
     <a:masterClrMapping/>
   </p:clrMapOvr>
-  <p:timing>
-    <p:tnLst>
-      <p:par>
-        <p:cTn id="1" dur="indefinite" restart="never" nodeType="tmRoot"/>
-      </p:par>
-    </p:tnLst>
-  </p:timing>
 </p:sld>
 </file>
 
@@ -4669,9 +4617,10 @@
               <a:rPr lang="en-US" dirty="0" smtClean="0"/>
             </a:br>
             <a:r>
-              <a:rPr lang="en-US" dirty="0"/>
+              <a:rPr lang="en-US" dirty="0" smtClean="0"/>
               <a:t>Schema</a:t>
             </a:r>
+            <a:endParaRPr lang="en-US" dirty="0"/>
           </a:p>
         </p:txBody>
       </p:sp>
@@ -4698,21 +4647,14 @@
             </a:pPr>
             <a:r>
               <a:rPr lang="en-US" sz="1700" dirty="0" smtClean="0"/>
-              <a:t>Department</a:t>
+              <a:t>Company</a:t>
             </a:r>
           </a:p>
           <a:p>
             <a:pPr marL="800100" lvl="1" indent="-342900"/>
             <a:r>
               <a:rPr lang="en-US" sz="1700" dirty="0" smtClean="0"/>
-              <a:t>ID (INT) – Auto Increment ID</a:t>
-            </a:r>
-          </a:p>
-          <a:p>
-            <a:pPr marL="800100" lvl="1" indent="-342900"/>
-            <a:r>
-              <a:rPr lang="en-US" sz="1700" dirty="0" smtClean="0"/>
-              <a:t>SID (INT) – Survey ID (one survey, many departments)</a:t>
+              <a:t>ID (SMALLINT) – Auto Increment ID</a:t>
             </a:r>
           </a:p>
           <a:p>
@@ -4720,6 +4662,20 @@
             <a:r>
               <a:rPr lang="en-US" sz="1700" dirty="0" smtClean="0"/>
               <a:t>Name (VARCHAR) – Name of the company</a:t>
+            </a:r>
+          </a:p>
+          <a:p>
+            <a:pPr marL="800100" lvl="1" indent="-342900"/>
+            <a:r>
+              <a:rPr lang="en-US" sz="1700" dirty="0" smtClean="0"/>
+              <a:t>Address (VARCHAR) – Address of the company</a:t>
+            </a:r>
+          </a:p>
+          <a:p>
+            <a:pPr marL="800100" lvl="1" indent="-342900"/>
+            <a:r>
+              <a:rPr lang="en-US" sz="1700" dirty="0" smtClean="0"/>
+              <a:t>Phone (VARCHAR) – Phone number of contact</a:t>
             </a:r>
           </a:p>
           <a:p>
@@ -4729,7 +4685,7 @@
             </a:pPr>
             <a:r>
               <a:rPr lang="en-US" sz="1700" dirty="0" smtClean="0"/>
-              <a:t>Participant</a:t>
+              <a:t>Survey</a:t>
             </a:r>
           </a:p>
           <a:p>
@@ -4760,29 +4716,29 @@
             <a:pPr marL="800100" lvl="1" indent="-342900"/>
             <a:r>
               <a:rPr lang="en-US" sz="1700" dirty="0" smtClean="0"/>
-              <a:t>DID (INT) – Department ID (one department, many participants)</a:t>
+              <a:t>CID (SMALLINT) – Company ID (one company, many surveys)</a:t>
             </a:r>
           </a:p>
           <a:p>
             <a:pPr marL="800100" lvl="1" indent="-342900"/>
             <a:r>
+              <a:rPr lang="en-US" sz="1700" dirty="0" err="1" smtClean="0"/>
+              <a:t>StartDate</a:t>
+            </a:r>
+            <a:r>
               <a:rPr lang="en-US" sz="1700" dirty="0" smtClean="0"/>
-              <a:t>Email (VARCHAR) – The participant’s email</a:t>
+              <a:t> (DATE) – The start date for the survey</a:t>
             </a:r>
           </a:p>
           <a:p>
             <a:pPr marL="800100" lvl="1" indent="-342900"/>
             <a:r>
+              <a:rPr lang="en-US" sz="1700" dirty="0" err="1" smtClean="0"/>
+              <a:t>EndDate</a:t>
+            </a:r>
+            <a:r>
               <a:rPr lang="en-US" sz="1700" dirty="0" smtClean="0"/>
-              <a:t>Submitted (TINYINT) – Indicated submission status (</a:t>
-            </a:r>
-            <a:r>
-              <a:rPr lang="en-US" sz="1700" dirty="0" err="1" smtClean="0"/>
-              <a:t>boolean</a:t>
-            </a:r>
-            <a:r>
-              <a:rPr lang="en-US" sz="1700" dirty="0" smtClean="0"/>
-              <a:t>)</a:t>
+              <a:t> (DATE) – The end date for the survey</a:t>
             </a:r>
             <a:endParaRPr lang="en-US" sz="1700" dirty="0"/>
           </a:p>
@@ -4791,7 +4747,7 @@
     </p:spTree>
     <p:extLst>
       <p:ext uri="{BB962C8B-B14F-4D97-AF65-F5344CB8AC3E}">
-        <p14:creationId xmlns:p14="http://schemas.microsoft.com/office/powerpoint/2010/main" val="116549692"/>
+        <p14:creationId xmlns:p14="http://schemas.microsoft.com/office/powerpoint/2010/main" val="1171282215"/>
       </p:ext>
     </p:extLst>
   </p:cSld>
@@ -4877,28 +4833,28 @@
             </a:pPr>
             <a:r>
               <a:rPr lang="en-US" sz="1700" dirty="0" smtClean="0"/>
-              <a:t>Question</a:t>
+              <a:t>Department</a:t>
             </a:r>
           </a:p>
           <a:p>
             <a:pPr marL="800100" lvl="1" indent="-342900"/>
             <a:r>
               <a:rPr lang="en-US" sz="1700" dirty="0" smtClean="0"/>
-              <a:t>ID (SMALLINT) – Configurable Question ID</a:t>
+              <a:t>ID (INT) – Auto Increment ID</a:t>
             </a:r>
           </a:p>
           <a:p>
             <a:pPr marL="800100" lvl="1" indent="-342900"/>
             <a:r>
               <a:rPr lang="en-US" sz="1700" dirty="0" smtClean="0"/>
-              <a:t>LS (VARCHAR) – Left statement</a:t>
+              <a:t>SID (INT) – Survey ID (one survey, many departments)</a:t>
             </a:r>
           </a:p>
           <a:p>
             <a:pPr marL="800100" lvl="1" indent="-342900"/>
             <a:r>
               <a:rPr lang="en-US" sz="1700" dirty="0" smtClean="0"/>
-              <a:t>RS (VARCHAR) – Right statement</a:t>
+              <a:t>Name (VARCHAR) – Name of the company</a:t>
             </a:r>
           </a:p>
           <a:p>
@@ -4908,14 +4864,14 @@
             </a:pPr>
             <a:r>
               <a:rPr lang="en-US" sz="1700" dirty="0" smtClean="0"/>
-              <a:t>SurveyQuestion (XREF Table)</a:t>
+              <a:t>Participant</a:t>
             </a:r>
           </a:p>
           <a:p>
             <a:pPr marL="800100" lvl="1" indent="-342900"/>
             <a:r>
               <a:rPr lang="en-US" sz="1700" dirty="0" smtClean="0"/>
-              <a:t>SID (INT) </a:t>
+              <a:t>ID (INT) </a:t>
             </a:r>
             <a:r>
               <a:rPr lang="en-US" sz="1700" dirty="0"/>
@@ -4923,7 +4879,15 @@
             </a:r>
             <a:r>
               <a:rPr lang="en-US" sz="1700" dirty="0" smtClean="0"/>
-              <a:t> Survey ID (one survey, many question choices)</a:t>
+              <a:t> </a:t>
+            </a:r>
+            <a:r>
+              <a:rPr lang="en-US" sz="1700" dirty="0"/>
+              <a:t>Auto Increment </a:t>
+            </a:r>
+            <a:r>
+              <a:rPr lang="en-US" sz="1700" dirty="0" smtClean="0"/>
+              <a:t>ID</a:t>
             </a:r>
             <a:endParaRPr lang="en-US" sz="1700" dirty="0"/>
           </a:p>
@@ -4931,60 +4895,38 @@
             <a:pPr marL="800100" lvl="1" indent="-342900"/>
             <a:r>
               <a:rPr lang="en-US" sz="1700" dirty="0" smtClean="0"/>
-              <a:t>QID (INT) – Question ID (one question, many times chosen)</a:t>
+              <a:t>DID (INT) – Department ID (one department, many participants)</a:t>
             </a:r>
           </a:p>
           <a:p>
             <a:pPr marL="800100" lvl="1" indent="-342900"/>
             <a:r>
               <a:rPr lang="en-US" sz="1700" dirty="0" smtClean="0"/>
-              <a:t>Order (SMALLINT) – The order of the question in the survey</a:t>
-            </a:r>
-          </a:p>
-          <a:p>
-            <a:pPr marL="342900" indent="-342900">
-              <a:buFont typeface="Arial" panose="020B0604020202020204" pitchFamily="34" charset="0"/>
-              <a:buChar char="•"/>
-            </a:pPr>
+              <a:t>Email (VARCHAR) – The participant’s email</a:t>
+            </a:r>
+          </a:p>
+          <a:p>
+            <a:pPr marL="800100" lvl="1" indent="-342900"/>
             <a:r>
               <a:rPr lang="en-US" sz="1700" dirty="0" smtClean="0"/>
-              <a:t>Response</a:t>
-            </a:r>
-          </a:p>
-          <a:p>
-            <a:pPr marL="800100" lvl="1" indent="-342900"/>
+              <a:t>Submitted (TINYINT) – Indicated submission status (</a:t>
+            </a:r>
+            <a:r>
+              <a:rPr lang="en-US" sz="1700" dirty="0" err="1" smtClean="0"/>
+              <a:t>boolean</a:t>
+            </a:r>
             <a:r>
               <a:rPr lang="en-US" sz="1700" dirty="0" smtClean="0"/>
-              <a:t>ID (INT) – Auto Increment ID</a:t>
-            </a:r>
-          </a:p>
-          <a:p>
-            <a:pPr marL="800100" lvl="1" indent="-342900"/>
-            <a:r>
-              <a:rPr lang="en-US" sz="1700" dirty="0" smtClean="0"/>
-              <a:t>DID (INT) – Department ID (one department, many responses)</a:t>
-            </a:r>
-          </a:p>
-          <a:p>
-            <a:pPr marL="800100" lvl="1" indent="-342900"/>
-            <a:r>
-              <a:rPr lang="en-US" sz="1700" dirty="0" smtClean="0"/>
-              <a:t>QID (SMALLINT) – Question ID (one question, many responses)</a:t>
-            </a:r>
-          </a:p>
-          <a:p>
-            <a:pPr marL="800100" lvl="1" indent="-342900"/>
-            <a:r>
-              <a:rPr lang="en-US" sz="1700" dirty="0" smtClean="0"/>
-              <a:t>Response (TINYINT) – Participant response (1-6)</a:t>
-            </a:r>
+              <a:t>)</a:t>
+            </a:r>
+            <a:endParaRPr lang="en-US" sz="1700" dirty="0"/>
           </a:p>
         </p:txBody>
       </p:sp>
     </p:spTree>
     <p:extLst>
       <p:ext uri="{BB962C8B-B14F-4D97-AF65-F5344CB8AC3E}">
-        <p14:creationId xmlns:p14="http://schemas.microsoft.com/office/powerpoint/2010/main" val="3425274699"/>
+        <p14:creationId xmlns:p14="http://schemas.microsoft.com/office/powerpoint/2010/main" val="116549692"/>
       </p:ext>
     </p:extLst>
   </p:cSld>
@@ -5041,12 +4983,201 @@
               <a:rPr lang="en-US" dirty="0" smtClean="0"/>
             </a:br>
             <a:r>
+              <a:rPr lang="en-US" dirty="0"/>
+              <a:t>Schema</a:t>
+            </a:r>
+          </a:p>
+        </p:txBody>
+      </p:sp>
+      <p:sp>
+        <p:nvSpPr>
+          <p:cNvPr id="3" name="Content Placeholder 2"/>
+          <p:cNvSpPr>
+            <a:spLocks noGrp="1"/>
+          </p:cNvSpPr>
+          <p:nvPr>
+            <p:ph idx="1"/>
+          </p:nvPr>
+        </p:nvSpPr>
+        <p:spPr/>
+        <p:txBody>
+          <a:bodyPr>
+            <a:normAutofit/>
+          </a:bodyPr>
+          <a:lstStyle/>
+          <a:p>
+            <a:pPr marL="342900" indent="-342900">
+              <a:buFont typeface="Arial" panose="020B0604020202020204" pitchFamily="34" charset="0"/>
+              <a:buChar char="•"/>
+            </a:pPr>
+            <a:r>
+              <a:rPr lang="en-US" sz="1700" dirty="0" smtClean="0"/>
+              <a:t>Question</a:t>
+            </a:r>
+          </a:p>
+          <a:p>
+            <a:pPr marL="800100" lvl="1" indent="-342900"/>
+            <a:r>
+              <a:rPr lang="en-US" sz="1700" dirty="0" smtClean="0"/>
+              <a:t>ID (SMALLINT) – Configurable Question ID</a:t>
+            </a:r>
+          </a:p>
+          <a:p>
+            <a:pPr marL="800100" lvl="1" indent="-342900"/>
+            <a:r>
+              <a:rPr lang="en-US" sz="1700" dirty="0" smtClean="0"/>
+              <a:t>LS (VARCHAR) – Left statement</a:t>
+            </a:r>
+          </a:p>
+          <a:p>
+            <a:pPr marL="800100" lvl="1" indent="-342900"/>
+            <a:r>
+              <a:rPr lang="en-US" sz="1700" dirty="0" smtClean="0"/>
+              <a:t>RS (VARCHAR) – Right statement</a:t>
+            </a:r>
+          </a:p>
+          <a:p>
+            <a:pPr marL="342900" indent="-342900">
+              <a:buFont typeface="Arial" panose="020B0604020202020204" pitchFamily="34" charset="0"/>
+              <a:buChar char="•"/>
+            </a:pPr>
+            <a:r>
+              <a:rPr lang="en-US" sz="1700" dirty="0" smtClean="0"/>
+              <a:t>SurveyQuestion (XREF Table)</a:t>
+            </a:r>
+          </a:p>
+          <a:p>
+            <a:pPr marL="800100" lvl="1" indent="-342900"/>
+            <a:r>
+              <a:rPr lang="en-US" sz="1700" dirty="0" smtClean="0"/>
+              <a:t>SID (INT) </a:t>
+            </a:r>
+            <a:r>
+              <a:rPr lang="en-US" sz="1700" dirty="0"/>
+              <a:t>–</a:t>
+            </a:r>
+            <a:r>
+              <a:rPr lang="en-US" sz="1700" dirty="0" smtClean="0"/>
+              <a:t> Survey ID (one survey, many question choices)</a:t>
+            </a:r>
+            <a:endParaRPr lang="en-US" sz="1700" dirty="0"/>
+          </a:p>
+          <a:p>
+            <a:pPr marL="800100" lvl="1" indent="-342900"/>
+            <a:r>
+              <a:rPr lang="en-US" sz="1700" dirty="0" smtClean="0"/>
+              <a:t>QID (INT) – Question ID (one question, many times chosen)</a:t>
+            </a:r>
+          </a:p>
+          <a:p>
+            <a:pPr marL="800100" lvl="1" indent="-342900"/>
+            <a:r>
+              <a:rPr lang="en-US" sz="1700" dirty="0" smtClean="0"/>
+              <a:t>Order (SMALLINT) – The order of the question in the survey</a:t>
+            </a:r>
+          </a:p>
+          <a:p>
+            <a:pPr marL="342900" indent="-342900">
+              <a:buFont typeface="Arial" panose="020B0604020202020204" pitchFamily="34" charset="0"/>
+              <a:buChar char="•"/>
+            </a:pPr>
+            <a:r>
+              <a:rPr lang="en-US" sz="1700" dirty="0" smtClean="0"/>
+              <a:t>Response</a:t>
+            </a:r>
+          </a:p>
+          <a:p>
+            <a:pPr marL="800100" lvl="1" indent="-342900"/>
+            <a:r>
+              <a:rPr lang="en-US" sz="1700" dirty="0" smtClean="0"/>
+              <a:t>ID (INT) – Auto Increment ID</a:t>
+            </a:r>
+          </a:p>
+          <a:p>
+            <a:pPr marL="800100" lvl="1" indent="-342900"/>
+            <a:r>
+              <a:rPr lang="en-US" sz="1700" dirty="0" smtClean="0"/>
+              <a:t>DID (INT) – Department ID (one department, many responses)</a:t>
+            </a:r>
+          </a:p>
+          <a:p>
+            <a:pPr marL="800100" lvl="1" indent="-342900"/>
+            <a:r>
+              <a:rPr lang="en-US" sz="1700" dirty="0" smtClean="0"/>
+              <a:t>QID (SMALLINT) – Question ID (one question, many responses)</a:t>
+            </a:r>
+          </a:p>
+          <a:p>
+            <a:pPr marL="800100" lvl="1" indent="-342900"/>
+            <a:r>
+              <a:rPr lang="en-US" sz="1700" dirty="0" smtClean="0"/>
+              <a:t>Response (TINYINT) – Participant response (1-6)</a:t>
+            </a:r>
+          </a:p>
+        </p:txBody>
+      </p:sp>
+    </p:spTree>
+    <p:extLst>
+      <p:ext uri="{BB962C8B-B14F-4D97-AF65-F5344CB8AC3E}">
+        <p14:creationId xmlns:p14="http://schemas.microsoft.com/office/powerpoint/2010/main" val="3425274699"/>
+      </p:ext>
+    </p:extLst>
+  </p:cSld>
+  <p:clrMapOvr>
+    <a:masterClrMapping/>
+  </p:clrMapOvr>
+  <p:timing>
+    <p:tnLst>
+      <p:par>
+        <p:cTn id="1" dur="indefinite" restart="never" nodeType="tmRoot"/>
+      </p:par>
+    </p:tnLst>
+  </p:timing>
+</p:sld>
+</file>
+
+<file path=ppt/slides/slide16.xml><?xml version="1.0" encoding="utf-8"?>
+<p:sld xmlns:a="http://schemas.openxmlformats.org/drawingml/2006/main" xmlns:r="http://schemas.openxmlformats.org/officeDocument/2006/relationships" xmlns:p="http://schemas.openxmlformats.org/presentationml/2006/main">
+  <p:cSld>
+    <p:spTree>
+      <p:nvGrpSpPr>
+        <p:cNvPr id="1" name=""/>
+        <p:cNvGrpSpPr/>
+        <p:nvPr/>
+      </p:nvGrpSpPr>
+      <p:grpSpPr>
+        <a:xfrm>
+          <a:off x="0" y="0"/>
+          <a:ext cx="0" cy="0"/>
+          <a:chOff x="0" y="0"/>
+          <a:chExt cx="0" cy="0"/>
+        </a:xfrm>
+      </p:grpSpPr>
+      <p:sp>
+        <p:nvSpPr>
+          <p:cNvPr id="2" name="Title 1"/>
+          <p:cNvSpPr>
+            <a:spLocks noGrp="1"/>
+          </p:cNvSpPr>
+          <p:nvPr>
+            <p:ph type="title"/>
+          </p:nvPr>
+        </p:nvSpPr>
+        <p:spPr/>
+        <p:txBody>
+          <a:bodyPr/>
+          <a:lstStyle/>
+          <a:p>
+            <a:r>
               <a:rPr lang="en-US" dirty="0" smtClean="0"/>
-              <a:t>ER </a:t>
-            </a:r>
-            <a:r>
+              <a:t>Database</a:t>
+            </a:r>
+            <a:br>
               <a:rPr lang="en-US" dirty="0" smtClean="0"/>
-              <a:t>Diagram</a:t>
+            </a:br>
+            <a:r>
+              <a:rPr lang="en-US" dirty="0" smtClean="0"/>
+              <a:t>ER Diagram</a:t>
             </a:r>
             <a:endParaRPr lang="en-US" dirty="0"/>
           </a:p>
@@ -5125,7 +5256,7 @@
         <p:spPr>
           <a:xfrm>
             <a:off x="745834" y="5128292"/>
-            <a:ext cx="6874166" cy="1569660"/>
+            <a:ext cx="6874166" cy="1323439"/>
           </a:xfrm>
           <a:prstGeom prst="rect">
             <a:avLst/>
@@ -5140,14 +5271,11 @@
           <a:p>
             <a:r>
               <a:rPr lang="en-US" sz="1600" dirty="0" smtClean="0"/>
-              <a:t>NOTE: </a:t>
-            </a:r>
-            <a:br>
+              <a:t>Relationships maintain </a:t>
+            </a:r>
+            <a:r>
               <a:rPr lang="en-US" sz="1600" dirty="0" smtClean="0"/>
-            </a:br>
-            <a:r>
-              <a:rPr lang="en-US" sz="1600" dirty="0" smtClean="0"/>
-              <a:t>Relationships feature cascading:</a:t>
+              <a:t>cascading:</a:t>
             </a:r>
           </a:p>
           <a:p>
@@ -5607,11 +5735,7 @@
             </a:pPr>
             <a:r>
               <a:rPr lang="en-US" dirty="0" smtClean="0"/>
-              <a:t>Semantic Differential Questions (w/ Likert </a:t>
-            </a:r>
-            <a:r>
-              <a:rPr lang="en-US" dirty="0" smtClean="0"/>
-              <a:t>Scale)</a:t>
+              <a:t>Semantic Differential Questions (w/ Likert Scale)</a:t>
             </a:r>
             <a:r>
               <a:rPr lang="en-US" dirty="0"/>
@@ -7912,6 +8036,60 @@
           </a:p>
         </p:txBody>
       </p:sp>
+      <p:pic>
+        <p:nvPicPr>
+          <p:cNvPr id="1027" name="Picture 3"/>
+          <p:cNvPicPr>
+            <a:picLocks noChangeAspect="1" noChangeArrowheads="1"/>
+          </p:cNvPicPr>
+          <p:nvPr/>
+        </p:nvPicPr>
+        <p:blipFill>
+          <a:blip r:embed="rId2">
+            <a:extLst>
+              <a:ext uri="{28A0092B-C50C-407E-A947-70E740481C1C}">
+                <a14:useLocalDpi xmlns:a14="http://schemas.microsoft.com/office/drawing/2010/main" val="0"/>
+              </a:ext>
+            </a:extLst>
+          </a:blip>
+          <a:srcRect/>
+          <a:stretch>
+            <a:fillRect/>
+          </a:stretch>
+        </p:blipFill>
+        <p:spPr bwMode="auto">
+          <a:xfrm>
+            <a:off x="7467600" y="381000"/>
+            <a:ext cx="1066800" cy="1133475"/>
+          </a:xfrm>
+          <a:prstGeom prst="rect">
+            <a:avLst/>
+          </a:prstGeom>
+          <a:noFill/>
+          <a:ln>
+            <a:noFill/>
+          </a:ln>
+          <a:extLst>
+            <a:ext uri="{909E8E84-426E-40DD-AFC4-6F175D3DCCD1}">
+              <a14:hiddenFill xmlns:a14="http://schemas.microsoft.com/office/drawing/2010/main">
+                <a:solidFill>
+                  <a:schemeClr val="accent1"/>
+                </a:solidFill>
+              </a14:hiddenFill>
+            </a:ext>
+            <a:ext uri="{91240B29-F687-4F45-9708-019B960494DF}">
+              <a14:hiddenLine xmlns:a14="http://schemas.microsoft.com/office/drawing/2010/main" w="9525">
+                <a:solidFill>
+                  <a:schemeClr val="tx1"/>
+                </a:solidFill>
+                <a:miter lim="800000"/>
+                <a:headEnd/>
+                <a:tailEnd/>
+              </a14:hiddenLine>
+            </a:ext>
+          </a:extLst>
+        </p:spPr>
+      </p:pic>
     </p:spTree>
     <p:extLst>
       <p:ext uri="{BB962C8B-B14F-4D97-AF65-F5344CB8AC3E}">
@@ -8134,6 +8312,60 @@
           </a:p>
         </p:txBody>
       </p:sp>
+      <p:pic>
+        <p:nvPicPr>
+          <p:cNvPr id="2050" name="Picture 2"/>
+          <p:cNvPicPr>
+            <a:picLocks noChangeAspect="1" noChangeArrowheads="1"/>
+          </p:cNvPicPr>
+          <p:nvPr/>
+        </p:nvPicPr>
+        <p:blipFill>
+          <a:blip r:embed="rId2">
+            <a:extLst>
+              <a:ext uri="{28A0092B-C50C-407E-A947-70E740481C1C}">
+                <a14:useLocalDpi xmlns:a14="http://schemas.microsoft.com/office/drawing/2010/main" val="0"/>
+              </a:ext>
+            </a:extLst>
+          </a:blip>
+          <a:srcRect/>
+          <a:stretch>
+            <a:fillRect/>
+          </a:stretch>
+        </p:blipFill>
+        <p:spPr bwMode="auto">
+          <a:xfrm>
+            <a:off x="7467600" y="381000"/>
+            <a:ext cx="1066800" cy="1133475"/>
+          </a:xfrm>
+          <a:prstGeom prst="rect">
+            <a:avLst/>
+          </a:prstGeom>
+          <a:noFill/>
+          <a:ln>
+            <a:noFill/>
+          </a:ln>
+          <a:extLst>
+            <a:ext uri="{909E8E84-426E-40DD-AFC4-6F175D3DCCD1}">
+              <a14:hiddenFill xmlns:a14="http://schemas.microsoft.com/office/drawing/2010/main">
+                <a:solidFill>
+                  <a:schemeClr val="accent1"/>
+                </a:solidFill>
+              </a14:hiddenFill>
+            </a:ext>
+            <a:ext uri="{91240B29-F687-4F45-9708-019B960494DF}">
+              <a14:hiddenLine xmlns:a14="http://schemas.microsoft.com/office/drawing/2010/main" w="9525">
+                <a:solidFill>
+                  <a:schemeClr val="tx1"/>
+                </a:solidFill>
+                <a:miter lim="800000"/>
+                <a:headEnd/>
+                <a:tailEnd/>
+              </a14:hiddenLine>
+            </a:ext>
+          </a:extLst>
+        </p:spPr>
+      </p:pic>
     </p:spTree>
     <p:extLst>
       <p:ext uri="{BB962C8B-B14F-4D97-AF65-F5344CB8AC3E}">
@@ -8368,6 +8600,70 @@
           </a:p>
         </p:txBody>
       </p:sp>
+      <p:pic>
+        <p:nvPicPr>
+          <p:cNvPr id="3075" name="Picture 3"/>
+          <p:cNvPicPr>
+            <a:picLocks noChangeAspect="1" noChangeArrowheads="1"/>
+          </p:cNvPicPr>
+          <p:nvPr/>
+        </p:nvPicPr>
+        <p:blipFill>
+          <a:blip r:embed="rId2">
+            <a:extLst>
+              <a:ext uri="{28A0092B-C50C-407E-A947-70E740481C1C}">
+                <a14:useLocalDpi xmlns:a14="http://schemas.microsoft.com/office/drawing/2010/main" val="0"/>
+              </a:ext>
+            </a:extLst>
+          </a:blip>
+          <a:srcRect/>
+          <a:stretch>
+            <a:fillRect/>
+          </a:stretch>
+        </p:blipFill>
+        <p:spPr bwMode="auto">
+          <a:xfrm>
+            <a:off x="7327900" y="381000"/>
+            <a:ext cx="1358900" cy="1165225"/>
+          </a:xfrm>
+          <a:prstGeom prst="rect">
+            <a:avLst/>
+          </a:prstGeom>
+          <a:noFill/>
+          <a:ln>
+            <a:noFill/>
+          </a:ln>
+          <a:effectLst/>
+          <a:extLst>
+            <a:ext uri="{909E8E84-426E-40DD-AFC4-6F175D3DCCD1}">
+              <a14:hiddenFill xmlns:a14="http://schemas.microsoft.com/office/drawing/2010/main">
+                <a:solidFill>
+                  <a:schemeClr val="accent1"/>
+                </a:solidFill>
+              </a14:hiddenFill>
+            </a:ext>
+            <a:ext uri="{91240B29-F687-4F45-9708-019B960494DF}">
+              <a14:hiddenLine xmlns:a14="http://schemas.microsoft.com/office/drawing/2010/main" w="9525">
+                <a:solidFill>
+                  <a:schemeClr val="tx1"/>
+                </a:solidFill>
+                <a:miter lim="800000"/>
+                <a:headEnd/>
+                <a:tailEnd/>
+              </a14:hiddenLine>
+            </a:ext>
+            <a:ext uri="{AF507438-7753-43E0-B8FC-AC1667EBCBE1}">
+              <a14:hiddenEffects xmlns:a14="http://schemas.microsoft.com/office/drawing/2010/main">
+                <a:effectLst>
+                  <a:outerShdw dist="35921" dir="2700000" algn="ctr" rotWithShape="0">
+                    <a:schemeClr val="bg2"/>
+                  </a:outerShdw>
+                </a:effectLst>
+              </a14:hiddenEffects>
+            </a:ext>
+          </a:extLst>
+        </p:spPr>
+      </p:pic>
     </p:spTree>
     <p:extLst>
       <p:ext uri="{BB962C8B-B14F-4D97-AF65-F5344CB8AC3E}">
@@ -8478,15 +8774,7 @@
             </a:pPr>
             <a:r>
               <a:rPr lang="en-US" sz="1700" dirty="0" smtClean="0"/>
-              <a:t>The database </a:t>
-            </a:r>
-            <a:r>
-              <a:rPr lang="en-US" sz="1700" dirty="0" smtClean="0"/>
-              <a:t>should </a:t>
-            </a:r>
-            <a:r>
-              <a:rPr lang="en-US" sz="1700" dirty="0" smtClean="0"/>
-              <a:t>be implemented using MySQL</a:t>
+              <a:t>The database should be implemented using MySQL</a:t>
             </a:r>
           </a:p>
           <a:p>
@@ -8517,11 +8805,7 @@
             <a:pPr marL="742950" lvl="1" indent="-285750"/>
             <a:r>
               <a:rPr lang="en-US" sz="1700" dirty="0" smtClean="0"/>
-              <a:t>Relationships used to eliminate redundant </a:t>
-            </a:r>
-            <a:r>
-              <a:rPr lang="en-US" sz="1700" dirty="0" smtClean="0"/>
-              <a:t>data</a:t>
+              <a:t>Relationships used to eliminate redundant data</a:t>
             </a:r>
           </a:p>
           <a:p>
@@ -8530,10 +8814,73 @@
               <a:rPr lang="en-US" sz="1700" dirty="0" smtClean="0"/>
               <a:t>Appropriate data types and length restrictions.</a:t>
             </a:r>
-            <a:endParaRPr lang="en-US" sz="1700" dirty="0" smtClean="0"/>
-          </a:p>
-        </p:txBody>
-      </p:sp>
+          </a:p>
+        </p:txBody>
+      </p:sp>
+      <p:pic>
+        <p:nvPicPr>
+          <p:cNvPr id="4099" name="Picture 3"/>
+          <p:cNvPicPr>
+            <a:picLocks noChangeAspect="1" noChangeArrowheads="1"/>
+          </p:cNvPicPr>
+          <p:nvPr/>
+        </p:nvPicPr>
+        <p:blipFill>
+          <a:blip r:embed="rId2">
+            <a:extLst>
+              <a:ext uri="{28A0092B-C50C-407E-A947-70E740481C1C}">
+                <a14:useLocalDpi xmlns:a14="http://schemas.microsoft.com/office/drawing/2010/main" val="0"/>
+              </a:ext>
+            </a:extLst>
+          </a:blip>
+          <a:srcRect/>
+          <a:stretch>
+            <a:fillRect/>
+          </a:stretch>
+        </p:blipFill>
+        <p:spPr bwMode="auto">
+          <a:xfrm>
+            <a:off x="7162800" y="304800"/>
+            <a:ext cx="1341437" cy="1384300"/>
+          </a:xfrm>
+          <a:prstGeom prst="rect">
+            <a:avLst/>
+          </a:prstGeom>
+          <a:noFill/>
+          <a:ln>
+            <a:noFill/>
+          </a:ln>
+          <a:effectLst/>
+          <a:extLst>
+            <a:ext uri="{909E8E84-426E-40DD-AFC4-6F175D3DCCD1}">
+              <a14:hiddenFill xmlns:a14="http://schemas.microsoft.com/office/drawing/2010/main">
+                <a:solidFill>
+                  <a:schemeClr val="accent1"/>
+                </a:solidFill>
+              </a14:hiddenFill>
+            </a:ext>
+            <a:ext uri="{91240B29-F687-4F45-9708-019B960494DF}">
+              <a14:hiddenLine xmlns:a14="http://schemas.microsoft.com/office/drawing/2010/main" w="9525">
+                <a:solidFill>
+                  <a:schemeClr val="tx1"/>
+                </a:solidFill>
+                <a:miter lim="800000"/>
+                <a:headEnd/>
+                <a:tailEnd/>
+              </a14:hiddenLine>
+            </a:ext>
+            <a:ext uri="{AF507438-7753-43E0-B8FC-AC1667EBCBE1}">
+              <a14:hiddenEffects xmlns:a14="http://schemas.microsoft.com/office/drawing/2010/main">
+                <a:effectLst>
+                  <a:outerShdw dist="35921" dir="2700000" algn="ctr" rotWithShape="0">
+                    <a:schemeClr val="bg2"/>
+                  </a:outerShdw>
+                </a:effectLst>
+              </a14:hiddenEffects>
+            </a:ext>
+          </a:extLst>
+        </p:spPr>
+      </p:pic>
     </p:spTree>
     <p:extLst>
       <p:ext uri="{BB962C8B-B14F-4D97-AF65-F5344CB8AC3E}">

--- a/Survey System - Progress Presentation 3.pptx
+++ b/Survey System - Progress Presentation 3.pptx
@@ -4574,6 +4574,13 @@
   <p:clrMapOvr>
     <a:masterClrMapping/>
   </p:clrMapOvr>
+  <p:timing>
+    <p:tnLst>
+      <p:par>
+        <p:cTn id="1" dur="indefinite" restart="never" nodeType="tmRoot"/>
+      </p:par>
+    </p:tnLst>
+  </p:timing>
 </p:sld>
 </file>
 
@@ -4653,29 +4660,45 @@
           <a:p>
             <a:pPr marL="800100" lvl="1" indent="-342900"/>
             <a:r>
+              <a:rPr lang="en-US" sz="1700" u="sng" dirty="0" smtClean="0"/>
+              <a:t>ID</a:t>
+            </a:r>
+            <a:r>
               <a:rPr lang="en-US" sz="1700" dirty="0" smtClean="0"/>
-              <a:t>ID (SMALLINT) – Auto Increment ID</a:t>
+              <a:t> (SMALLINT) – Auto Increment ID</a:t>
             </a:r>
           </a:p>
           <a:p>
             <a:pPr marL="800100" lvl="1" indent="-342900"/>
             <a:r>
+              <a:rPr lang="en-US" sz="1700" u="sng" dirty="0" smtClean="0"/>
+              <a:t>Name</a:t>
+            </a:r>
+            <a:r>
               <a:rPr lang="en-US" sz="1700" dirty="0" smtClean="0"/>
-              <a:t>Name (VARCHAR) – Name of the company</a:t>
+              <a:t> (VARCHAR) – Name of the company</a:t>
             </a:r>
           </a:p>
           <a:p>
             <a:pPr marL="800100" lvl="1" indent="-342900"/>
             <a:r>
+              <a:rPr lang="en-US" sz="1700" u="sng" dirty="0" smtClean="0"/>
+              <a:t>Address</a:t>
+            </a:r>
+            <a:r>
               <a:rPr lang="en-US" sz="1700" dirty="0" smtClean="0"/>
-              <a:t>Address (VARCHAR) – Address of the company</a:t>
+              <a:t> (VARCHAR) – Address of the company</a:t>
             </a:r>
           </a:p>
           <a:p>
             <a:pPr marL="800100" lvl="1" indent="-342900"/>
             <a:r>
+              <a:rPr lang="en-US" sz="1700" u="sng" dirty="0" smtClean="0"/>
+              <a:t>Phone</a:t>
+            </a:r>
+            <a:r>
               <a:rPr lang="en-US" sz="1700" dirty="0" smtClean="0"/>
-              <a:t>Phone (VARCHAR) – Phone number of contact</a:t>
+              <a:t> (VARCHAR) – Phone number of contact</a:t>
             </a:r>
           </a:p>
           <a:p>
@@ -4691,8 +4714,12 @@
           <a:p>
             <a:pPr marL="800100" lvl="1" indent="-342900"/>
             <a:r>
+              <a:rPr lang="en-US" sz="1700" u="sng" dirty="0" smtClean="0"/>
+              <a:t>ID</a:t>
+            </a:r>
+            <a:r>
               <a:rPr lang="en-US" sz="1700" dirty="0" smtClean="0"/>
-              <a:t>ID (INT) </a:t>
+              <a:t> (INT) </a:t>
             </a:r>
             <a:r>
               <a:rPr lang="en-US" sz="1700" dirty="0"/>
@@ -4715,14 +4742,18 @@
           <a:p>
             <a:pPr marL="800100" lvl="1" indent="-342900"/>
             <a:r>
+              <a:rPr lang="en-US" sz="1700" u="sng" dirty="0" smtClean="0"/>
+              <a:t>CID</a:t>
+            </a:r>
+            <a:r>
               <a:rPr lang="en-US" sz="1700" dirty="0" smtClean="0"/>
-              <a:t>CID (SMALLINT) – Company ID (one company, many surveys)</a:t>
+              <a:t> (SMALLINT) – Company ID (one company, many surveys)</a:t>
             </a:r>
           </a:p>
           <a:p>
             <a:pPr marL="800100" lvl="1" indent="-342900"/>
             <a:r>
-              <a:rPr lang="en-US" sz="1700" dirty="0" err="1" smtClean="0"/>
+              <a:rPr lang="en-US" sz="1700" u="sng" dirty="0" err="1" smtClean="0"/>
               <a:t>StartDate</a:t>
             </a:r>
             <a:r>
@@ -4733,7 +4764,7 @@
           <a:p>
             <a:pPr marL="800100" lvl="1" indent="-342900"/>
             <a:r>
-              <a:rPr lang="en-US" sz="1700" dirty="0" err="1" smtClean="0"/>
+              <a:rPr lang="en-US" sz="1700" u="sng" dirty="0" err="1" smtClean="0"/>
               <a:t>EndDate</a:t>
             </a:r>
             <a:r>
@@ -4839,22 +4870,34 @@
           <a:p>
             <a:pPr marL="800100" lvl="1" indent="-342900"/>
             <a:r>
+              <a:rPr lang="en-US" sz="1700" u="sng" dirty="0" smtClean="0"/>
+              <a:t>ID</a:t>
+            </a:r>
+            <a:r>
               <a:rPr lang="en-US" sz="1700" dirty="0" smtClean="0"/>
-              <a:t>ID (INT) – Auto Increment ID</a:t>
+              <a:t> (INT) – Auto Increment ID</a:t>
             </a:r>
           </a:p>
           <a:p>
             <a:pPr marL="800100" lvl="1" indent="-342900"/>
             <a:r>
+              <a:rPr lang="en-US" sz="1700" u="sng" dirty="0" smtClean="0"/>
+              <a:t>SID</a:t>
+            </a:r>
+            <a:r>
               <a:rPr lang="en-US" sz="1700" dirty="0" smtClean="0"/>
-              <a:t>SID (INT) – Survey ID (one survey, many departments)</a:t>
+              <a:t> (INT) – Survey ID (one survey, many departments)</a:t>
             </a:r>
           </a:p>
           <a:p>
             <a:pPr marL="800100" lvl="1" indent="-342900"/>
             <a:r>
+              <a:rPr lang="en-US" sz="1700" u="sng" dirty="0" smtClean="0"/>
+              <a:t>Name</a:t>
+            </a:r>
+            <a:r>
               <a:rPr lang="en-US" sz="1700" dirty="0" smtClean="0"/>
-              <a:t>Name (VARCHAR) – Name of the company</a:t>
+              <a:t> (VARCHAR) – Name of the company</a:t>
             </a:r>
           </a:p>
           <a:p>
@@ -4870,8 +4913,12 @@
           <a:p>
             <a:pPr marL="800100" lvl="1" indent="-342900"/>
             <a:r>
+              <a:rPr lang="en-US" sz="1700" u="sng" dirty="0" smtClean="0"/>
+              <a:t>ID</a:t>
+            </a:r>
+            <a:r>
               <a:rPr lang="en-US" sz="1700" dirty="0" smtClean="0"/>
-              <a:t>ID (INT) </a:t>
+              <a:t> (INT) </a:t>
             </a:r>
             <a:r>
               <a:rPr lang="en-US" sz="1700" dirty="0"/>
@@ -4894,22 +4941,34 @@
           <a:p>
             <a:pPr marL="800100" lvl="1" indent="-342900"/>
             <a:r>
+              <a:rPr lang="en-US" sz="1700" u="sng" dirty="0" smtClean="0"/>
+              <a:t>DID</a:t>
+            </a:r>
+            <a:r>
               <a:rPr lang="en-US" sz="1700" dirty="0" smtClean="0"/>
-              <a:t>DID (INT) – Department ID (one department, many participants)</a:t>
+              <a:t> (INT) – Department ID (one department, many participants)</a:t>
             </a:r>
           </a:p>
           <a:p>
             <a:pPr marL="800100" lvl="1" indent="-342900"/>
             <a:r>
+              <a:rPr lang="en-US" sz="1700" u="sng" dirty="0" smtClean="0"/>
+              <a:t>Email</a:t>
+            </a:r>
+            <a:r>
               <a:rPr lang="en-US" sz="1700" dirty="0" smtClean="0"/>
-              <a:t>Email (VARCHAR) – The participant’s email</a:t>
+              <a:t> (VARCHAR) – The participant’s email</a:t>
             </a:r>
           </a:p>
           <a:p>
             <a:pPr marL="800100" lvl="1" indent="-342900"/>
             <a:r>
+              <a:rPr lang="en-US" sz="1700" u="sng" dirty="0" smtClean="0"/>
+              <a:t>Submitted</a:t>
+            </a:r>
+            <a:r>
               <a:rPr lang="en-US" sz="1700" dirty="0" smtClean="0"/>
-              <a:t>Submitted (TINYINT) – Indicated submission status (</a:t>
+              <a:t> (TINYINT) – Indicated submission status (</a:t>
             </a:r>
             <a:r>
               <a:rPr lang="en-US" sz="1700" dirty="0" err="1" smtClean="0"/>
@@ -5018,22 +5077,34 @@
           <a:p>
             <a:pPr marL="800100" lvl="1" indent="-342900"/>
             <a:r>
+              <a:rPr lang="en-US" sz="1700" u="sng" dirty="0" smtClean="0"/>
+              <a:t>ID</a:t>
+            </a:r>
+            <a:r>
               <a:rPr lang="en-US" sz="1700" dirty="0" smtClean="0"/>
-              <a:t>ID (SMALLINT) – Configurable Question ID</a:t>
+              <a:t> (SMALLINT) – Configurable Question ID</a:t>
             </a:r>
           </a:p>
           <a:p>
             <a:pPr marL="800100" lvl="1" indent="-342900"/>
             <a:r>
+              <a:rPr lang="en-US" sz="1700" u="sng" dirty="0" smtClean="0"/>
+              <a:t>LS</a:t>
+            </a:r>
+            <a:r>
               <a:rPr lang="en-US" sz="1700" dirty="0" smtClean="0"/>
-              <a:t>LS (VARCHAR) – Left statement</a:t>
+              <a:t> (VARCHAR) – Left statement</a:t>
             </a:r>
           </a:p>
           <a:p>
             <a:pPr marL="800100" lvl="1" indent="-342900"/>
             <a:r>
+              <a:rPr lang="en-US" sz="1700" u="sng" dirty="0" smtClean="0"/>
+              <a:t>RS</a:t>
+            </a:r>
+            <a:r>
               <a:rPr lang="en-US" sz="1700" dirty="0" smtClean="0"/>
-              <a:t>RS (VARCHAR) – Right statement</a:t>
+              <a:t> (VARCHAR) – Right statement</a:t>
             </a:r>
           </a:p>
           <a:p>
@@ -5049,8 +5120,12 @@
           <a:p>
             <a:pPr marL="800100" lvl="1" indent="-342900"/>
             <a:r>
+              <a:rPr lang="en-US" sz="1700" u="sng" dirty="0" smtClean="0"/>
+              <a:t>SID</a:t>
+            </a:r>
+            <a:r>
               <a:rPr lang="en-US" sz="1700" dirty="0" smtClean="0"/>
-              <a:t>SID (INT) </a:t>
+              <a:t> (INT) </a:t>
             </a:r>
             <a:r>
               <a:rPr lang="en-US" sz="1700" dirty="0"/>
@@ -5065,15 +5140,23 @@
           <a:p>
             <a:pPr marL="800100" lvl="1" indent="-342900"/>
             <a:r>
+              <a:rPr lang="en-US" sz="1700" u="sng" dirty="0" smtClean="0"/>
+              <a:t>QID</a:t>
+            </a:r>
+            <a:r>
               <a:rPr lang="en-US" sz="1700" dirty="0" smtClean="0"/>
-              <a:t>QID (INT) – Question ID (one question, many times chosen)</a:t>
+              <a:t> (INT) – Question ID (one question, many times chosen)</a:t>
             </a:r>
           </a:p>
           <a:p>
             <a:pPr marL="800100" lvl="1" indent="-342900"/>
             <a:r>
+              <a:rPr lang="en-US" sz="1700" u="sng" dirty="0" smtClean="0"/>
+              <a:t>Order</a:t>
+            </a:r>
+            <a:r>
               <a:rPr lang="en-US" sz="1700" dirty="0" smtClean="0"/>
-              <a:t>Order (SMALLINT) – The order of the question in the survey</a:t>
+              <a:t> (SMALLINT) – The order of the question in the survey</a:t>
             </a:r>
           </a:p>
           <a:p>
@@ -5089,29 +5172,45 @@
           <a:p>
             <a:pPr marL="800100" lvl="1" indent="-342900"/>
             <a:r>
+              <a:rPr lang="en-US" sz="1700" u="sng" dirty="0" smtClean="0"/>
+              <a:t>ID</a:t>
+            </a:r>
+            <a:r>
               <a:rPr lang="en-US" sz="1700" dirty="0" smtClean="0"/>
-              <a:t>ID (INT) – Auto Increment ID</a:t>
+              <a:t> (INT) – Auto Increment ID</a:t>
             </a:r>
           </a:p>
           <a:p>
             <a:pPr marL="800100" lvl="1" indent="-342900"/>
             <a:r>
+              <a:rPr lang="en-US" sz="1700" u="sng" dirty="0" smtClean="0"/>
+              <a:t>DID</a:t>
+            </a:r>
+            <a:r>
               <a:rPr lang="en-US" sz="1700" dirty="0" smtClean="0"/>
-              <a:t>DID (INT) – Department ID (one department, many responses)</a:t>
+              <a:t> (INT) – Department ID (one department, many responses)</a:t>
             </a:r>
           </a:p>
           <a:p>
             <a:pPr marL="800100" lvl="1" indent="-342900"/>
             <a:r>
+              <a:rPr lang="en-US" sz="1700" u="sng" dirty="0" smtClean="0"/>
+              <a:t>QID</a:t>
+            </a:r>
+            <a:r>
               <a:rPr lang="en-US" sz="1700" dirty="0" smtClean="0"/>
-              <a:t>QID (SMALLINT) – Question ID (one question, many responses)</a:t>
+              <a:t> (SMALLINT) – Question ID (one question, many responses)</a:t>
             </a:r>
           </a:p>
           <a:p>
             <a:pPr marL="800100" lvl="1" indent="-342900"/>
             <a:r>
+              <a:rPr lang="en-US" sz="1700" u="sng" dirty="0" smtClean="0"/>
+              <a:t>Response</a:t>
+            </a:r>
+            <a:r>
               <a:rPr lang="en-US" sz="1700" dirty="0" smtClean="0"/>
-              <a:t>Response (TINYINT) – Participant response (1-6)</a:t>
+              <a:t> (TINYINT) – Participant response (1-6)</a:t>
             </a:r>
           </a:p>
         </p:txBody>
@@ -5271,11 +5370,7 @@
           <a:p>
             <a:r>
               <a:rPr lang="en-US" sz="1600" dirty="0" smtClean="0"/>
-              <a:t>Relationships maintain </a:t>
-            </a:r>
-            <a:r>
-              <a:rPr lang="en-US" sz="1600" dirty="0" smtClean="0"/>
-              <a:t>cascading:</a:t>
+              <a:t>Relationships maintain cascading:</a:t>
             </a:r>
           </a:p>
           <a:p>

--- a/Survey System - Progress Presentation 3.pptx
+++ b/Survey System - Progress Presentation 3.pptx
@@ -207,7 +207,7 @@
           <a:p>
             <a:fld id="{14FE2FB0-7E73-4AA2-8150-33F49396550F}" type="datetimeFigureOut">
               <a:rPr lang="en-US" smtClean="0"/>
-              <a:t>2/20/2018</a:t>
+              <a:t>2/21/2018</a:t>
             </a:fld>
             <a:endParaRPr lang="en-US"/>
           </a:p>
@@ -1004,7 +1004,7 @@
           <a:p>
             <a:fld id="{B3238089-FB4F-4FF5-B3AA-6347969F1A37}" type="datetimeFigureOut">
               <a:rPr lang="en-US" smtClean="0"/>
-              <a:t>2/20/2018</a:t>
+              <a:t>2/21/2018</a:t>
             </a:fld>
             <a:endParaRPr lang="en-US"/>
           </a:p>
@@ -1269,7 +1269,7 @@
           <a:p>
             <a:fld id="{B3238089-FB4F-4FF5-B3AA-6347969F1A37}" type="datetimeFigureOut">
               <a:rPr lang="en-US" smtClean="0"/>
-              <a:t>2/20/2018</a:t>
+              <a:t>2/21/2018</a:t>
             </a:fld>
             <a:endParaRPr lang="en-US"/>
           </a:p>
@@ -1444,7 +1444,7 @@
           <a:p>
             <a:fld id="{B3238089-FB4F-4FF5-B3AA-6347969F1A37}" type="datetimeFigureOut">
               <a:rPr lang="en-US" smtClean="0"/>
-              <a:t>2/20/2018</a:t>
+              <a:t>2/21/2018</a:t>
             </a:fld>
             <a:endParaRPr lang="en-US"/>
           </a:p>
@@ -1609,7 +1609,7 @@
           <a:p>
             <a:fld id="{B3238089-FB4F-4FF5-B3AA-6347969F1A37}" type="datetimeFigureOut">
               <a:rPr lang="en-US" smtClean="0"/>
-              <a:t>2/20/2018</a:t>
+              <a:t>2/21/2018</a:t>
             </a:fld>
             <a:endParaRPr lang="en-US"/>
           </a:p>
@@ -1858,7 +1858,7 @@
           <a:p>
             <a:fld id="{B3238089-FB4F-4FF5-B3AA-6347969F1A37}" type="datetimeFigureOut">
               <a:rPr lang="en-US" smtClean="0"/>
-              <a:t>2/20/2018</a:t>
+              <a:t>2/21/2018</a:t>
             </a:fld>
             <a:endParaRPr lang="en-US"/>
           </a:p>
@@ -2141,7 +2141,7 @@
           <a:p>
             <a:fld id="{B3238089-FB4F-4FF5-B3AA-6347969F1A37}" type="datetimeFigureOut">
               <a:rPr lang="en-US" smtClean="0"/>
-              <a:t>2/20/2018</a:t>
+              <a:t>2/21/2018</a:t>
             </a:fld>
             <a:endParaRPr lang="en-US"/>
           </a:p>
@@ -2580,7 +2580,7 @@
           <a:p>
             <a:fld id="{B3238089-FB4F-4FF5-B3AA-6347969F1A37}" type="datetimeFigureOut">
               <a:rPr lang="en-US" smtClean="0"/>
-              <a:t>2/20/2018</a:t>
+              <a:t>2/21/2018</a:t>
             </a:fld>
             <a:endParaRPr lang="en-US"/>
           </a:p>
@@ -2693,7 +2693,7 @@
           <a:p>
             <a:fld id="{B3238089-FB4F-4FF5-B3AA-6347969F1A37}" type="datetimeFigureOut">
               <a:rPr lang="en-US" smtClean="0"/>
-              <a:t>2/20/2018</a:t>
+              <a:t>2/21/2018</a:t>
             </a:fld>
             <a:endParaRPr lang="en-US"/>
           </a:p>
@@ -2783,7 +2783,7 @@
           <a:p>
             <a:fld id="{B3238089-FB4F-4FF5-B3AA-6347969F1A37}" type="datetimeFigureOut">
               <a:rPr lang="en-US" smtClean="0"/>
-              <a:t>2/20/2018</a:t>
+              <a:t>2/21/2018</a:t>
             </a:fld>
             <a:endParaRPr lang="en-US"/>
           </a:p>
@@ -3025,7 +3025,7 @@
           <a:p>
             <a:fld id="{B3238089-FB4F-4FF5-B3AA-6347969F1A37}" type="datetimeFigureOut">
               <a:rPr lang="en-US" smtClean="0"/>
-              <a:t>2/20/2018</a:t>
+              <a:t>2/21/2018</a:t>
             </a:fld>
             <a:endParaRPr lang="en-US"/>
           </a:p>
@@ -3319,7 +3319,7 @@
           <a:p>
             <a:fld id="{B3238089-FB4F-4FF5-B3AA-6347969F1A37}" type="datetimeFigureOut">
               <a:rPr lang="en-US" smtClean="0"/>
-              <a:t>2/20/2018</a:t>
+              <a:t>2/21/2018</a:t>
             </a:fld>
             <a:endParaRPr lang="en-US"/>
           </a:p>
@@ -3613,7 +3613,7 @@
           <a:p>
             <a:fld id="{B3238089-FB4F-4FF5-B3AA-6347969F1A37}" type="datetimeFigureOut">
               <a:rPr lang="en-US" smtClean="0"/>
-              <a:t>2/20/2018</a:t>
+              <a:t>2/21/2018</a:t>
             </a:fld>
             <a:endParaRPr lang="en-US"/>
           </a:p>
@@ -4494,7 +4494,9 @@
         </p:nvSpPr>
         <p:spPr/>
         <p:txBody>
-          <a:bodyPr/>
+          <a:bodyPr>
+            <a:normAutofit fontScale="92500" lnSpcReduction="10000"/>
+          </a:bodyPr>
           <a:lstStyle/>
           <a:p>
             <a:r>
@@ -4544,21 +4546,54 @@
           <a:p>
             <a:r>
               <a:rPr lang="en-US" dirty="0" smtClean="0"/>
-              <a:t>System Operations:</a:t>
+              <a:t>System Operations</a:t>
+            </a:r>
+            <a:r>
+              <a:rPr lang="en-US" dirty="0" smtClean="0"/>
+              <a:t>:</a:t>
             </a:r>
           </a:p>
           <a:p>
             <a:pPr marL="800100" lvl="1" indent="-342900"/>
             <a:r>
               <a:rPr lang="en-US" dirty="0" smtClean="0"/>
-              <a:t>Create New Survey – O(n)</a:t>
+              <a:t>Create </a:t>
+            </a:r>
+            <a:r>
+              <a:rPr lang="en-US" dirty="0" smtClean="0"/>
+              <a:t>New Survey – O(n)</a:t>
             </a:r>
           </a:p>
           <a:p>
             <a:pPr marL="800100" lvl="1" indent="-342900"/>
             <a:r>
               <a:rPr lang="en-US" dirty="0" smtClean="0"/>
-              <a:t>Submit Survey Responses – O(n)</a:t>
+              <a:t>Submit Survey Responses – O(n</a:t>
+            </a:r>
+            <a:r>
+              <a:rPr lang="en-US" dirty="0" smtClean="0"/>
+              <a:t>)</a:t>
+            </a:r>
+          </a:p>
+          <a:p>
+            <a:pPr marL="800100" lvl="1" indent="-342900"/>
+            <a:r>
+              <a:rPr lang="en-US" dirty="0" smtClean="0"/>
+              <a:t>Send Reminder Email – O(1)</a:t>
+            </a:r>
+          </a:p>
+          <a:p>
+            <a:pPr marL="800100" lvl="1" indent="-342900"/>
+            <a:r>
+              <a:rPr lang="en-US" dirty="0" smtClean="0"/>
+              <a:t>Send Reminder Emails (survey, department) – O(n)</a:t>
+            </a:r>
+          </a:p>
+          <a:p>
+            <a:pPr marL="800100" lvl="1" indent="-342900"/>
+            <a:r>
+              <a:rPr lang="en-US" dirty="0" smtClean="0"/>
+              <a:t>Generate Report – O(n)</a:t>
             </a:r>
             <a:endParaRPr lang="en-US" dirty="0"/>
           </a:p>
